--- a/lecture/1071524_Problem.pptx
+++ b/lecture/1071524_Problem.pptx
@@ -13,10 +13,17 @@
     <p:sldId id="268" r:id="rId7"/>
     <p:sldId id="269" r:id="rId8"/>
     <p:sldId id="270" r:id="rId9"/>
-    <p:sldId id="261" r:id="rId10"/>
-    <p:sldId id="262" r:id="rId11"/>
-    <p:sldId id="263" r:id="rId12"/>
-    <p:sldId id="260" r:id="rId13"/>
+    <p:sldId id="271" r:id="rId10"/>
+    <p:sldId id="273" r:id="rId11"/>
+    <p:sldId id="274" r:id="rId12"/>
+    <p:sldId id="275" r:id="rId13"/>
+    <p:sldId id="276" r:id="rId14"/>
+    <p:sldId id="277" r:id="rId15"/>
+    <p:sldId id="278" r:id="rId16"/>
+    <p:sldId id="272" r:id="rId17"/>
+    <p:sldId id="262" r:id="rId18"/>
+    <p:sldId id="263" r:id="rId19"/>
+    <p:sldId id="260" r:id="rId20"/>
   </p:sldIdLst>
   <p:sldSz cx="9144000" cy="6858000" type="screen4x3"/>
   <p:notesSz cx="6858000" cy="9144000"/>
@@ -313,7 +320,7 @@
           <a:p>
             <a:fld id="{C8F1A8D0-D194-402E-BE0F-18401978C0C2}" type="datetimeFigureOut">
               <a:rPr lang="zh-TW" altLang="en-US" smtClean="0"/>
-              <a:t>2021/4/11</a:t>
+              <a:t>2021/4/13</a:t>
             </a:fld>
             <a:endParaRPr lang="zh-TW" altLang="en-US"/>
           </a:p>
@@ -481,7 +488,7 @@
           <a:p>
             <a:fld id="{C8F1A8D0-D194-402E-BE0F-18401978C0C2}" type="datetimeFigureOut">
               <a:rPr lang="zh-TW" altLang="en-US" smtClean="0"/>
-              <a:t>2021/4/11</a:t>
+              <a:t>2021/4/13</a:t>
             </a:fld>
             <a:endParaRPr lang="zh-TW" altLang="en-US"/>
           </a:p>
@@ -659,7 +666,7 @@
           <a:p>
             <a:fld id="{C8F1A8D0-D194-402E-BE0F-18401978C0C2}" type="datetimeFigureOut">
               <a:rPr lang="zh-TW" altLang="en-US" smtClean="0"/>
-              <a:t>2021/4/11</a:t>
+              <a:t>2021/4/13</a:t>
             </a:fld>
             <a:endParaRPr lang="zh-TW" altLang="en-US"/>
           </a:p>
@@ -827,7 +834,7 @@
           <a:p>
             <a:fld id="{C8F1A8D0-D194-402E-BE0F-18401978C0C2}" type="datetimeFigureOut">
               <a:rPr lang="zh-TW" altLang="en-US" smtClean="0"/>
-              <a:t>2021/4/11</a:t>
+              <a:t>2021/4/13</a:t>
             </a:fld>
             <a:endParaRPr lang="zh-TW" altLang="en-US"/>
           </a:p>
@@ -1072,7 +1079,7 @@
           <a:p>
             <a:fld id="{C8F1A8D0-D194-402E-BE0F-18401978C0C2}" type="datetimeFigureOut">
               <a:rPr lang="zh-TW" altLang="en-US" smtClean="0"/>
-              <a:t>2021/4/11</a:t>
+              <a:t>2021/4/13</a:t>
             </a:fld>
             <a:endParaRPr lang="zh-TW" altLang="en-US"/>
           </a:p>
@@ -1357,7 +1364,7 @@
           <a:p>
             <a:fld id="{C8F1A8D0-D194-402E-BE0F-18401978C0C2}" type="datetimeFigureOut">
               <a:rPr lang="zh-TW" altLang="en-US" smtClean="0"/>
-              <a:t>2021/4/11</a:t>
+              <a:t>2021/4/13</a:t>
             </a:fld>
             <a:endParaRPr lang="zh-TW" altLang="en-US"/>
           </a:p>
@@ -1776,7 +1783,7 @@
           <a:p>
             <a:fld id="{C8F1A8D0-D194-402E-BE0F-18401978C0C2}" type="datetimeFigureOut">
               <a:rPr lang="zh-TW" altLang="en-US" smtClean="0"/>
-              <a:t>2021/4/11</a:t>
+              <a:t>2021/4/13</a:t>
             </a:fld>
             <a:endParaRPr lang="zh-TW" altLang="en-US"/>
           </a:p>
@@ -1893,7 +1900,7 @@
           <a:p>
             <a:fld id="{C8F1A8D0-D194-402E-BE0F-18401978C0C2}" type="datetimeFigureOut">
               <a:rPr lang="zh-TW" altLang="en-US" smtClean="0"/>
-              <a:t>2021/4/11</a:t>
+              <a:t>2021/4/13</a:t>
             </a:fld>
             <a:endParaRPr lang="zh-TW" altLang="en-US"/>
           </a:p>
@@ -1988,7 +1995,7 @@
           <a:p>
             <a:fld id="{C8F1A8D0-D194-402E-BE0F-18401978C0C2}" type="datetimeFigureOut">
               <a:rPr lang="zh-TW" altLang="en-US" smtClean="0"/>
-              <a:t>2021/4/11</a:t>
+              <a:t>2021/4/13</a:t>
             </a:fld>
             <a:endParaRPr lang="zh-TW" altLang="en-US"/>
           </a:p>
@@ -2263,7 +2270,7 @@
           <a:p>
             <a:fld id="{C8F1A8D0-D194-402E-BE0F-18401978C0C2}" type="datetimeFigureOut">
               <a:rPr lang="zh-TW" altLang="en-US" smtClean="0"/>
-              <a:t>2021/4/11</a:t>
+              <a:t>2021/4/13</a:t>
             </a:fld>
             <a:endParaRPr lang="zh-TW" altLang="en-US"/>
           </a:p>
@@ -2515,7 +2522,7 @@
           <a:p>
             <a:fld id="{C8F1A8D0-D194-402E-BE0F-18401978C0C2}" type="datetimeFigureOut">
               <a:rPr lang="zh-TW" altLang="en-US" smtClean="0"/>
-              <a:t>2021/4/11</a:t>
+              <a:t>2021/4/13</a:t>
             </a:fld>
             <a:endParaRPr lang="zh-TW" altLang="en-US"/>
           </a:p>
@@ -2726,7 +2733,7 @@
           <a:p>
             <a:fld id="{C8F1A8D0-D194-402E-BE0F-18401978C0C2}" type="datetimeFigureOut">
               <a:rPr lang="zh-TW" altLang="en-US" smtClean="0"/>
-              <a:t>2021/4/11</a:t>
+              <a:t>2021/4/13</a:t>
             </a:fld>
             <a:endParaRPr lang="zh-TW" altLang="en-US"/>
           </a:p>
@@ -3631,7 +3638,13 @@
       </p:grpSpPr>
       <p:sp>
         <p:nvSpPr>
-          <p:cNvPr id="2" name="標題 1"/>
+          <p:cNvPr id="2" name="標題 1">
+            <a:extLst>
+              <a:ext uri="{FF2B5EF4-FFF2-40B4-BE49-F238E27FC236}">
+                <a16:creationId xmlns:a16="http://schemas.microsoft.com/office/drawing/2014/main" id="{234245C3-8C71-4AC9-B3D3-51B84ACF10DC}"/>
+              </a:ext>
+            </a:extLst>
+          </p:cNvPr>
           <p:cNvSpPr>
             <a:spLocks noGrp="1"/>
           </p:cNvSpPr>
@@ -3646,44 +3659,48 @@
           <a:p>
             <a:r>
               <a:rPr lang="en-US" altLang="zh-TW" dirty="0"/>
-              <a:t>Data Structures</a:t>
+              <a:t>Example</a:t>
             </a:r>
             <a:endParaRPr lang="zh-TW" altLang="en-US" dirty="0"/>
           </a:p>
         </p:txBody>
       </p:sp>
-      <p:sp>
-        <p:nvSpPr>
-          <p:cNvPr id="3" name="內容版面配置區 2"/>
-          <p:cNvSpPr>
-            <a:spLocks noGrp="1"/>
-          </p:cNvSpPr>
+      <p:pic>
+        <p:nvPicPr>
+          <p:cNvPr id="4" name="內容版面配置區 3">
+            <a:extLst>
+              <a:ext uri="{FF2B5EF4-FFF2-40B4-BE49-F238E27FC236}">
+                <a16:creationId xmlns:a16="http://schemas.microsoft.com/office/drawing/2014/main" id="{FC1038A5-6B78-47AC-9A3C-98A8F3C916B8}"/>
+              </a:ext>
+            </a:extLst>
+          </p:cNvPr>
+          <p:cNvPicPr>
+            <a:picLocks noGrp="1" noChangeAspect="1"/>
+          </p:cNvPicPr>
           <p:nvPr>
             <p:ph idx="1"/>
           </p:nvPr>
-        </p:nvSpPr>
+        </p:nvPicPr>
+        <p:blipFill>
+          <a:blip r:embed="rId2"/>
+          <a:stretch>
+            <a:fillRect/>
+          </a:stretch>
+        </p:blipFill>
         <p:spPr>
           <a:xfrm>
-            <a:off x="457200" y="1450430"/>
-            <a:ext cx="8229600" cy="4525963"/>
-          </a:xfrm>
+            <a:off x="1928443" y="2466840"/>
+            <a:ext cx="5287113" cy="1924319"/>
+          </a:xfrm>
+          <a:prstGeom prst="rect">
+            <a:avLst/>
+          </a:prstGeom>
         </p:spPr>
-        <p:txBody>
-          <a:bodyPr/>
-          <a:lstStyle/>
-          <a:p>
-            <a:r>
-              <a:rPr lang="en-US" altLang="zh-TW" dirty="0"/>
-              <a:t>Describe only important data structures. At most 3 pages. You may omit this part if you do not have any idea about what kind of data structures will be used.</a:t>
-            </a:r>
-            <a:endParaRPr lang="zh-TW" altLang="en-US" dirty="0"/>
-          </a:p>
-        </p:txBody>
-      </p:sp>
+      </p:pic>
     </p:spTree>
     <p:extLst>
       <p:ext uri="{BB962C8B-B14F-4D97-AF65-F5344CB8AC3E}">
-        <p14:creationId xmlns:p14="http://schemas.microsoft.com/office/powerpoint/2010/main" val="798812379"/>
+        <p14:creationId xmlns:p14="http://schemas.microsoft.com/office/powerpoint/2010/main" val="1468466166"/>
       </p:ext>
     </p:extLst>
   </p:cSld>
@@ -3712,6 +3729,4203 @@
       </p:grpSpPr>
       <p:sp>
         <p:nvSpPr>
+          <p:cNvPr id="2" name="標題 1">
+            <a:extLst>
+              <a:ext uri="{FF2B5EF4-FFF2-40B4-BE49-F238E27FC236}">
+                <a16:creationId xmlns:a16="http://schemas.microsoft.com/office/drawing/2014/main" id="{DAEC1691-2820-4C31-9BF4-4B3DE4AA8C68}"/>
+              </a:ext>
+            </a:extLst>
+          </p:cNvPr>
+          <p:cNvSpPr>
+            <a:spLocks noGrp="1"/>
+          </p:cNvSpPr>
+          <p:nvPr>
+            <p:ph type="title"/>
+          </p:nvPr>
+        </p:nvSpPr>
+        <p:spPr/>
+        <p:txBody>
+          <a:bodyPr/>
+          <a:lstStyle/>
+          <a:p>
+            <a:r>
+              <a:rPr lang="en-US" altLang="zh-TW" dirty="0"/>
+              <a:t>Constant</a:t>
+            </a:r>
+            <a:r>
+              <a:rPr lang="zh-TW" altLang="en-US" dirty="0"/>
+              <a:t> </a:t>
+            </a:r>
+            <a:r>
+              <a:rPr lang="en-US" altLang="zh-TW" dirty="0"/>
+              <a:t>Case (1/3)</a:t>
+            </a:r>
+            <a:endParaRPr lang="zh-TW" altLang="en-US" dirty="0"/>
+          </a:p>
+        </p:txBody>
+      </p:sp>
+      <p:grpSp>
+        <p:nvGrpSpPr>
+          <p:cNvPr id="15" name="群組 14">
+            <a:extLst>
+              <a:ext uri="{FF2B5EF4-FFF2-40B4-BE49-F238E27FC236}">
+                <a16:creationId xmlns:a16="http://schemas.microsoft.com/office/drawing/2014/main" id="{BD8AD006-FB08-483F-B81A-BB719FF0CB99}"/>
+              </a:ext>
+            </a:extLst>
+          </p:cNvPr>
+          <p:cNvGrpSpPr/>
+          <p:nvPr/>
+        </p:nvGrpSpPr>
+        <p:grpSpPr>
+          <a:xfrm>
+            <a:off x="2087724" y="1628800"/>
+            <a:ext cx="4968552" cy="1008112"/>
+            <a:chOff x="755576" y="1916832"/>
+            <a:chExt cx="4968552" cy="1008112"/>
+          </a:xfrm>
+        </p:grpSpPr>
+        <p:sp>
+          <p:nvSpPr>
+            <p:cNvPr id="4" name="橢圓 3">
+              <a:extLst>
+                <a:ext uri="{FF2B5EF4-FFF2-40B4-BE49-F238E27FC236}">
+                  <a16:creationId xmlns:a16="http://schemas.microsoft.com/office/drawing/2014/main" id="{ABD52E2E-4D4F-4A71-A2B7-3FA1DF9FD6DE}"/>
+                </a:ext>
+              </a:extLst>
+            </p:cNvPr>
+            <p:cNvSpPr/>
+            <p:nvPr/>
+          </p:nvSpPr>
+          <p:spPr>
+            <a:xfrm>
+              <a:off x="755576" y="1916832"/>
+              <a:ext cx="1008112" cy="1008112"/>
+            </a:xfrm>
+            <a:prstGeom prst="ellipse">
+              <a:avLst/>
+            </a:prstGeom>
+          </p:spPr>
+          <p:style>
+            <a:lnRef idx="2">
+              <a:schemeClr val="accent1">
+                <a:shade val="50000"/>
+              </a:schemeClr>
+            </a:lnRef>
+            <a:fillRef idx="1">
+              <a:schemeClr val="accent1"/>
+            </a:fillRef>
+            <a:effectRef idx="0">
+              <a:schemeClr val="accent1"/>
+            </a:effectRef>
+            <a:fontRef idx="minor">
+              <a:schemeClr val="lt1"/>
+            </a:fontRef>
+          </p:style>
+          <p:txBody>
+            <a:bodyPr rtlCol="0" anchor="ctr"/>
+            <a:lstStyle/>
+            <a:p>
+              <a:pPr algn="ctr"/>
+              <a:r>
+                <a:rPr lang="en-US" altLang="zh-TW" sz="1600" dirty="0">
+                  <a:latin typeface="Courier New" panose="02070309020205020404" pitchFamily="49" charset="0"/>
+                  <a:cs typeface="Courier New" panose="02070309020205020404" pitchFamily="49" charset="0"/>
+                </a:rPr>
+                <a:t>1’b1</a:t>
+              </a:r>
+              <a:endParaRPr lang="zh-TW" altLang="en-US" dirty="0">
+                <a:latin typeface="Courier New" panose="02070309020205020404" pitchFamily="49" charset="0"/>
+                <a:cs typeface="Courier New" panose="02070309020205020404" pitchFamily="49" charset="0"/>
+              </a:endParaRPr>
+            </a:p>
+          </p:txBody>
+        </p:sp>
+        <p:cxnSp>
+          <p:nvCxnSpPr>
+            <p:cNvPr id="8" name="直線單箭頭接點 7">
+              <a:extLst>
+                <a:ext uri="{FF2B5EF4-FFF2-40B4-BE49-F238E27FC236}">
+                  <a16:creationId xmlns:a16="http://schemas.microsoft.com/office/drawing/2014/main" id="{2FA14798-08A2-4C0C-BB74-A241895DD8E3}"/>
+                </a:ext>
+              </a:extLst>
+            </p:cNvPr>
+            <p:cNvCxnSpPr>
+              <a:cxnSpLocks/>
+              <a:stCxn id="4" idx="6"/>
+              <a:endCxn id="9" idx="2"/>
+            </p:cNvCxnSpPr>
+            <p:nvPr/>
+          </p:nvCxnSpPr>
+          <p:spPr>
+            <a:xfrm>
+              <a:off x="1763688" y="2420888"/>
+              <a:ext cx="864096" cy="0"/>
+            </a:xfrm>
+            <a:prstGeom prst="straightConnector1">
+              <a:avLst/>
+            </a:prstGeom>
+            <a:ln>
+              <a:tailEnd type="triangle"/>
+            </a:ln>
+          </p:spPr>
+          <p:style>
+            <a:lnRef idx="1">
+              <a:schemeClr val="accent1"/>
+            </a:lnRef>
+            <a:fillRef idx="0">
+              <a:schemeClr val="accent1"/>
+            </a:fillRef>
+            <a:effectRef idx="0">
+              <a:schemeClr val="accent1"/>
+            </a:effectRef>
+            <a:fontRef idx="minor">
+              <a:schemeClr val="tx1"/>
+            </a:fontRef>
+          </p:style>
+        </p:cxnSp>
+        <p:sp>
+          <p:nvSpPr>
+            <p:cNvPr id="9" name="橢圓 8">
+              <a:extLst>
+                <a:ext uri="{FF2B5EF4-FFF2-40B4-BE49-F238E27FC236}">
+                  <a16:creationId xmlns:a16="http://schemas.microsoft.com/office/drawing/2014/main" id="{7EA5321B-D81B-41DB-BA14-4532ACF96E71}"/>
+                </a:ext>
+              </a:extLst>
+            </p:cNvPr>
+            <p:cNvSpPr/>
+            <p:nvPr/>
+          </p:nvSpPr>
+          <p:spPr>
+            <a:xfrm>
+              <a:off x="2627784" y="1916832"/>
+              <a:ext cx="1008112" cy="1008112"/>
+            </a:xfrm>
+            <a:prstGeom prst="ellipse">
+              <a:avLst/>
+            </a:prstGeom>
+          </p:spPr>
+          <p:style>
+            <a:lnRef idx="2">
+              <a:schemeClr val="accent1">
+                <a:shade val="50000"/>
+              </a:schemeClr>
+            </a:lnRef>
+            <a:fillRef idx="1">
+              <a:schemeClr val="accent1"/>
+            </a:fillRef>
+            <a:effectRef idx="0">
+              <a:schemeClr val="accent1"/>
+            </a:effectRef>
+            <a:fontRef idx="minor">
+              <a:schemeClr val="lt1"/>
+            </a:fontRef>
+          </p:style>
+          <p:txBody>
+            <a:bodyPr rtlCol="0" anchor="ctr"/>
+            <a:lstStyle/>
+            <a:p>
+              <a:pPr algn="ctr"/>
+              <a:r>
+                <a:rPr lang="en-US" altLang="zh-TW" sz="1600" dirty="0">
+                  <a:latin typeface="Courier New" panose="02070309020205020404" pitchFamily="49" charset="0"/>
+                  <a:cs typeface="Courier New" panose="02070309020205020404" pitchFamily="49" charset="0"/>
+                </a:rPr>
+                <a:t>wire</a:t>
+              </a:r>
+              <a:endParaRPr lang="zh-TW" altLang="en-US" dirty="0">
+                <a:latin typeface="Courier New" panose="02070309020205020404" pitchFamily="49" charset="0"/>
+                <a:cs typeface="Courier New" panose="02070309020205020404" pitchFamily="49" charset="0"/>
+              </a:endParaRPr>
+            </a:p>
+          </p:txBody>
+        </p:sp>
+        <p:sp>
+          <p:nvSpPr>
+            <p:cNvPr id="11" name="橢圓 10">
+              <a:extLst>
+                <a:ext uri="{FF2B5EF4-FFF2-40B4-BE49-F238E27FC236}">
+                  <a16:creationId xmlns:a16="http://schemas.microsoft.com/office/drawing/2014/main" id="{C5F8A015-888D-4969-9266-19975239D683}"/>
+                </a:ext>
+              </a:extLst>
+            </p:cNvPr>
+            <p:cNvSpPr/>
+            <p:nvPr/>
+          </p:nvSpPr>
+          <p:spPr>
+            <a:xfrm>
+              <a:off x="4716016" y="1916832"/>
+              <a:ext cx="1008112" cy="1008112"/>
+            </a:xfrm>
+            <a:prstGeom prst="ellipse">
+              <a:avLst/>
+            </a:prstGeom>
+          </p:spPr>
+          <p:style>
+            <a:lnRef idx="2">
+              <a:schemeClr val="accent1">
+                <a:shade val="50000"/>
+              </a:schemeClr>
+            </a:lnRef>
+            <a:fillRef idx="1">
+              <a:schemeClr val="accent1"/>
+            </a:fillRef>
+            <a:effectRef idx="0">
+              <a:schemeClr val="accent1"/>
+            </a:effectRef>
+            <a:fontRef idx="minor">
+              <a:schemeClr val="lt1"/>
+            </a:fontRef>
+          </p:style>
+          <p:txBody>
+            <a:bodyPr rtlCol="0" anchor="ctr"/>
+            <a:lstStyle/>
+            <a:p>
+              <a:pPr algn="ctr"/>
+              <a:r>
+                <a:rPr lang="en-US" altLang="zh-TW" sz="1600" dirty="0">
+                  <a:latin typeface="Courier New" panose="02070309020205020404" pitchFamily="49" charset="0"/>
+                  <a:cs typeface="Courier New" panose="02070309020205020404" pitchFamily="49" charset="0"/>
+                </a:rPr>
+                <a:t>out</a:t>
+              </a:r>
+              <a:endParaRPr lang="zh-TW" altLang="en-US" dirty="0">
+                <a:latin typeface="Courier New" panose="02070309020205020404" pitchFamily="49" charset="0"/>
+                <a:cs typeface="Courier New" panose="02070309020205020404" pitchFamily="49" charset="0"/>
+              </a:endParaRPr>
+            </a:p>
+          </p:txBody>
+        </p:sp>
+        <p:cxnSp>
+          <p:nvCxnSpPr>
+            <p:cNvPr id="12" name="直線單箭頭接點 11">
+              <a:extLst>
+                <a:ext uri="{FF2B5EF4-FFF2-40B4-BE49-F238E27FC236}">
+                  <a16:creationId xmlns:a16="http://schemas.microsoft.com/office/drawing/2014/main" id="{A1C4FAF8-BE93-4CDD-91D5-C1AB391DA09B}"/>
+                </a:ext>
+              </a:extLst>
+            </p:cNvPr>
+            <p:cNvCxnSpPr>
+              <a:cxnSpLocks/>
+              <a:stCxn id="9" idx="6"/>
+              <a:endCxn id="11" idx="2"/>
+            </p:cNvCxnSpPr>
+            <p:nvPr/>
+          </p:nvCxnSpPr>
+          <p:spPr>
+            <a:xfrm>
+              <a:off x="3635896" y="2420888"/>
+              <a:ext cx="1080120" cy="0"/>
+            </a:xfrm>
+            <a:prstGeom prst="straightConnector1">
+              <a:avLst/>
+            </a:prstGeom>
+            <a:ln>
+              <a:tailEnd type="triangle"/>
+            </a:ln>
+          </p:spPr>
+          <p:style>
+            <a:lnRef idx="1">
+              <a:schemeClr val="accent1"/>
+            </a:lnRef>
+            <a:fillRef idx="0">
+              <a:schemeClr val="accent1"/>
+            </a:fillRef>
+            <a:effectRef idx="0">
+              <a:schemeClr val="accent1"/>
+            </a:effectRef>
+            <a:fontRef idx="minor">
+              <a:schemeClr val="tx1"/>
+            </a:fontRef>
+          </p:style>
+        </p:cxnSp>
+      </p:grpSp>
+      <p:grpSp>
+        <p:nvGrpSpPr>
+          <p:cNvPr id="16" name="群組 15">
+            <a:extLst>
+              <a:ext uri="{FF2B5EF4-FFF2-40B4-BE49-F238E27FC236}">
+                <a16:creationId xmlns:a16="http://schemas.microsoft.com/office/drawing/2014/main" id="{5A3E8830-7E4D-4E5A-BD6B-DE3B1EDABA0D}"/>
+              </a:ext>
+            </a:extLst>
+          </p:cNvPr>
+          <p:cNvGrpSpPr/>
+          <p:nvPr/>
+        </p:nvGrpSpPr>
+        <p:grpSpPr>
+          <a:xfrm>
+            <a:off x="2087724" y="2848074"/>
+            <a:ext cx="4968552" cy="1008112"/>
+            <a:chOff x="755576" y="1916832"/>
+            <a:chExt cx="4968552" cy="1008112"/>
+          </a:xfrm>
+        </p:grpSpPr>
+        <p:sp>
+          <p:nvSpPr>
+            <p:cNvPr id="17" name="橢圓 16">
+              <a:extLst>
+                <a:ext uri="{FF2B5EF4-FFF2-40B4-BE49-F238E27FC236}">
+                  <a16:creationId xmlns:a16="http://schemas.microsoft.com/office/drawing/2014/main" id="{B86B455C-74DF-4817-8833-6448AE6AB31E}"/>
+                </a:ext>
+              </a:extLst>
+            </p:cNvPr>
+            <p:cNvSpPr/>
+            <p:nvPr/>
+          </p:nvSpPr>
+          <p:spPr>
+            <a:xfrm>
+              <a:off x="755576" y="1916832"/>
+              <a:ext cx="1008112" cy="1008112"/>
+            </a:xfrm>
+            <a:prstGeom prst="ellipse">
+              <a:avLst/>
+            </a:prstGeom>
+          </p:spPr>
+          <p:style>
+            <a:lnRef idx="2">
+              <a:schemeClr val="accent1">
+                <a:shade val="50000"/>
+              </a:schemeClr>
+            </a:lnRef>
+            <a:fillRef idx="1">
+              <a:schemeClr val="accent1"/>
+            </a:fillRef>
+            <a:effectRef idx="0">
+              <a:schemeClr val="accent1"/>
+            </a:effectRef>
+            <a:fontRef idx="minor">
+              <a:schemeClr val="lt1"/>
+            </a:fontRef>
+          </p:style>
+          <p:txBody>
+            <a:bodyPr rtlCol="0" anchor="ctr"/>
+            <a:lstStyle/>
+            <a:p>
+              <a:pPr algn="ctr"/>
+              <a:r>
+                <a:rPr lang="en-US" altLang="zh-TW" sz="1600" dirty="0">
+                  <a:latin typeface="Courier New" panose="02070309020205020404" pitchFamily="49" charset="0"/>
+                  <a:cs typeface="Courier New" panose="02070309020205020404" pitchFamily="49" charset="0"/>
+                </a:rPr>
+                <a:t>1’b1</a:t>
+              </a:r>
+              <a:endParaRPr lang="zh-TW" altLang="en-US" dirty="0">
+                <a:latin typeface="Courier New" panose="02070309020205020404" pitchFamily="49" charset="0"/>
+                <a:cs typeface="Courier New" panose="02070309020205020404" pitchFamily="49" charset="0"/>
+              </a:endParaRPr>
+            </a:p>
+          </p:txBody>
+        </p:sp>
+        <p:cxnSp>
+          <p:nvCxnSpPr>
+            <p:cNvPr id="18" name="直線單箭頭接點 17">
+              <a:extLst>
+                <a:ext uri="{FF2B5EF4-FFF2-40B4-BE49-F238E27FC236}">
+                  <a16:creationId xmlns:a16="http://schemas.microsoft.com/office/drawing/2014/main" id="{06D2C6D7-5DAF-4E02-B9E3-47F7F421F133}"/>
+                </a:ext>
+              </a:extLst>
+            </p:cNvPr>
+            <p:cNvCxnSpPr>
+              <a:cxnSpLocks/>
+              <a:stCxn id="17" idx="6"/>
+              <a:endCxn id="20" idx="2"/>
+            </p:cNvCxnSpPr>
+            <p:nvPr/>
+          </p:nvCxnSpPr>
+          <p:spPr>
+            <a:xfrm>
+              <a:off x="1763688" y="2420888"/>
+              <a:ext cx="2952328" cy="0"/>
+            </a:xfrm>
+            <a:prstGeom prst="straightConnector1">
+              <a:avLst/>
+            </a:prstGeom>
+            <a:ln>
+              <a:tailEnd type="triangle"/>
+            </a:ln>
+          </p:spPr>
+          <p:style>
+            <a:lnRef idx="1">
+              <a:schemeClr val="accent1"/>
+            </a:lnRef>
+            <a:fillRef idx="0">
+              <a:schemeClr val="accent1"/>
+            </a:fillRef>
+            <a:effectRef idx="0">
+              <a:schemeClr val="accent1"/>
+            </a:effectRef>
+            <a:fontRef idx="minor">
+              <a:schemeClr val="tx1"/>
+            </a:fontRef>
+          </p:style>
+        </p:cxnSp>
+        <p:sp>
+          <p:nvSpPr>
+            <p:cNvPr id="20" name="橢圓 19">
+              <a:extLst>
+                <a:ext uri="{FF2B5EF4-FFF2-40B4-BE49-F238E27FC236}">
+                  <a16:creationId xmlns:a16="http://schemas.microsoft.com/office/drawing/2014/main" id="{5F681201-0F85-4609-89A1-CE8BC20C54CD}"/>
+                </a:ext>
+              </a:extLst>
+            </p:cNvPr>
+            <p:cNvSpPr/>
+            <p:nvPr/>
+          </p:nvSpPr>
+          <p:spPr>
+            <a:xfrm>
+              <a:off x="4716016" y="1916832"/>
+              <a:ext cx="1008112" cy="1008112"/>
+            </a:xfrm>
+            <a:prstGeom prst="ellipse">
+              <a:avLst/>
+            </a:prstGeom>
+          </p:spPr>
+          <p:style>
+            <a:lnRef idx="2">
+              <a:schemeClr val="accent1">
+                <a:shade val="50000"/>
+              </a:schemeClr>
+            </a:lnRef>
+            <a:fillRef idx="1">
+              <a:schemeClr val="accent1"/>
+            </a:fillRef>
+            <a:effectRef idx="0">
+              <a:schemeClr val="accent1"/>
+            </a:effectRef>
+            <a:fontRef idx="minor">
+              <a:schemeClr val="lt1"/>
+            </a:fontRef>
+          </p:style>
+          <p:txBody>
+            <a:bodyPr rtlCol="0" anchor="ctr"/>
+            <a:lstStyle/>
+            <a:p>
+              <a:pPr algn="ctr"/>
+              <a:r>
+                <a:rPr lang="en-US" altLang="zh-TW" sz="1600" dirty="0">
+                  <a:latin typeface="Courier New" panose="02070309020205020404" pitchFamily="49" charset="0"/>
+                  <a:cs typeface="Courier New" panose="02070309020205020404" pitchFamily="49" charset="0"/>
+                </a:rPr>
+                <a:t>out</a:t>
+              </a:r>
+              <a:endParaRPr lang="zh-TW" altLang="en-US" dirty="0">
+                <a:latin typeface="Courier New" panose="02070309020205020404" pitchFamily="49" charset="0"/>
+                <a:cs typeface="Courier New" panose="02070309020205020404" pitchFamily="49" charset="0"/>
+              </a:endParaRPr>
+            </a:p>
+          </p:txBody>
+        </p:sp>
+      </p:grpSp>
+      <p:grpSp>
+        <p:nvGrpSpPr>
+          <p:cNvPr id="23" name="群組 22">
+            <a:extLst>
+              <a:ext uri="{FF2B5EF4-FFF2-40B4-BE49-F238E27FC236}">
+                <a16:creationId xmlns:a16="http://schemas.microsoft.com/office/drawing/2014/main" id="{A761B09D-35E9-47AF-968D-3B5D97B6F4A8}"/>
+              </a:ext>
+            </a:extLst>
+          </p:cNvPr>
+          <p:cNvGrpSpPr/>
+          <p:nvPr/>
+        </p:nvGrpSpPr>
+        <p:grpSpPr>
+          <a:xfrm>
+            <a:off x="2087724" y="4231195"/>
+            <a:ext cx="4968552" cy="1008112"/>
+            <a:chOff x="755576" y="1916832"/>
+            <a:chExt cx="4968552" cy="1008112"/>
+          </a:xfrm>
+        </p:grpSpPr>
+        <p:sp>
+          <p:nvSpPr>
+            <p:cNvPr id="24" name="橢圓 23">
+              <a:extLst>
+                <a:ext uri="{FF2B5EF4-FFF2-40B4-BE49-F238E27FC236}">
+                  <a16:creationId xmlns:a16="http://schemas.microsoft.com/office/drawing/2014/main" id="{168ACF31-2A9F-4FA2-BE45-ED1D221DD221}"/>
+                </a:ext>
+              </a:extLst>
+            </p:cNvPr>
+            <p:cNvSpPr/>
+            <p:nvPr/>
+          </p:nvSpPr>
+          <p:spPr>
+            <a:xfrm>
+              <a:off x="755576" y="1916832"/>
+              <a:ext cx="1008112" cy="1008112"/>
+            </a:xfrm>
+            <a:prstGeom prst="ellipse">
+              <a:avLst/>
+            </a:prstGeom>
+          </p:spPr>
+          <p:style>
+            <a:lnRef idx="2">
+              <a:schemeClr val="accent1">
+                <a:shade val="50000"/>
+              </a:schemeClr>
+            </a:lnRef>
+            <a:fillRef idx="1">
+              <a:schemeClr val="accent1"/>
+            </a:fillRef>
+            <a:effectRef idx="0">
+              <a:schemeClr val="accent1"/>
+            </a:effectRef>
+            <a:fontRef idx="minor">
+              <a:schemeClr val="lt1"/>
+            </a:fontRef>
+          </p:style>
+          <p:txBody>
+            <a:bodyPr rtlCol="0" anchor="ctr"/>
+            <a:lstStyle/>
+            <a:p>
+              <a:pPr algn="ctr"/>
+              <a:r>
+                <a:rPr lang="en-US" altLang="zh-TW" sz="1600" dirty="0">
+                  <a:latin typeface="Courier New" panose="02070309020205020404" pitchFamily="49" charset="0"/>
+                  <a:cs typeface="Courier New" panose="02070309020205020404" pitchFamily="49" charset="0"/>
+                </a:rPr>
+                <a:t>1’b0</a:t>
+              </a:r>
+              <a:endParaRPr lang="zh-TW" altLang="en-US" dirty="0">
+                <a:latin typeface="Courier New" panose="02070309020205020404" pitchFamily="49" charset="0"/>
+                <a:cs typeface="Courier New" panose="02070309020205020404" pitchFamily="49" charset="0"/>
+              </a:endParaRPr>
+            </a:p>
+          </p:txBody>
+        </p:sp>
+        <p:cxnSp>
+          <p:nvCxnSpPr>
+            <p:cNvPr id="25" name="直線單箭頭接點 24">
+              <a:extLst>
+                <a:ext uri="{FF2B5EF4-FFF2-40B4-BE49-F238E27FC236}">
+                  <a16:creationId xmlns:a16="http://schemas.microsoft.com/office/drawing/2014/main" id="{975B6EC5-0E19-45CF-91BC-CA63400358EF}"/>
+                </a:ext>
+              </a:extLst>
+            </p:cNvPr>
+            <p:cNvCxnSpPr>
+              <a:cxnSpLocks/>
+              <a:stCxn id="24" idx="6"/>
+              <a:endCxn id="26" idx="2"/>
+            </p:cNvCxnSpPr>
+            <p:nvPr/>
+          </p:nvCxnSpPr>
+          <p:spPr>
+            <a:xfrm>
+              <a:off x="1763688" y="2420888"/>
+              <a:ext cx="864096" cy="0"/>
+            </a:xfrm>
+            <a:prstGeom prst="straightConnector1">
+              <a:avLst/>
+            </a:prstGeom>
+            <a:ln>
+              <a:tailEnd type="triangle"/>
+            </a:ln>
+          </p:spPr>
+          <p:style>
+            <a:lnRef idx="1">
+              <a:schemeClr val="accent1"/>
+            </a:lnRef>
+            <a:fillRef idx="0">
+              <a:schemeClr val="accent1"/>
+            </a:fillRef>
+            <a:effectRef idx="0">
+              <a:schemeClr val="accent1"/>
+            </a:effectRef>
+            <a:fontRef idx="minor">
+              <a:schemeClr val="tx1"/>
+            </a:fontRef>
+          </p:style>
+        </p:cxnSp>
+        <p:sp>
+          <p:nvSpPr>
+            <p:cNvPr id="26" name="橢圓 25">
+              <a:extLst>
+                <a:ext uri="{FF2B5EF4-FFF2-40B4-BE49-F238E27FC236}">
+                  <a16:creationId xmlns:a16="http://schemas.microsoft.com/office/drawing/2014/main" id="{E6F40746-1D15-428A-BFF1-6CE35483DC8A}"/>
+                </a:ext>
+              </a:extLst>
+            </p:cNvPr>
+            <p:cNvSpPr/>
+            <p:nvPr/>
+          </p:nvSpPr>
+          <p:spPr>
+            <a:xfrm>
+              <a:off x="2627784" y="1916832"/>
+              <a:ext cx="1008112" cy="1008112"/>
+            </a:xfrm>
+            <a:prstGeom prst="ellipse">
+              <a:avLst/>
+            </a:prstGeom>
+          </p:spPr>
+          <p:style>
+            <a:lnRef idx="2">
+              <a:schemeClr val="accent1">
+                <a:shade val="50000"/>
+              </a:schemeClr>
+            </a:lnRef>
+            <a:fillRef idx="1">
+              <a:schemeClr val="accent1"/>
+            </a:fillRef>
+            <a:effectRef idx="0">
+              <a:schemeClr val="accent1"/>
+            </a:effectRef>
+            <a:fontRef idx="minor">
+              <a:schemeClr val="lt1"/>
+            </a:fontRef>
+          </p:style>
+          <p:txBody>
+            <a:bodyPr rtlCol="0" anchor="ctr"/>
+            <a:lstStyle/>
+            <a:p>
+              <a:pPr algn="ctr"/>
+              <a:r>
+                <a:rPr lang="en-US" altLang="zh-TW" sz="1600" dirty="0">
+                  <a:latin typeface="Courier New" panose="02070309020205020404" pitchFamily="49" charset="0"/>
+                  <a:cs typeface="Courier New" panose="02070309020205020404" pitchFamily="49" charset="0"/>
+                </a:rPr>
+                <a:t>wire</a:t>
+              </a:r>
+              <a:endParaRPr lang="zh-TW" altLang="en-US" dirty="0">
+                <a:latin typeface="Courier New" panose="02070309020205020404" pitchFamily="49" charset="0"/>
+                <a:cs typeface="Courier New" panose="02070309020205020404" pitchFamily="49" charset="0"/>
+              </a:endParaRPr>
+            </a:p>
+          </p:txBody>
+        </p:sp>
+        <p:sp>
+          <p:nvSpPr>
+            <p:cNvPr id="27" name="橢圓 26">
+              <a:extLst>
+                <a:ext uri="{FF2B5EF4-FFF2-40B4-BE49-F238E27FC236}">
+                  <a16:creationId xmlns:a16="http://schemas.microsoft.com/office/drawing/2014/main" id="{5D768B24-F88D-43F8-801A-1F13FEA8F2E3}"/>
+                </a:ext>
+              </a:extLst>
+            </p:cNvPr>
+            <p:cNvSpPr/>
+            <p:nvPr/>
+          </p:nvSpPr>
+          <p:spPr>
+            <a:xfrm>
+              <a:off x="4716016" y="1916832"/>
+              <a:ext cx="1008112" cy="1008112"/>
+            </a:xfrm>
+            <a:prstGeom prst="ellipse">
+              <a:avLst/>
+            </a:prstGeom>
+          </p:spPr>
+          <p:style>
+            <a:lnRef idx="2">
+              <a:schemeClr val="accent1">
+                <a:shade val="50000"/>
+              </a:schemeClr>
+            </a:lnRef>
+            <a:fillRef idx="1">
+              <a:schemeClr val="accent1"/>
+            </a:fillRef>
+            <a:effectRef idx="0">
+              <a:schemeClr val="accent1"/>
+            </a:effectRef>
+            <a:fontRef idx="minor">
+              <a:schemeClr val="lt1"/>
+            </a:fontRef>
+          </p:style>
+          <p:txBody>
+            <a:bodyPr rtlCol="0" anchor="ctr"/>
+            <a:lstStyle/>
+            <a:p>
+              <a:pPr algn="ctr"/>
+              <a:r>
+                <a:rPr lang="en-US" altLang="zh-TW" sz="1600" dirty="0">
+                  <a:latin typeface="Courier New" panose="02070309020205020404" pitchFamily="49" charset="0"/>
+                  <a:cs typeface="Courier New" panose="02070309020205020404" pitchFamily="49" charset="0"/>
+                </a:rPr>
+                <a:t>out</a:t>
+              </a:r>
+              <a:endParaRPr lang="zh-TW" altLang="en-US" dirty="0">
+                <a:latin typeface="Courier New" panose="02070309020205020404" pitchFamily="49" charset="0"/>
+                <a:cs typeface="Courier New" panose="02070309020205020404" pitchFamily="49" charset="0"/>
+              </a:endParaRPr>
+            </a:p>
+          </p:txBody>
+        </p:sp>
+        <p:cxnSp>
+          <p:nvCxnSpPr>
+            <p:cNvPr id="28" name="直線單箭頭接點 27">
+              <a:extLst>
+                <a:ext uri="{FF2B5EF4-FFF2-40B4-BE49-F238E27FC236}">
+                  <a16:creationId xmlns:a16="http://schemas.microsoft.com/office/drawing/2014/main" id="{01D44EA6-195E-47AB-95D9-075EA3250BC9}"/>
+                </a:ext>
+              </a:extLst>
+            </p:cNvPr>
+            <p:cNvCxnSpPr>
+              <a:cxnSpLocks/>
+              <a:stCxn id="26" idx="6"/>
+              <a:endCxn id="27" idx="2"/>
+            </p:cNvCxnSpPr>
+            <p:nvPr/>
+          </p:nvCxnSpPr>
+          <p:spPr>
+            <a:xfrm>
+              <a:off x="3635896" y="2420888"/>
+              <a:ext cx="1080120" cy="0"/>
+            </a:xfrm>
+            <a:prstGeom prst="straightConnector1">
+              <a:avLst/>
+            </a:prstGeom>
+            <a:ln>
+              <a:tailEnd type="triangle"/>
+            </a:ln>
+          </p:spPr>
+          <p:style>
+            <a:lnRef idx="1">
+              <a:schemeClr val="accent1"/>
+            </a:lnRef>
+            <a:fillRef idx="0">
+              <a:schemeClr val="accent1"/>
+            </a:fillRef>
+            <a:effectRef idx="0">
+              <a:schemeClr val="accent1"/>
+            </a:effectRef>
+            <a:fontRef idx="minor">
+              <a:schemeClr val="tx1"/>
+            </a:fontRef>
+          </p:style>
+        </p:cxnSp>
+      </p:grpSp>
+      <p:grpSp>
+        <p:nvGrpSpPr>
+          <p:cNvPr id="29" name="群組 28">
+            <a:extLst>
+              <a:ext uri="{FF2B5EF4-FFF2-40B4-BE49-F238E27FC236}">
+                <a16:creationId xmlns:a16="http://schemas.microsoft.com/office/drawing/2014/main" id="{90B21718-7748-4358-AC9A-1CF63794CC63}"/>
+              </a:ext>
+            </a:extLst>
+          </p:cNvPr>
+          <p:cNvGrpSpPr/>
+          <p:nvPr/>
+        </p:nvGrpSpPr>
+        <p:grpSpPr>
+          <a:xfrm>
+            <a:off x="2087724" y="5450469"/>
+            <a:ext cx="4968552" cy="1008112"/>
+            <a:chOff x="755576" y="1916832"/>
+            <a:chExt cx="4968552" cy="1008112"/>
+          </a:xfrm>
+        </p:grpSpPr>
+        <p:sp>
+          <p:nvSpPr>
+            <p:cNvPr id="30" name="橢圓 29">
+              <a:extLst>
+                <a:ext uri="{FF2B5EF4-FFF2-40B4-BE49-F238E27FC236}">
+                  <a16:creationId xmlns:a16="http://schemas.microsoft.com/office/drawing/2014/main" id="{4F739F7E-AEAE-4EA9-B61C-5BCFF67278CC}"/>
+                </a:ext>
+              </a:extLst>
+            </p:cNvPr>
+            <p:cNvSpPr/>
+            <p:nvPr/>
+          </p:nvSpPr>
+          <p:spPr>
+            <a:xfrm>
+              <a:off x="755576" y="1916832"/>
+              <a:ext cx="1008112" cy="1008112"/>
+            </a:xfrm>
+            <a:prstGeom prst="ellipse">
+              <a:avLst/>
+            </a:prstGeom>
+          </p:spPr>
+          <p:style>
+            <a:lnRef idx="2">
+              <a:schemeClr val="accent1">
+                <a:shade val="50000"/>
+              </a:schemeClr>
+            </a:lnRef>
+            <a:fillRef idx="1">
+              <a:schemeClr val="accent1"/>
+            </a:fillRef>
+            <a:effectRef idx="0">
+              <a:schemeClr val="accent1"/>
+            </a:effectRef>
+            <a:fontRef idx="minor">
+              <a:schemeClr val="lt1"/>
+            </a:fontRef>
+          </p:style>
+          <p:txBody>
+            <a:bodyPr rtlCol="0" anchor="ctr"/>
+            <a:lstStyle/>
+            <a:p>
+              <a:pPr algn="ctr"/>
+              <a:r>
+                <a:rPr lang="en-US" altLang="zh-TW" sz="1600" dirty="0">
+                  <a:latin typeface="Courier New" panose="02070309020205020404" pitchFamily="49" charset="0"/>
+                  <a:cs typeface="Courier New" panose="02070309020205020404" pitchFamily="49" charset="0"/>
+                </a:rPr>
+                <a:t>1’b0</a:t>
+              </a:r>
+              <a:endParaRPr lang="zh-TW" altLang="en-US" dirty="0">
+                <a:latin typeface="Courier New" panose="02070309020205020404" pitchFamily="49" charset="0"/>
+                <a:cs typeface="Courier New" panose="02070309020205020404" pitchFamily="49" charset="0"/>
+              </a:endParaRPr>
+            </a:p>
+          </p:txBody>
+        </p:sp>
+        <p:cxnSp>
+          <p:nvCxnSpPr>
+            <p:cNvPr id="31" name="直線單箭頭接點 30">
+              <a:extLst>
+                <a:ext uri="{FF2B5EF4-FFF2-40B4-BE49-F238E27FC236}">
+                  <a16:creationId xmlns:a16="http://schemas.microsoft.com/office/drawing/2014/main" id="{24915E67-875D-4D0B-99EF-F964A3EEA39B}"/>
+                </a:ext>
+              </a:extLst>
+            </p:cNvPr>
+            <p:cNvCxnSpPr>
+              <a:cxnSpLocks/>
+              <a:stCxn id="30" idx="6"/>
+              <a:endCxn id="32" idx="2"/>
+            </p:cNvCxnSpPr>
+            <p:nvPr/>
+          </p:nvCxnSpPr>
+          <p:spPr>
+            <a:xfrm>
+              <a:off x="1763688" y="2420888"/>
+              <a:ext cx="2952328" cy="0"/>
+            </a:xfrm>
+            <a:prstGeom prst="straightConnector1">
+              <a:avLst/>
+            </a:prstGeom>
+            <a:ln>
+              <a:tailEnd type="triangle"/>
+            </a:ln>
+          </p:spPr>
+          <p:style>
+            <a:lnRef idx="1">
+              <a:schemeClr val="accent1"/>
+            </a:lnRef>
+            <a:fillRef idx="0">
+              <a:schemeClr val="accent1"/>
+            </a:fillRef>
+            <a:effectRef idx="0">
+              <a:schemeClr val="accent1"/>
+            </a:effectRef>
+            <a:fontRef idx="minor">
+              <a:schemeClr val="tx1"/>
+            </a:fontRef>
+          </p:style>
+        </p:cxnSp>
+        <p:sp>
+          <p:nvSpPr>
+            <p:cNvPr id="32" name="橢圓 31">
+              <a:extLst>
+                <a:ext uri="{FF2B5EF4-FFF2-40B4-BE49-F238E27FC236}">
+                  <a16:creationId xmlns:a16="http://schemas.microsoft.com/office/drawing/2014/main" id="{A09E88A2-3D59-417C-879D-9C9120FAD1E9}"/>
+                </a:ext>
+              </a:extLst>
+            </p:cNvPr>
+            <p:cNvSpPr/>
+            <p:nvPr/>
+          </p:nvSpPr>
+          <p:spPr>
+            <a:xfrm>
+              <a:off x="4716016" y="1916832"/>
+              <a:ext cx="1008112" cy="1008112"/>
+            </a:xfrm>
+            <a:prstGeom prst="ellipse">
+              <a:avLst/>
+            </a:prstGeom>
+          </p:spPr>
+          <p:style>
+            <a:lnRef idx="2">
+              <a:schemeClr val="accent1">
+                <a:shade val="50000"/>
+              </a:schemeClr>
+            </a:lnRef>
+            <a:fillRef idx="1">
+              <a:schemeClr val="accent1"/>
+            </a:fillRef>
+            <a:effectRef idx="0">
+              <a:schemeClr val="accent1"/>
+            </a:effectRef>
+            <a:fontRef idx="minor">
+              <a:schemeClr val="lt1"/>
+            </a:fontRef>
+          </p:style>
+          <p:txBody>
+            <a:bodyPr rtlCol="0" anchor="ctr"/>
+            <a:lstStyle/>
+            <a:p>
+              <a:pPr algn="ctr"/>
+              <a:r>
+                <a:rPr lang="en-US" altLang="zh-TW" sz="1600" dirty="0">
+                  <a:latin typeface="Courier New" panose="02070309020205020404" pitchFamily="49" charset="0"/>
+                  <a:cs typeface="Courier New" panose="02070309020205020404" pitchFamily="49" charset="0"/>
+                </a:rPr>
+                <a:t>out</a:t>
+              </a:r>
+              <a:endParaRPr lang="zh-TW" altLang="en-US" dirty="0">
+                <a:latin typeface="Courier New" panose="02070309020205020404" pitchFamily="49" charset="0"/>
+                <a:cs typeface="Courier New" panose="02070309020205020404" pitchFamily="49" charset="0"/>
+              </a:endParaRPr>
+            </a:p>
+          </p:txBody>
+        </p:sp>
+      </p:grpSp>
+      <p:sp>
+        <p:nvSpPr>
+          <p:cNvPr id="33" name="箭號: 向下 32">
+            <a:extLst>
+              <a:ext uri="{FF2B5EF4-FFF2-40B4-BE49-F238E27FC236}">
+                <a16:creationId xmlns:a16="http://schemas.microsoft.com/office/drawing/2014/main" id="{DF28762D-08E9-4BF5-901C-5EF29B0A0317}"/>
+              </a:ext>
+            </a:extLst>
+          </p:cNvPr>
+          <p:cNvSpPr/>
+          <p:nvPr/>
+        </p:nvSpPr>
+        <p:spPr>
+          <a:xfrm rot="16200000">
+            <a:off x="1144428" y="2927274"/>
+            <a:ext cx="360040" cy="849712"/>
+          </a:xfrm>
+          <a:prstGeom prst="downArrow">
+            <a:avLst/>
+          </a:prstGeom>
+        </p:spPr>
+        <p:style>
+          <a:lnRef idx="2">
+            <a:schemeClr val="accent1">
+              <a:shade val="50000"/>
+            </a:schemeClr>
+          </a:lnRef>
+          <a:fillRef idx="1">
+            <a:schemeClr val="accent1"/>
+          </a:fillRef>
+          <a:effectRef idx="0">
+            <a:schemeClr val="accent1"/>
+          </a:effectRef>
+          <a:fontRef idx="minor">
+            <a:schemeClr val="lt1"/>
+          </a:fontRef>
+        </p:style>
+        <p:txBody>
+          <a:bodyPr rtlCol="0" anchor="ctr"/>
+          <a:lstStyle/>
+          <a:p>
+            <a:pPr algn="ctr"/>
+            <a:endParaRPr lang="zh-TW" altLang="en-US" dirty="0"/>
+          </a:p>
+        </p:txBody>
+      </p:sp>
+      <p:sp>
+        <p:nvSpPr>
+          <p:cNvPr id="34" name="箭號: 向下 33">
+            <a:extLst>
+              <a:ext uri="{FF2B5EF4-FFF2-40B4-BE49-F238E27FC236}">
+                <a16:creationId xmlns:a16="http://schemas.microsoft.com/office/drawing/2014/main" id="{76A60904-72AF-47AE-B1D0-CFFA46F26DC0}"/>
+              </a:ext>
+            </a:extLst>
+          </p:cNvPr>
+          <p:cNvSpPr/>
+          <p:nvPr/>
+        </p:nvSpPr>
+        <p:spPr>
+          <a:xfrm rot="16200000">
+            <a:off x="1146639" y="5529669"/>
+            <a:ext cx="360040" cy="849712"/>
+          </a:xfrm>
+          <a:prstGeom prst="downArrow">
+            <a:avLst/>
+          </a:prstGeom>
+        </p:spPr>
+        <p:style>
+          <a:lnRef idx="2">
+            <a:schemeClr val="accent1">
+              <a:shade val="50000"/>
+            </a:schemeClr>
+          </a:lnRef>
+          <a:fillRef idx="1">
+            <a:schemeClr val="accent1"/>
+          </a:fillRef>
+          <a:effectRef idx="0">
+            <a:schemeClr val="accent1"/>
+          </a:effectRef>
+          <a:fontRef idx="minor">
+            <a:schemeClr val="lt1"/>
+          </a:fontRef>
+        </p:style>
+        <p:txBody>
+          <a:bodyPr rtlCol="0" anchor="ctr"/>
+          <a:lstStyle/>
+          <a:p>
+            <a:pPr algn="ctr"/>
+            <a:endParaRPr lang="zh-TW" altLang="en-US" dirty="0"/>
+          </a:p>
+        </p:txBody>
+      </p:sp>
+    </p:spTree>
+    <p:extLst>
+      <p:ext uri="{BB962C8B-B14F-4D97-AF65-F5344CB8AC3E}">
+        <p14:creationId xmlns:p14="http://schemas.microsoft.com/office/powerpoint/2010/main" val="1841357595"/>
+      </p:ext>
+    </p:extLst>
+  </p:cSld>
+  <p:clrMapOvr>
+    <a:masterClrMapping/>
+  </p:clrMapOvr>
+</p:sld>
+</file>
+
+<file path=ppt/slides/slide12.xml><?xml version="1.0" encoding="utf-8"?>
+<p:sld xmlns:a="http://schemas.openxmlformats.org/drawingml/2006/main" xmlns:r="http://schemas.openxmlformats.org/officeDocument/2006/relationships" xmlns:p="http://schemas.openxmlformats.org/presentationml/2006/main">
+  <p:cSld>
+    <p:spTree>
+      <p:nvGrpSpPr>
+        <p:cNvPr id="1" name=""/>
+        <p:cNvGrpSpPr/>
+        <p:nvPr/>
+      </p:nvGrpSpPr>
+      <p:grpSpPr>
+        <a:xfrm>
+          <a:off x="0" y="0"/>
+          <a:ext cx="0" cy="0"/>
+          <a:chOff x="0" y="0"/>
+          <a:chExt cx="0" cy="0"/>
+        </a:xfrm>
+      </p:grpSpPr>
+      <p:sp>
+        <p:nvSpPr>
+          <p:cNvPr id="2" name="標題 1">
+            <a:extLst>
+              <a:ext uri="{FF2B5EF4-FFF2-40B4-BE49-F238E27FC236}">
+                <a16:creationId xmlns:a16="http://schemas.microsoft.com/office/drawing/2014/main" id="{DAEC1691-2820-4C31-9BF4-4B3DE4AA8C68}"/>
+              </a:ext>
+            </a:extLst>
+          </p:cNvPr>
+          <p:cNvSpPr>
+            <a:spLocks noGrp="1"/>
+          </p:cNvSpPr>
+          <p:nvPr>
+            <p:ph type="title"/>
+          </p:nvPr>
+        </p:nvSpPr>
+        <p:spPr/>
+        <p:txBody>
+          <a:bodyPr/>
+          <a:lstStyle/>
+          <a:p>
+            <a:r>
+              <a:rPr lang="en-US" altLang="zh-TW" dirty="0"/>
+              <a:t>Constant</a:t>
+            </a:r>
+            <a:r>
+              <a:rPr lang="zh-TW" altLang="en-US" dirty="0"/>
+              <a:t> </a:t>
+            </a:r>
+            <a:r>
+              <a:rPr lang="en-US" altLang="zh-TW" dirty="0"/>
+              <a:t>Case (2/3)</a:t>
+            </a:r>
+            <a:endParaRPr lang="zh-TW" altLang="en-US" dirty="0"/>
+          </a:p>
+        </p:txBody>
+      </p:sp>
+      <p:sp>
+        <p:nvSpPr>
+          <p:cNvPr id="4" name="橢圓 3">
+            <a:extLst>
+              <a:ext uri="{FF2B5EF4-FFF2-40B4-BE49-F238E27FC236}">
+                <a16:creationId xmlns:a16="http://schemas.microsoft.com/office/drawing/2014/main" id="{ABD52E2E-4D4F-4A71-A2B7-3FA1DF9FD6DE}"/>
+              </a:ext>
+            </a:extLst>
+          </p:cNvPr>
+          <p:cNvSpPr/>
+          <p:nvPr/>
+        </p:nvSpPr>
+        <p:spPr>
+          <a:xfrm>
+            <a:off x="2087724" y="1628800"/>
+            <a:ext cx="1008112" cy="1008112"/>
+          </a:xfrm>
+          <a:prstGeom prst="ellipse">
+            <a:avLst/>
+          </a:prstGeom>
+        </p:spPr>
+        <p:style>
+          <a:lnRef idx="2">
+            <a:schemeClr val="accent1">
+              <a:shade val="50000"/>
+            </a:schemeClr>
+          </a:lnRef>
+          <a:fillRef idx="1">
+            <a:schemeClr val="accent1"/>
+          </a:fillRef>
+          <a:effectRef idx="0">
+            <a:schemeClr val="accent1"/>
+          </a:effectRef>
+          <a:fontRef idx="minor">
+            <a:schemeClr val="lt1"/>
+          </a:fontRef>
+        </p:style>
+        <p:txBody>
+          <a:bodyPr rtlCol="0" anchor="ctr"/>
+          <a:lstStyle/>
+          <a:p>
+            <a:pPr algn="ctr"/>
+            <a:r>
+              <a:rPr lang="en-US" altLang="zh-TW" sz="1600" dirty="0">
+                <a:latin typeface="Courier New" panose="02070309020205020404" pitchFamily="49" charset="0"/>
+                <a:cs typeface="Courier New" panose="02070309020205020404" pitchFamily="49" charset="0"/>
+              </a:rPr>
+              <a:t>1’b1</a:t>
+            </a:r>
+            <a:endParaRPr lang="zh-TW" altLang="en-US" dirty="0">
+              <a:latin typeface="Courier New" panose="02070309020205020404" pitchFamily="49" charset="0"/>
+              <a:cs typeface="Courier New" panose="02070309020205020404" pitchFamily="49" charset="0"/>
+            </a:endParaRPr>
+          </a:p>
+        </p:txBody>
+      </p:sp>
+      <p:cxnSp>
+        <p:nvCxnSpPr>
+          <p:cNvPr id="8" name="直線單箭頭接點 7">
+            <a:extLst>
+              <a:ext uri="{FF2B5EF4-FFF2-40B4-BE49-F238E27FC236}">
+                <a16:creationId xmlns:a16="http://schemas.microsoft.com/office/drawing/2014/main" id="{2FA14798-08A2-4C0C-BB74-A241895DD8E3}"/>
+              </a:ext>
+            </a:extLst>
+          </p:cNvPr>
+          <p:cNvCxnSpPr>
+            <a:cxnSpLocks/>
+            <a:stCxn id="4" idx="6"/>
+            <a:endCxn id="9" idx="2"/>
+          </p:cNvCxnSpPr>
+          <p:nvPr/>
+        </p:nvCxnSpPr>
+        <p:spPr>
+          <a:xfrm>
+            <a:off x="3095836" y="2132856"/>
+            <a:ext cx="864096" cy="0"/>
+          </a:xfrm>
+          <a:prstGeom prst="straightConnector1">
+            <a:avLst/>
+          </a:prstGeom>
+          <a:ln>
+            <a:tailEnd type="triangle"/>
+          </a:ln>
+        </p:spPr>
+        <p:style>
+          <a:lnRef idx="1">
+            <a:schemeClr val="accent1"/>
+          </a:lnRef>
+          <a:fillRef idx="0">
+            <a:schemeClr val="accent1"/>
+          </a:fillRef>
+          <a:effectRef idx="0">
+            <a:schemeClr val="accent1"/>
+          </a:effectRef>
+          <a:fontRef idx="minor">
+            <a:schemeClr val="tx1"/>
+          </a:fontRef>
+        </p:style>
+      </p:cxnSp>
+      <p:sp>
+        <p:nvSpPr>
+          <p:cNvPr id="9" name="橢圓 8">
+            <a:extLst>
+              <a:ext uri="{FF2B5EF4-FFF2-40B4-BE49-F238E27FC236}">
+                <a16:creationId xmlns:a16="http://schemas.microsoft.com/office/drawing/2014/main" id="{7EA5321B-D81B-41DB-BA14-4532ACF96E71}"/>
+              </a:ext>
+            </a:extLst>
+          </p:cNvPr>
+          <p:cNvSpPr/>
+          <p:nvPr/>
+        </p:nvSpPr>
+        <p:spPr>
+          <a:xfrm>
+            <a:off x="3959932" y="1628800"/>
+            <a:ext cx="1008112" cy="1008112"/>
+          </a:xfrm>
+          <a:prstGeom prst="ellipse">
+            <a:avLst/>
+          </a:prstGeom>
+        </p:spPr>
+        <p:style>
+          <a:lnRef idx="2">
+            <a:schemeClr val="accent1">
+              <a:shade val="50000"/>
+            </a:schemeClr>
+          </a:lnRef>
+          <a:fillRef idx="1">
+            <a:schemeClr val="accent1"/>
+          </a:fillRef>
+          <a:effectRef idx="0">
+            <a:schemeClr val="accent1"/>
+          </a:effectRef>
+          <a:fontRef idx="minor">
+            <a:schemeClr val="lt1"/>
+          </a:fontRef>
+        </p:style>
+        <p:txBody>
+          <a:bodyPr rtlCol="0" anchor="ctr"/>
+          <a:lstStyle/>
+          <a:p>
+            <a:pPr algn="ctr"/>
+            <a:r>
+              <a:rPr lang="en-US" altLang="zh-TW" sz="1600" dirty="0">
+                <a:latin typeface="Courier New" panose="02070309020205020404" pitchFamily="49" charset="0"/>
+                <a:cs typeface="Courier New" panose="02070309020205020404" pitchFamily="49" charset="0"/>
+              </a:rPr>
+              <a:t>or</a:t>
+            </a:r>
+            <a:endParaRPr lang="zh-TW" altLang="en-US" dirty="0">
+              <a:latin typeface="Courier New" panose="02070309020205020404" pitchFamily="49" charset="0"/>
+              <a:cs typeface="Courier New" panose="02070309020205020404" pitchFamily="49" charset="0"/>
+            </a:endParaRPr>
+          </a:p>
+        </p:txBody>
+      </p:sp>
+      <p:sp>
+        <p:nvSpPr>
+          <p:cNvPr id="11" name="橢圓 10">
+            <a:extLst>
+              <a:ext uri="{FF2B5EF4-FFF2-40B4-BE49-F238E27FC236}">
+                <a16:creationId xmlns:a16="http://schemas.microsoft.com/office/drawing/2014/main" id="{C5F8A015-888D-4969-9266-19975239D683}"/>
+              </a:ext>
+            </a:extLst>
+          </p:cNvPr>
+          <p:cNvSpPr/>
+          <p:nvPr/>
+        </p:nvSpPr>
+        <p:spPr>
+          <a:xfrm>
+            <a:off x="6048164" y="1628800"/>
+            <a:ext cx="1008112" cy="1008112"/>
+          </a:xfrm>
+          <a:prstGeom prst="ellipse">
+            <a:avLst/>
+          </a:prstGeom>
+        </p:spPr>
+        <p:style>
+          <a:lnRef idx="2">
+            <a:schemeClr val="accent1">
+              <a:shade val="50000"/>
+            </a:schemeClr>
+          </a:lnRef>
+          <a:fillRef idx="1">
+            <a:schemeClr val="accent1"/>
+          </a:fillRef>
+          <a:effectRef idx="0">
+            <a:schemeClr val="accent1"/>
+          </a:effectRef>
+          <a:fontRef idx="minor">
+            <a:schemeClr val="lt1"/>
+          </a:fontRef>
+        </p:style>
+        <p:txBody>
+          <a:bodyPr rtlCol="0" anchor="ctr"/>
+          <a:lstStyle/>
+          <a:p>
+            <a:pPr algn="ctr"/>
+            <a:r>
+              <a:rPr lang="en-US" altLang="zh-TW" sz="1600" dirty="0">
+                <a:latin typeface="Courier New" panose="02070309020205020404" pitchFamily="49" charset="0"/>
+                <a:cs typeface="Courier New" panose="02070309020205020404" pitchFamily="49" charset="0"/>
+              </a:rPr>
+              <a:t>out</a:t>
+            </a:r>
+            <a:endParaRPr lang="zh-TW" altLang="en-US" dirty="0">
+              <a:latin typeface="Courier New" panose="02070309020205020404" pitchFamily="49" charset="0"/>
+              <a:cs typeface="Courier New" panose="02070309020205020404" pitchFamily="49" charset="0"/>
+            </a:endParaRPr>
+          </a:p>
+        </p:txBody>
+      </p:sp>
+      <p:cxnSp>
+        <p:nvCxnSpPr>
+          <p:cNvPr id="12" name="直線單箭頭接點 11">
+            <a:extLst>
+              <a:ext uri="{FF2B5EF4-FFF2-40B4-BE49-F238E27FC236}">
+                <a16:creationId xmlns:a16="http://schemas.microsoft.com/office/drawing/2014/main" id="{A1C4FAF8-BE93-4CDD-91D5-C1AB391DA09B}"/>
+              </a:ext>
+            </a:extLst>
+          </p:cNvPr>
+          <p:cNvCxnSpPr>
+            <a:cxnSpLocks/>
+            <a:stCxn id="9" idx="6"/>
+            <a:endCxn id="11" idx="2"/>
+          </p:cNvCxnSpPr>
+          <p:nvPr/>
+        </p:nvCxnSpPr>
+        <p:spPr>
+          <a:xfrm>
+            <a:off x="4968044" y="2132856"/>
+            <a:ext cx="1080120" cy="0"/>
+          </a:xfrm>
+          <a:prstGeom prst="straightConnector1">
+            <a:avLst/>
+          </a:prstGeom>
+          <a:ln>
+            <a:tailEnd type="triangle"/>
+          </a:ln>
+        </p:spPr>
+        <p:style>
+          <a:lnRef idx="1">
+            <a:schemeClr val="accent1"/>
+          </a:lnRef>
+          <a:fillRef idx="0">
+            <a:schemeClr val="accent1"/>
+          </a:fillRef>
+          <a:effectRef idx="0">
+            <a:schemeClr val="accent1"/>
+          </a:effectRef>
+          <a:fontRef idx="minor">
+            <a:schemeClr val="tx1"/>
+          </a:fontRef>
+        </p:style>
+      </p:cxnSp>
+      <p:sp>
+        <p:nvSpPr>
+          <p:cNvPr id="35" name="橢圓 34">
+            <a:extLst>
+              <a:ext uri="{FF2B5EF4-FFF2-40B4-BE49-F238E27FC236}">
+                <a16:creationId xmlns:a16="http://schemas.microsoft.com/office/drawing/2014/main" id="{E47A0469-AD67-4791-81F5-DC79CB9E3F28}"/>
+              </a:ext>
+            </a:extLst>
+          </p:cNvPr>
+          <p:cNvSpPr/>
+          <p:nvPr/>
+        </p:nvSpPr>
+        <p:spPr>
+          <a:xfrm>
+            <a:off x="2087724" y="2848074"/>
+            <a:ext cx="1008112" cy="1008112"/>
+          </a:xfrm>
+          <a:prstGeom prst="ellipse">
+            <a:avLst/>
+          </a:prstGeom>
+        </p:spPr>
+        <p:style>
+          <a:lnRef idx="2">
+            <a:schemeClr val="accent1">
+              <a:shade val="50000"/>
+            </a:schemeClr>
+          </a:lnRef>
+          <a:fillRef idx="1">
+            <a:schemeClr val="accent1"/>
+          </a:fillRef>
+          <a:effectRef idx="0">
+            <a:schemeClr val="accent1"/>
+          </a:effectRef>
+          <a:fontRef idx="minor">
+            <a:schemeClr val="lt1"/>
+          </a:fontRef>
+        </p:style>
+        <p:txBody>
+          <a:bodyPr rtlCol="0" anchor="ctr"/>
+          <a:lstStyle/>
+          <a:p>
+            <a:pPr algn="ctr"/>
+            <a:r>
+              <a:rPr lang="en-US" altLang="zh-TW" sz="1600" dirty="0">
+                <a:latin typeface="Courier New" panose="02070309020205020404" pitchFamily="49" charset="0"/>
+                <a:cs typeface="Courier New" panose="02070309020205020404" pitchFamily="49" charset="0"/>
+              </a:rPr>
+              <a:t>in</a:t>
+            </a:r>
+            <a:endParaRPr lang="zh-TW" altLang="en-US" dirty="0">
+              <a:latin typeface="Courier New" panose="02070309020205020404" pitchFamily="49" charset="0"/>
+              <a:cs typeface="Courier New" panose="02070309020205020404" pitchFamily="49" charset="0"/>
+            </a:endParaRPr>
+          </a:p>
+        </p:txBody>
+      </p:sp>
+      <p:cxnSp>
+        <p:nvCxnSpPr>
+          <p:cNvPr id="36" name="直線單箭頭接點 35">
+            <a:extLst>
+              <a:ext uri="{FF2B5EF4-FFF2-40B4-BE49-F238E27FC236}">
+                <a16:creationId xmlns:a16="http://schemas.microsoft.com/office/drawing/2014/main" id="{6F390297-F0BA-42D2-8399-537A279975C9}"/>
+              </a:ext>
+            </a:extLst>
+          </p:cNvPr>
+          <p:cNvCxnSpPr>
+            <a:cxnSpLocks/>
+            <a:stCxn id="35" idx="6"/>
+            <a:endCxn id="9" idx="2"/>
+          </p:cNvCxnSpPr>
+          <p:nvPr/>
+        </p:nvCxnSpPr>
+        <p:spPr>
+          <a:xfrm flipV="1">
+            <a:off x="3095836" y="2132856"/>
+            <a:ext cx="864096" cy="1219274"/>
+          </a:xfrm>
+          <a:prstGeom prst="straightConnector1">
+            <a:avLst/>
+          </a:prstGeom>
+          <a:ln>
+            <a:tailEnd type="triangle"/>
+          </a:ln>
+        </p:spPr>
+        <p:style>
+          <a:lnRef idx="1">
+            <a:schemeClr val="accent1"/>
+          </a:lnRef>
+          <a:fillRef idx="0">
+            <a:schemeClr val="accent1"/>
+          </a:fillRef>
+          <a:effectRef idx="0">
+            <a:schemeClr val="accent1"/>
+          </a:effectRef>
+          <a:fontRef idx="minor">
+            <a:schemeClr val="tx1"/>
+          </a:fontRef>
+        </p:style>
+      </p:cxnSp>
+      <p:grpSp>
+        <p:nvGrpSpPr>
+          <p:cNvPr id="37" name="群組 36">
+            <a:extLst>
+              <a:ext uri="{FF2B5EF4-FFF2-40B4-BE49-F238E27FC236}">
+                <a16:creationId xmlns:a16="http://schemas.microsoft.com/office/drawing/2014/main" id="{F5947608-9767-4630-8E01-68F3FF8244AE}"/>
+              </a:ext>
+            </a:extLst>
+          </p:cNvPr>
+          <p:cNvGrpSpPr/>
+          <p:nvPr/>
+        </p:nvGrpSpPr>
+        <p:grpSpPr>
+          <a:xfrm>
+            <a:off x="2087724" y="4036030"/>
+            <a:ext cx="4968552" cy="1008112"/>
+            <a:chOff x="755576" y="1916832"/>
+            <a:chExt cx="4968552" cy="1008112"/>
+          </a:xfrm>
+        </p:grpSpPr>
+        <p:sp>
+          <p:nvSpPr>
+            <p:cNvPr id="38" name="橢圓 37">
+              <a:extLst>
+                <a:ext uri="{FF2B5EF4-FFF2-40B4-BE49-F238E27FC236}">
+                  <a16:creationId xmlns:a16="http://schemas.microsoft.com/office/drawing/2014/main" id="{A9F42C34-37C8-4866-BD49-BDE8779B4C60}"/>
+                </a:ext>
+              </a:extLst>
+            </p:cNvPr>
+            <p:cNvSpPr/>
+            <p:nvPr/>
+          </p:nvSpPr>
+          <p:spPr>
+            <a:xfrm>
+              <a:off x="755576" y="1916832"/>
+              <a:ext cx="1008112" cy="1008112"/>
+            </a:xfrm>
+            <a:prstGeom prst="ellipse">
+              <a:avLst/>
+            </a:prstGeom>
+          </p:spPr>
+          <p:style>
+            <a:lnRef idx="2">
+              <a:schemeClr val="accent1">
+                <a:shade val="50000"/>
+              </a:schemeClr>
+            </a:lnRef>
+            <a:fillRef idx="1">
+              <a:schemeClr val="accent1"/>
+            </a:fillRef>
+            <a:effectRef idx="0">
+              <a:schemeClr val="accent1"/>
+            </a:effectRef>
+            <a:fontRef idx="minor">
+              <a:schemeClr val="lt1"/>
+            </a:fontRef>
+          </p:style>
+          <p:txBody>
+            <a:bodyPr rtlCol="0" anchor="ctr"/>
+            <a:lstStyle/>
+            <a:p>
+              <a:pPr algn="ctr"/>
+              <a:r>
+                <a:rPr lang="en-US" altLang="zh-TW" sz="1600" dirty="0">
+                  <a:latin typeface="Courier New" panose="02070309020205020404" pitchFamily="49" charset="0"/>
+                  <a:cs typeface="Courier New" panose="02070309020205020404" pitchFamily="49" charset="0"/>
+                </a:rPr>
+                <a:t>1’b1</a:t>
+              </a:r>
+              <a:endParaRPr lang="zh-TW" altLang="en-US" dirty="0">
+                <a:latin typeface="Courier New" panose="02070309020205020404" pitchFamily="49" charset="0"/>
+                <a:cs typeface="Courier New" panose="02070309020205020404" pitchFamily="49" charset="0"/>
+              </a:endParaRPr>
+            </a:p>
+          </p:txBody>
+        </p:sp>
+        <p:cxnSp>
+          <p:nvCxnSpPr>
+            <p:cNvPr id="39" name="直線單箭頭接點 38">
+              <a:extLst>
+                <a:ext uri="{FF2B5EF4-FFF2-40B4-BE49-F238E27FC236}">
+                  <a16:creationId xmlns:a16="http://schemas.microsoft.com/office/drawing/2014/main" id="{467DB4E0-BABF-446C-A28C-8E2CB1C636D6}"/>
+                </a:ext>
+              </a:extLst>
+            </p:cNvPr>
+            <p:cNvCxnSpPr>
+              <a:cxnSpLocks/>
+              <a:stCxn id="38" idx="6"/>
+              <a:endCxn id="40" idx="2"/>
+            </p:cNvCxnSpPr>
+            <p:nvPr/>
+          </p:nvCxnSpPr>
+          <p:spPr>
+            <a:xfrm>
+              <a:off x="1763688" y="2420888"/>
+              <a:ext cx="2952328" cy="0"/>
+            </a:xfrm>
+            <a:prstGeom prst="straightConnector1">
+              <a:avLst/>
+            </a:prstGeom>
+            <a:ln>
+              <a:tailEnd type="triangle"/>
+            </a:ln>
+          </p:spPr>
+          <p:style>
+            <a:lnRef idx="1">
+              <a:schemeClr val="accent1"/>
+            </a:lnRef>
+            <a:fillRef idx="0">
+              <a:schemeClr val="accent1"/>
+            </a:fillRef>
+            <a:effectRef idx="0">
+              <a:schemeClr val="accent1"/>
+            </a:effectRef>
+            <a:fontRef idx="minor">
+              <a:schemeClr val="tx1"/>
+            </a:fontRef>
+          </p:style>
+        </p:cxnSp>
+        <p:sp>
+          <p:nvSpPr>
+            <p:cNvPr id="40" name="橢圓 39">
+              <a:extLst>
+                <a:ext uri="{FF2B5EF4-FFF2-40B4-BE49-F238E27FC236}">
+                  <a16:creationId xmlns:a16="http://schemas.microsoft.com/office/drawing/2014/main" id="{12FB4378-44DD-4E99-ACE3-931685319DD6}"/>
+                </a:ext>
+              </a:extLst>
+            </p:cNvPr>
+            <p:cNvSpPr/>
+            <p:nvPr/>
+          </p:nvSpPr>
+          <p:spPr>
+            <a:xfrm>
+              <a:off x="4716016" y="1916832"/>
+              <a:ext cx="1008112" cy="1008112"/>
+            </a:xfrm>
+            <a:prstGeom prst="ellipse">
+              <a:avLst/>
+            </a:prstGeom>
+          </p:spPr>
+          <p:style>
+            <a:lnRef idx="2">
+              <a:schemeClr val="accent1">
+                <a:shade val="50000"/>
+              </a:schemeClr>
+            </a:lnRef>
+            <a:fillRef idx="1">
+              <a:schemeClr val="accent1"/>
+            </a:fillRef>
+            <a:effectRef idx="0">
+              <a:schemeClr val="accent1"/>
+            </a:effectRef>
+            <a:fontRef idx="minor">
+              <a:schemeClr val="lt1"/>
+            </a:fontRef>
+          </p:style>
+          <p:txBody>
+            <a:bodyPr rtlCol="0" anchor="ctr"/>
+            <a:lstStyle/>
+            <a:p>
+              <a:pPr algn="ctr"/>
+              <a:r>
+                <a:rPr lang="en-US" altLang="zh-TW" sz="1600" dirty="0">
+                  <a:latin typeface="Courier New" panose="02070309020205020404" pitchFamily="49" charset="0"/>
+                  <a:cs typeface="Courier New" panose="02070309020205020404" pitchFamily="49" charset="0"/>
+                </a:rPr>
+                <a:t>out</a:t>
+              </a:r>
+              <a:endParaRPr lang="zh-TW" altLang="en-US" dirty="0">
+                <a:latin typeface="Courier New" panose="02070309020205020404" pitchFamily="49" charset="0"/>
+                <a:cs typeface="Courier New" panose="02070309020205020404" pitchFamily="49" charset="0"/>
+              </a:endParaRPr>
+            </a:p>
+          </p:txBody>
+        </p:sp>
+      </p:grpSp>
+      <p:sp>
+        <p:nvSpPr>
+          <p:cNvPr id="41" name="箭號: 向下 40">
+            <a:extLst>
+              <a:ext uri="{FF2B5EF4-FFF2-40B4-BE49-F238E27FC236}">
+                <a16:creationId xmlns:a16="http://schemas.microsoft.com/office/drawing/2014/main" id="{93707E77-6D1A-44DF-BB3F-8B88AF9229AF}"/>
+              </a:ext>
+            </a:extLst>
+          </p:cNvPr>
+          <p:cNvSpPr/>
+          <p:nvPr/>
+        </p:nvSpPr>
+        <p:spPr>
+          <a:xfrm rot="16200000">
+            <a:off x="1144428" y="4115230"/>
+            <a:ext cx="360040" cy="849712"/>
+          </a:xfrm>
+          <a:prstGeom prst="downArrow">
+            <a:avLst/>
+          </a:prstGeom>
+        </p:spPr>
+        <p:style>
+          <a:lnRef idx="2">
+            <a:schemeClr val="accent1">
+              <a:shade val="50000"/>
+            </a:schemeClr>
+          </a:lnRef>
+          <a:fillRef idx="1">
+            <a:schemeClr val="accent1"/>
+          </a:fillRef>
+          <a:effectRef idx="0">
+            <a:schemeClr val="accent1"/>
+          </a:effectRef>
+          <a:fontRef idx="minor">
+            <a:schemeClr val="lt1"/>
+          </a:fontRef>
+        </p:style>
+        <p:txBody>
+          <a:bodyPr rtlCol="0" anchor="ctr"/>
+          <a:lstStyle/>
+          <a:p>
+            <a:pPr algn="ctr"/>
+            <a:endParaRPr lang="zh-TW" altLang="en-US" dirty="0"/>
+          </a:p>
+        </p:txBody>
+      </p:sp>
+    </p:spTree>
+    <p:extLst>
+      <p:ext uri="{BB962C8B-B14F-4D97-AF65-F5344CB8AC3E}">
+        <p14:creationId xmlns:p14="http://schemas.microsoft.com/office/powerpoint/2010/main" val="3852554896"/>
+      </p:ext>
+    </p:extLst>
+  </p:cSld>
+  <p:clrMapOvr>
+    <a:masterClrMapping/>
+  </p:clrMapOvr>
+</p:sld>
+</file>
+
+<file path=ppt/slides/slide13.xml><?xml version="1.0" encoding="utf-8"?>
+<p:sld xmlns:a="http://schemas.openxmlformats.org/drawingml/2006/main" xmlns:r="http://schemas.openxmlformats.org/officeDocument/2006/relationships" xmlns:p="http://schemas.openxmlformats.org/presentationml/2006/main">
+  <p:cSld>
+    <p:spTree>
+      <p:nvGrpSpPr>
+        <p:cNvPr id="1" name=""/>
+        <p:cNvGrpSpPr/>
+        <p:nvPr/>
+      </p:nvGrpSpPr>
+      <p:grpSpPr>
+        <a:xfrm>
+          <a:off x="0" y="0"/>
+          <a:ext cx="0" cy="0"/>
+          <a:chOff x="0" y="0"/>
+          <a:chExt cx="0" cy="0"/>
+        </a:xfrm>
+      </p:grpSpPr>
+      <p:sp>
+        <p:nvSpPr>
+          <p:cNvPr id="2" name="標題 1">
+            <a:extLst>
+              <a:ext uri="{FF2B5EF4-FFF2-40B4-BE49-F238E27FC236}">
+                <a16:creationId xmlns:a16="http://schemas.microsoft.com/office/drawing/2014/main" id="{DAEC1691-2820-4C31-9BF4-4B3DE4AA8C68}"/>
+              </a:ext>
+            </a:extLst>
+          </p:cNvPr>
+          <p:cNvSpPr>
+            <a:spLocks noGrp="1"/>
+          </p:cNvSpPr>
+          <p:nvPr>
+            <p:ph type="title"/>
+          </p:nvPr>
+        </p:nvSpPr>
+        <p:spPr>
+          <a:xfrm>
+            <a:off x="457200" y="274638"/>
+            <a:ext cx="8229600" cy="1143000"/>
+          </a:xfrm>
+        </p:spPr>
+        <p:txBody>
+          <a:bodyPr/>
+          <a:lstStyle/>
+          <a:p>
+            <a:r>
+              <a:rPr lang="en-US" altLang="zh-TW" dirty="0"/>
+              <a:t>Constant</a:t>
+            </a:r>
+            <a:r>
+              <a:rPr lang="zh-TW" altLang="en-US" dirty="0"/>
+              <a:t> </a:t>
+            </a:r>
+            <a:r>
+              <a:rPr lang="en-US" altLang="zh-TW" dirty="0"/>
+              <a:t>Case (3/3)</a:t>
+            </a:r>
+            <a:endParaRPr lang="zh-TW" altLang="en-US" dirty="0"/>
+          </a:p>
+        </p:txBody>
+      </p:sp>
+      <p:sp>
+        <p:nvSpPr>
+          <p:cNvPr id="4" name="橢圓 3">
+            <a:extLst>
+              <a:ext uri="{FF2B5EF4-FFF2-40B4-BE49-F238E27FC236}">
+                <a16:creationId xmlns:a16="http://schemas.microsoft.com/office/drawing/2014/main" id="{ABD52E2E-4D4F-4A71-A2B7-3FA1DF9FD6DE}"/>
+              </a:ext>
+            </a:extLst>
+          </p:cNvPr>
+          <p:cNvSpPr/>
+          <p:nvPr/>
+        </p:nvSpPr>
+        <p:spPr>
+          <a:xfrm>
+            <a:off x="2087724" y="1628800"/>
+            <a:ext cx="1008112" cy="1008112"/>
+          </a:xfrm>
+          <a:prstGeom prst="ellipse">
+            <a:avLst/>
+          </a:prstGeom>
+        </p:spPr>
+        <p:style>
+          <a:lnRef idx="2">
+            <a:schemeClr val="accent1">
+              <a:shade val="50000"/>
+            </a:schemeClr>
+          </a:lnRef>
+          <a:fillRef idx="1">
+            <a:schemeClr val="accent1"/>
+          </a:fillRef>
+          <a:effectRef idx="0">
+            <a:schemeClr val="accent1"/>
+          </a:effectRef>
+          <a:fontRef idx="minor">
+            <a:schemeClr val="lt1"/>
+          </a:fontRef>
+        </p:style>
+        <p:txBody>
+          <a:bodyPr rtlCol="0" anchor="ctr"/>
+          <a:lstStyle/>
+          <a:p>
+            <a:pPr algn="ctr"/>
+            <a:r>
+              <a:rPr lang="en-US" altLang="zh-TW" sz="1600" dirty="0">
+                <a:latin typeface="Courier New" panose="02070309020205020404" pitchFamily="49" charset="0"/>
+                <a:cs typeface="Courier New" panose="02070309020205020404" pitchFamily="49" charset="0"/>
+              </a:rPr>
+              <a:t>1’b0</a:t>
+            </a:r>
+            <a:endParaRPr lang="zh-TW" altLang="en-US" dirty="0">
+              <a:latin typeface="Courier New" panose="02070309020205020404" pitchFamily="49" charset="0"/>
+              <a:cs typeface="Courier New" panose="02070309020205020404" pitchFamily="49" charset="0"/>
+            </a:endParaRPr>
+          </a:p>
+        </p:txBody>
+      </p:sp>
+      <p:cxnSp>
+        <p:nvCxnSpPr>
+          <p:cNvPr id="8" name="直線單箭頭接點 7">
+            <a:extLst>
+              <a:ext uri="{FF2B5EF4-FFF2-40B4-BE49-F238E27FC236}">
+                <a16:creationId xmlns:a16="http://schemas.microsoft.com/office/drawing/2014/main" id="{2FA14798-08A2-4C0C-BB74-A241895DD8E3}"/>
+              </a:ext>
+            </a:extLst>
+          </p:cNvPr>
+          <p:cNvCxnSpPr>
+            <a:cxnSpLocks/>
+            <a:stCxn id="4" idx="6"/>
+            <a:endCxn id="9" idx="2"/>
+          </p:cNvCxnSpPr>
+          <p:nvPr/>
+        </p:nvCxnSpPr>
+        <p:spPr>
+          <a:xfrm>
+            <a:off x="3095836" y="2132856"/>
+            <a:ext cx="864096" cy="0"/>
+          </a:xfrm>
+          <a:prstGeom prst="straightConnector1">
+            <a:avLst/>
+          </a:prstGeom>
+          <a:ln>
+            <a:tailEnd type="triangle"/>
+          </a:ln>
+        </p:spPr>
+        <p:style>
+          <a:lnRef idx="1">
+            <a:schemeClr val="accent1"/>
+          </a:lnRef>
+          <a:fillRef idx="0">
+            <a:schemeClr val="accent1"/>
+          </a:fillRef>
+          <a:effectRef idx="0">
+            <a:schemeClr val="accent1"/>
+          </a:effectRef>
+          <a:fontRef idx="minor">
+            <a:schemeClr val="tx1"/>
+          </a:fontRef>
+        </p:style>
+      </p:cxnSp>
+      <p:sp>
+        <p:nvSpPr>
+          <p:cNvPr id="9" name="橢圓 8">
+            <a:extLst>
+              <a:ext uri="{FF2B5EF4-FFF2-40B4-BE49-F238E27FC236}">
+                <a16:creationId xmlns:a16="http://schemas.microsoft.com/office/drawing/2014/main" id="{7EA5321B-D81B-41DB-BA14-4532ACF96E71}"/>
+              </a:ext>
+            </a:extLst>
+          </p:cNvPr>
+          <p:cNvSpPr/>
+          <p:nvPr/>
+        </p:nvSpPr>
+        <p:spPr>
+          <a:xfrm>
+            <a:off x="3959932" y="1628800"/>
+            <a:ext cx="1008112" cy="1008112"/>
+          </a:xfrm>
+          <a:prstGeom prst="ellipse">
+            <a:avLst/>
+          </a:prstGeom>
+        </p:spPr>
+        <p:style>
+          <a:lnRef idx="2">
+            <a:schemeClr val="accent1">
+              <a:shade val="50000"/>
+            </a:schemeClr>
+          </a:lnRef>
+          <a:fillRef idx="1">
+            <a:schemeClr val="accent1"/>
+          </a:fillRef>
+          <a:effectRef idx="0">
+            <a:schemeClr val="accent1"/>
+          </a:effectRef>
+          <a:fontRef idx="minor">
+            <a:schemeClr val="lt1"/>
+          </a:fontRef>
+        </p:style>
+        <p:txBody>
+          <a:bodyPr rtlCol="0" anchor="ctr"/>
+          <a:lstStyle/>
+          <a:p>
+            <a:pPr algn="ctr"/>
+            <a:r>
+              <a:rPr lang="en-US" altLang="zh-TW" sz="1600" dirty="0">
+                <a:latin typeface="Courier New" panose="02070309020205020404" pitchFamily="49" charset="0"/>
+                <a:cs typeface="Courier New" panose="02070309020205020404" pitchFamily="49" charset="0"/>
+              </a:rPr>
+              <a:t>or</a:t>
+            </a:r>
+            <a:endParaRPr lang="zh-TW" altLang="en-US" dirty="0">
+              <a:latin typeface="Courier New" panose="02070309020205020404" pitchFamily="49" charset="0"/>
+              <a:cs typeface="Courier New" panose="02070309020205020404" pitchFamily="49" charset="0"/>
+            </a:endParaRPr>
+          </a:p>
+        </p:txBody>
+      </p:sp>
+      <p:sp>
+        <p:nvSpPr>
+          <p:cNvPr id="11" name="橢圓 10">
+            <a:extLst>
+              <a:ext uri="{FF2B5EF4-FFF2-40B4-BE49-F238E27FC236}">
+                <a16:creationId xmlns:a16="http://schemas.microsoft.com/office/drawing/2014/main" id="{C5F8A015-888D-4969-9266-19975239D683}"/>
+              </a:ext>
+            </a:extLst>
+          </p:cNvPr>
+          <p:cNvSpPr/>
+          <p:nvPr/>
+        </p:nvSpPr>
+        <p:spPr>
+          <a:xfrm>
+            <a:off x="6048164" y="1628800"/>
+            <a:ext cx="1008112" cy="1008112"/>
+          </a:xfrm>
+          <a:prstGeom prst="ellipse">
+            <a:avLst/>
+          </a:prstGeom>
+        </p:spPr>
+        <p:style>
+          <a:lnRef idx="2">
+            <a:schemeClr val="accent1">
+              <a:shade val="50000"/>
+            </a:schemeClr>
+          </a:lnRef>
+          <a:fillRef idx="1">
+            <a:schemeClr val="accent1"/>
+          </a:fillRef>
+          <a:effectRef idx="0">
+            <a:schemeClr val="accent1"/>
+          </a:effectRef>
+          <a:fontRef idx="minor">
+            <a:schemeClr val="lt1"/>
+          </a:fontRef>
+        </p:style>
+        <p:txBody>
+          <a:bodyPr rtlCol="0" anchor="ctr"/>
+          <a:lstStyle/>
+          <a:p>
+            <a:pPr algn="ctr"/>
+            <a:r>
+              <a:rPr lang="en-US" altLang="zh-TW" sz="1600" dirty="0">
+                <a:latin typeface="Courier New" panose="02070309020205020404" pitchFamily="49" charset="0"/>
+                <a:cs typeface="Courier New" panose="02070309020205020404" pitchFamily="49" charset="0"/>
+              </a:rPr>
+              <a:t>out</a:t>
+            </a:r>
+            <a:endParaRPr lang="zh-TW" altLang="en-US" dirty="0">
+              <a:latin typeface="Courier New" panose="02070309020205020404" pitchFamily="49" charset="0"/>
+              <a:cs typeface="Courier New" panose="02070309020205020404" pitchFamily="49" charset="0"/>
+            </a:endParaRPr>
+          </a:p>
+        </p:txBody>
+      </p:sp>
+      <p:cxnSp>
+        <p:nvCxnSpPr>
+          <p:cNvPr id="12" name="直線單箭頭接點 11">
+            <a:extLst>
+              <a:ext uri="{FF2B5EF4-FFF2-40B4-BE49-F238E27FC236}">
+                <a16:creationId xmlns:a16="http://schemas.microsoft.com/office/drawing/2014/main" id="{A1C4FAF8-BE93-4CDD-91D5-C1AB391DA09B}"/>
+              </a:ext>
+            </a:extLst>
+          </p:cNvPr>
+          <p:cNvCxnSpPr>
+            <a:cxnSpLocks/>
+            <a:stCxn id="9" idx="6"/>
+            <a:endCxn id="11" idx="2"/>
+          </p:cNvCxnSpPr>
+          <p:nvPr/>
+        </p:nvCxnSpPr>
+        <p:spPr>
+          <a:xfrm>
+            <a:off x="4968044" y="2132856"/>
+            <a:ext cx="1080120" cy="0"/>
+          </a:xfrm>
+          <a:prstGeom prst="straightConnector1">
+            <a:avLst/>
+          </a:prstGeom>
+          <a:ln>
+            <a:tailEnd type="triangle"/>
+          </a:ln>
+        </p:spPr>
+        <p:style>
+          <a:lnRef idx="1">
+            <a:schemeClr val="accent1"/>
+          </a:lnRef>
+          <a:fillRef idx="0">
+            <a:schemeClr val="accent1"/>
+          </a:fillRef>
+          <a:effectRef idx="0">
+            <a:schemeClr val="accent1"/>
+          </a:effectRef>
+          <a:fontRef idx="minor">
+            <a:schemeClr val="tx1"/>
+          </a:fontRef>
+        </p:style>
+      </p:cxnSp>
+      <p:sp>
+        <p:nvSpPr>
+          <p:cNvPr id="35" name="橢圓 34">
+            <a:extLst>
+              <a:ext uri="{FF2B5EF4-FFF2-40B4-BE49-F238E27FC236}">
+                <a16:creationId xmlns:a16="http://schemas.microsoft.com/office/drawing/2014/main" id="{E47A0469-AD67-4791-81F5-DC79CB9E3F28}"/>
+              </a:ext>
+            </a:extLst>
+          </p:cNvPr>
+          <p:cNvSpPr/>
+          <p:nvPr/>
+        </p:nvSpPr>
+        <p:spPr>
+          <a:xfrm>
+            <a:off x="2087724" y="2848074"/>
+            <a:ext cx="1008112" cy="1008112"/>
+          </a:xfrm>
+          <a:prstGeom prst="ellipse">
+            <a:avLst/>
+          </a:prstGeom>
+        </p:spPr>
+        <p:style>
+          <a:lnRef idx="2">
+            <a:schemeClr val="accent1">
+              <a:shade val="50000"/>
+            </a:schemeClr>
+          </a:lnRef>
+          <a:fillRef idx="1">
+            <a:schemeClr val="accent1"/>
+          </a:fillRef>
+          <a:effectRef idx="0">
+            <a:schemeClr val="accent1"/>
+          </a:effectRef>
+          <a:fontRef idx="minor">
+            <a:schemeClr val="lt1"/>
+          </a:fontRef>
+        </p:style>
+        <p:txBody>
+          <a:bodyPr rtlCol="0" anchor="ctr"/>
+          <a:lstStyle/>
+          <a:p>
+            <a:pPr algn="ctr"/>
+            <a:r>
+              <a:rPr lang="en-US" altLang="zh-TW" sz="1600" dirty="0">
+                <a:latin typeface="Courier New" panose="02070309020205020404" pitchFamily="49" charset="0"/>
+                <a:cs typeface="Courier New" panose="02070309020205020404" pitchFamily="49" charset="0"/>
+              </a:rPr>
+              <a:t>in</a:t>
+            </a:r>
+            <a:endParaRPr lang="zh-TW" altLang="en-US" dirty="0">
+              <a:latin typeface="Courier New" panose="02070309020205020404" pitchFamily="49" charset="0"/>
+              <a:cs typeface="Courier New" panose="02070309020205020404" pitchFamily="49" charset="0"/>
+            </a:endParaRPr>
+          </a:p>
+        </p:txBody>
+      </p:sp>
+      <p:cxnSp>
+        <p:nvCxnSpPr>
+          <p:cNvPr id="36" name="直線單箭頭接點 35">
+            <a:extLst>
+              <a:ext uri="{FF2B5EF4-FFF2-40B4-BE49-F238E27FC236}">
+                <a16:creationId xmlns:a16="http://schemas.microsoft.com/office/drawing/2014/main" id="{6F390297-F0BA-42D2-8399-537A279975C9}"/>
+              </a:ext>
+            </a:extLst>
+          </p:cNvPr>
+          <p:cNvCxnSpPr>
+            <a:cxnSpLocks/>
+            <a:stCxn id="35" idx="6"/>
+            <a:endCxn id="9" idx="2"/>
+          </p:cNvCxnSpPr>
+          <p:nvPr/>
+        </p:nvCxnSpPr>
+        <p:spPr>
+          <a:xfrm flipV="1">
+            <a:off x="3095836" y="2132856"/>
+            <a:ext cx="864096" cy="1219274"/>
+          </a:xfrm>
+          <a:prstGeom prst="straightConnector1">
+            <a:avLst/>
+          </a:prstGeom>
+          <a:ln>
+            <a:tailEnd type="triangle"/>
+          </a:ln>
+        </p:spPr>
+        <p:style>
+          <a:lnRef idx="1">
+            <a:schemeClr val="accent1"/>
+          </a:lnRef>
+          <a:fillRef idx="0">
+            <a:schemeClr val="accent1"/>
+          </a:fillRef>
+          <a:effectRef idx="0">
+            <a:schemeClr val="accent1"/>
+          </a:effectRef>
+          <a:fontRef idx="minor">
+            <a:schemeClr val="tx1"/>
+          </a:fontRef>
+        </p:style>
+      </p:cxnSp>
+      <p:grpSp>
+        <p:nvGrpSpPr>
+          <p:cNvPr id="37" name="群組 36">
+            <a:extLst>
+              <a:ext uri="{FF2B5EF4-FFF2-40B4-BE49-F238E27FC236}">
+                <a16:creationId xmlns:a16="http://schemas.microsoft.com/office/drawing/2014/main" id="{F5947608-9767-4630-8E01-68F3FF8244AE}"/>
+              </a:ext>
+            </a:extLst>
+          </p:cNvPr>
+          <p:cNvGrpSpPr/>
+          <p:nvPr/>
+        </p:nvGrpSpPr>
+        <p:grpSpPr>
+          <a:xfrm>
+            <a:off x="2087724" y="4036030"/>
+            <a:ext cx="4968552" cy="1008112"/>
+            <a:chOff x="755576" y="1916832"/>
+            <a:chExt cx="4968552" cy="1008112"/>
+          </a:xfrm>
+        </p:grpSpPr>
+        <p:sp>
+          <p:nvSpPr>
+            <p:cNvPr id="38" name="橢圓 37">
+              <a:extLst>
+                <a:ext uri="{FF2B5EF4-FFF2-40B4-BE49-F238E27FC236}">
+                  <a16:creationId xmlns:a16="http://schemas.microsoft.com/office/drawing/2014/main" id="{A9F42C34-37C8-4866-BD49-BDE8779B4C60}"/>
+                </a:ext>
+              </a:extLst>
+            </p:cNvPr>
+            <p:cNvSpPr/>
+            <p:nvPr/>
+          </p:nvSpPr>
+          <p:spPr>
+            <a:xfrm>
+              <a:off x="755576" y="1916832"/>
+              <a:ext cx="1008112" cy="1008112"/>
+            </a:xfrm>
+            <a:prstGeom prst="ellipse">
+              <a:avLst/>
+            </a:prstGeom>
+          </p:spPr>
+          <p:style>
+            <a:lnRef idx="2">
+              <a:schemeClr val="accent1">
+                <a:shade val="50000"/>
+              </a:schemeClr>
+            </a:lnRef>
+            <a:fillRef idx="1">
+              <a:schemeClr val="accent1"/>
+            </a:fillRef>
+            <a:effectRef idx="0">
+              <a:schemeClr val="accent1"/>
+            </a:effectRef>
+            <a:fontRef idx="minor">
+              <a:schemeClr val="lt1"/>
+            </a:fontRef>
+          </p:style>
+          <p:txBody>
+            <a:bodyPr rtlCol="0" anchor="ctr"/>
+            <a:lstStyle/>
+            <a:p>
+              <a:pPr algn="ctr"/>
+              <a:r>
+                <a:rPr lang="en-US" altLang="zh-TW" sz="1600" dirty="0">
+                  <a:latin typeface="Courier New" panose="02070309020205020404" pitchFamily="49" charset="0"/>
+                  <a:cs typeface="Courier New" panose="02070309020205020404" pitchFamily="49" charset="0"/>
+                </a:rPr>
+                <a:t>in</a:t>
+              </a:r>
+              <a:endParaRPr lang="zh-TW" altLang="en-US" dirty="0">
+                <a:latin typeface="Courier New" panose="02070309020205020404" pitchFamily="49" charset="0"/>
+                <a:cs typeface="Courier New" panose="02070309020205020404" pitchFamily="49" charset="0"/>
+              </a:endParaRPr>
+            </a:p>
+          </p:txBody>
+        </p:sp>
+        <p:cxnSp>
+          <p:nvCxnSpPr>
+            <p:cNvPr id="39" name="直線單箭頭接點 38">
+              <a:extLst>
+                <a:ext uri="{FF2B5EF4-FFF2-40B4-BE49-F238E27FC236}">
+                  <a16:creationId xmlns:a16="http://schemas.microsoft.com/office/drawing/2014/main" id="{467DB4E0-BABF-446C-A28C-8E2CB1C636D6}"/>
+                </a:ext>
+              </a:extLst>
+            </p:cNvPr>
+            <p:cNvCxnSpPr>
+              <a:cxnSpLocks/>
+              <a:stCxn id="38" idx="6"/>
+              <a:endCxn id="40" idx="2"/>
+            </p:cNvCxnSpPr>
+            <p:nvPr/>
+          </p:nvCxnSpPr>
+          <p:spPr>
+            <a:xfrm>
+              <a:off x="1763688" y="2420888"/>
+              <a:ext cx="2952328" cy="0"/>
+            </a:xfrm>
+            <a:prstGeom prst="straightConnector1">
+              <a:avLst/>
+            </a:prstGeom>
+            <a:ln>
+              <a:tailEnd type="triangle"/>
+            </a:ln>
+          </p:spPr>
+          <p:style>
+            <a:lnRef idx="1">
+              <a:schemeClr val="accent1"/>
+            </a:lnRef>
+            <a:fillRef idx="0">
+              <a:schemeClr val="accent1"/>
+            </a:fillRef>
+            <a:effectRef idx="0">
+              <a:schemeClr val="accent1"/>
+            </a:effectRef>
+            <a:fontRef idx="minor">
+              <a:schemeClr val="tx1"/>
+            </a:fontRef>
+          </p:style>
+        </p:cxnSp>
+        <p:sp>
+          <p:nvSpPr>
+            <p:cNvPr id="40" name="橢圓 39">
+              <a:extLst>
+                <a:ext uri="{FF2B5EF4-FFF2-40B4-BE49-F238E27FC236}">
+                  <a16:creationId xmlns:a16="http://schemas.microsoft.com/office/drawing/2014/main" id="{12FB4378-44DD-4E99-ACE3-931685319DD6}"/>
+                </a:ext>
+              </a:extLst>
+            </p:cNvPr>
+            <p:cNvSpPr/>
+            <p:nvPr/>
+          </p:nvSpPr>
+          <p:spPr>
+            <a:xfrm>
+              <a:off x="4716016" y="1916832"/>
+              <a:ext cx="1008112" cy="1008112"/>
+            </a:xfrm>
+            <a:prstGeom prst="ellipse">
+              <a:avLst/>
+            </a:prstGeom>
+          </p:spPr>
+          <p:style>
+            <a:lnRef idx="2">
+              <a:schemeClr val="accent1">
+                <a:shade val="50000"/>
+              </a:schemeClr>
+            </a:lnRef>
+            <a:fillRef idx="1">
+              <a:schemeClr val="accent1"/>
+            </a:fillRef>
+            <a:effectRef idx="0">
+              <a:schemeClr val="accent1"/>
+            </a:effectRef>
+            <a:fontRef idx="minor">
+              <a:schemeClr val="lt1"/>
+            </a:fontRef>
+          </p:style>
+          <p:txBody>
+            <a:bodyPr rtlCol="0" anchor="ctr"/>
+            <a:lstStyle/>
+            <a:p>
+              <a:pPr algn="ctr"/>
+              <a:r>
+                <a:rPr lang="en-US" altLang="zh-TW" sz="1600" dirty="0">
+                  <a:latin typeface="Courier New" panose="02070309020205020404" pitchFamily="49" charset="0"/>
+                  <a:cs typeface="Courier New" panose="02070309020205020404" pitchFamily="49" charset="0"/>
+                </a:rPr>
+                <a:t>out</a:t>
+              </a:r>
+              <a:endParaRPr lang="zh-TW" altLang="en-US" dirty="0">
+                <a:latin typeface="Courier New" panose="02070309020205020404" pitchFamily="49" charset="0"/>
+                <a:cs typeface="Courier New" panose="02070309020205020404" pitchFamily="49" charset="0"/>
+              </a:endParaRPr>
+            </a:p>
+          </p:txBody>
+        </p:sp>
+      </p:grpSp>
+      <p:sp>
+        <p:nvSpPr>
+          <p:cNvPr id="41" name="箭號: 向下 40">
+            <a:extLst>
+              <a:ext uri="{FF2B5EF4-FFF2-40B4-BE49-F238E27FC236}">
+                <a16:creationId xmlns:a16="http://schemas.microsoft.com/office/drawing/2014/main" id="{93707E77-6D1A-44DF-BB3F-8B88AF9229AF}"/>
+              </a:ext>
+            </a:extLst>
+          </p:cNvPr>
+          <p:cNvSpPr/>
+          <p:nvPr/>
+        </p:nvSpPr>
+        <p:spPr>
+          <a:xfrm rot="16200000">
+            <a:off x="1144428" y="4115230"/>
+            <a:ext cx="360040" cy="849712"/>
+          </a:xfrm>
+          <a:prstGeom prst="downArrow">
+            <a:avLst/>
+          </a:prstGeom>
+        </p:spPr>
+        <p:style>
+          <a:lnRef idx="2">
+            <a:schemeClr val="accent1">
+              <a:shade val="50000"/>
+            </a:schemeClr>
+          </a:lnRef>
+          <a:fillRef idx="1">
+            <a:schemeClr val="accent1"/>
+          </a:fillRef>
+          <a:effectRef idx="0">
+            <a:schemeClr val="accent1"/>
+          </a:effectRef>
+          <a:fontRef idx="minor">
+            <a:schemeClr val="lt1"/>
+          </a:fontRef>
+        </p:style>
+        <p:txBody>
+          <a:bodyPr rtlCol="0" anchor="ctr"/>
+          <a:lstStyle/>
+          <a:p>
+            <a:pPr algn="ctr"/>
+            <a:endParaRPr lang="zh-TW" altLang="en-US" dirty="0"/>
+          </a:p>
+        </p:txBody>
+      </p:sp>
+    </p:spTree>
+    <p:extLst>
+      <p:ext uri="{BB962C8B-B14F-4D97-AF65-F5344CB8AC3E}">
+        <p14:creationId xmlns:p14="http://schemas.microsoft.com/office/powerpoint/2010/main" val="882607279"/>
+      </p:ext>
+    </p:extLst>
+  </p:cSld>
+  <p:clrMapOvr>
+    <a:masterClrMapping/>
+  </p:clrMapOvr>
+</p:sld>
+</file>
+
+<file path=ppt/slides/slide14.xml><?xml version="1.0" encoding="utf-8"?>
+<p:sld xmlns:a="http://schemas.openxmlformats.org/drawingml/2006/main" xmlns:r="http://schemas.openxmlformats.org/officeDocument/2006/relationships" xmlns:p="http://schemas.openxmlformats.org/presentationml/2006/main">
+  <p:cSld>
+    <p:spTree>
+      <p:nvGrpSpPr>
+        <p:cNvPr id="1" name=""/>
+        <p:cNvGrpSpPr/>
+        <p:nvPr/>
+      </p:nvGrpSpPr>
+      <p:grpSpPr>
+        <a:xfrm>
+          <a:off x="0" y="0"/>
+          <a:ext cx="0" cy="0"/>
+          <a:chOff x="0" y="0"/>
+          <a:chExt cx="0" cy="0"/>
+        </a:xfrm>
+      </p:grpSpPr>
+      <p:sp>
+        <p:nvSpPr>
+          <p:cNvPr id="2" name="標題 1">
+            <a:extLst>
+              <a:ext uri="{FF2B5EF4-FFF2-40B4-BE49-F238E27FC236}">
+                <a16:creationId xmlns:a16="http://schemas.microsoft.com/office/drawing/2014/main" id="{DAEC1691-2820-4C31-9BF4-4B3DE4AA8C68}"/>
+              </a:ext>
+            </a:extLst>
+          </p:cNvPr>
+          <p:cNvSpPr>
+            <a:spLocks noGrp="1"/>
+          </p:cNvSpPr>
+          <p:nvPr>
+            <p:ph type="title"/>
+          </p:nvPr>
+        </p:nvSpPr>
+        <p:spPr>
+          <a:xfrm>
+            <a:off x="457200" y="274638"/>
+            <a:ext cx="8229600" cy="1143000"/>
+          </a:xfrm>
+        </p:spPr>
+        <p:txBody>
+          <a:bodyPr/>
+          <a:lstStyle/>
+          <a:p>
+            <a:r>
+              <a:rPr lang="en-US" altLang="zh-TW" dirty="0"/>
+              <a:t>Merge</a:t>
+            </a:r>
+            <a:r>
+              <a:rPr lang="zh-TW" altLang="en-US" dirty="0"/>
+              <a:t> </a:t>
+            </a:r>
+            <a:r>
+              <a:rPr lang="en-US" altLang="zh-TW" dirty="0"/>
+              <a:t>Case (1/2)</a:t>
+            </a:r>
+            <a:endParaRPr lang="zh-TW" altLang="en-US" dirty="0"/>
+          </a:p>
+        </p:txBody>
+      </p:sp>
+      <p:sp>
+        <p:nvSpPr>
+          <p:cNvPr id="27" name="橢圓 26">
+            <a:extLst>
+              <a:ext uri="{FF2B5EF4-FFF2-40B4-BE49-F238E27FC236}">
+                <a16:creationId xmlns:a16="http://schemas.microsoft.com/office/drawing/2014/main" id="{74F16BDD-6E1C-4265-97FA-07C064E8A7A8}"/>
+              </a:ext>
+            </a:extLst>
+          </p:cNvPr>
+          <p:cNvSpPr/>
+          <p:nvPr/>
+        </p:nvSpPr>
+        <p:spPr>
+          <a:xfrm>
+            <a:off x="1979712" y="1417638"/>
+            <a:ext cx="1008112" cy="1008112"/>
+          </a:xfrm>
+          <a:prstGeom prst="ellipse">
+            <a:avLst/>
+          </a:prstGeom>
+        </p:spPr>
+        <p:style>
+          <a:lnRef idx="2">
+            <a:schemeClr val="accent1">
+              <a:shade val="50000"/>
+            </a:schemeClr>
+          </a:lnRef>
+          <a:fillRef idx="1">
+            <a:schemeClr val="accent1"/>
+          </a:fillRef>
+          <a:effectRef idx="0">
+            <a:schemeClr val="accent1"/>
+          </a:effectRef>
+          <a:fontRef idx="minor">
+            <a:schemeClr val="lt1"/>
+          </a:fontRef>
+        </p:style>
+        <p:txBody>
+          <a:bodyPr rtlCol="0" anchor="ctr"/>
+          <a:lstStyle/>
+          <a:p>
+            <a:pPr algn="ctr"/>
+            <a:r>
+              <a:rPr lang="en-US" altLang="zh-TW" sz="1600" dirty="0">
+                <a:latin typeface="Courier New" panose="02070309020205020404" pitchFamily="49" charset="0"/>
+                <a:cs typeface="Courier New" panose="02070309020205020404" pitchFamily="49" charset="0"/>
+              </a:rPr>
+              <a:t>1’b0</a:t>
+            </a:r>
+            <a:endParaRPr lang="zh-TW" altLang="en-US" dirty="0">
+              <a:latin typeface="Courier New" panose="02070309020205020404" pitchFamily="49" charset="0"/>
+              <a:cs typeface="Courier New" panose="02070309020205020404" pitchFamily="49" charset="0"/>
+            </a:endParaRPr>
+          </a:p>
+        </p:txBody>
+      </p:sp>
+      <p:cxnSp>
+        <p:nvCxnSpPr>
+          <p:cNvPr id="28" name="直線單箭頭接點 27">
+            <a:extLst>
+              <a:ext uri="{FF2B5EF4-FFF2-40B4-BE49-F238E27FC236}">
+                <a16:creationId xmlns:a16="http://schemas.microsoft.com/office/drawing/2014/main" id="{CD30327D-6A3E-4C83-8472-679F95081862}"/>
+              </a:ext>
+            </a:extLst>
+          </p:cNvPr>
+          <p:cNvCxnSpPr>
+            <a:cxnSpLocks/>
+            <a:stCxn id="27" idx="6"/>
+            <a:endCxn id="29" idx="2"/>
+          </p:cNvCxnSpPr>
+          <p:nvPr/>
+        </p:nvCxnSpPr>
+        <p:spPr>
+          <a:xfrm>
+            <a:off x="2987824" y="1921694"/>
+            <a:ext cx="864096" cy="0"/>
+          </a:xfrm>
+          <a:prstGeom prst="straightConnector1">
+            <a:avLst/>
+          </a:prstGeom>
+          <a:ln>
+            <a:tailEnd type="triangle"/>
+          </a:ln>
+        </p:spPr>
+        <p:style>
+          <a:lnRef idx="1">
+            <a:schemeClr val="accent1"/>
+          </a:lnRef>
+          <a:fillRef idx="0">
+            <a:schemeClr val="accent1"/>
+          </a:fillRef>
+          <a:effectRef idx="0">
+            <a:schemeClr val="accent1"/>
+          </a:effectRef>
+          <a:fontRef idx="minor">
+            <a:schemeClr val="tx1"/>
+          </a:fontRef>
+        </p:style>
+      </p:cxnSp>
+      <p:sp>
+        <p:nvSpPr>
+          <p:cNvPr id="29" name="橢圓 28">
+            <a:extLst>
+              <a:ext uri="{FF2B5EF4-FFF2-40B4-BE49-F238E27FC236}">
+                <a16:creationId xmlns:a16="http://schemas.microsoft.com/office/drawing/2014/main" id="{42736A56-3CFC-46DC-BA18-6FA667DD2F1E}"/>
+              </a:ext>
+            </a:extLst>
+          </p:cNvPr>
+          <p:cNvSpPr/>
+          <p:nvPr/>
+        </p:nvSpPr>
+        <p:spPr>
+          <a:xfrm>
+            <a:off x="3851920" y="1417638"/>
+            <a:ext cx="1008112" cy="1008112"/>
+          </a:xfrm>
+          <a:prstGeom prst="ellipse">
+            <a:avLst/>
+          </a:prstGeom>
+        </p:spPr>
+        <p:style>
+          <a:lnRef idx="2">
+            <a:schemeClr val="accent1">
+              <a:shade val="50000"/>
+            </a:schemeClr>
+          </a:lnRef>
+          <a:fillRef idx="1">
+            <a:schemeClr val="accent1"/>
+          </a:fillRef>
+          <a:effectRef idx="0">
+            <a:schemeClr val="accent1"/>
+          </a:effectRef>
+          <a:fontRef idx="minor">
+            <a:schemeClr val="lt1"/>
+          </a:fontRef>
+        </p:style>
+        <p:txBody>
+          <a:bodyPr rtlCol="0" anchor="ctr"/>
+          <a:lstStyle/>
+          <a:p>
+            <a:pPr algn="ctr"/>
+            <a:r>
+              <a:rPr lang="en-US" altLang="zh-TW" sz="1600" dirty="0">
+                <a:latin typeface="Courier New" panose="02070309020205020404" pitchFamily="49" charset="0"/>
+                <a:cs typeface="Courier New" panose="02070309020205020404" pitchFamily="49" charset="0"/>
+              </a:rPr>
+              <a:t>or</a:t>
+            </a:r>
+            <a:endParaRPr lang="zh-TW" altLang="en-US" dirty="0">
+              <a:latin typeface="Courier New" panose="02070309020205020404" pitchFamily="49" charset="0"/>
+              <a:cs typeface="Courier New" panose="02070309020205020404" pitchFamily="49" charset="0"/>
+            </a:endParaRPr>
+          </a:p>
+        </p:txBody>
+      </p:sp>
+      <p:sp>
+        <p:nvSpPr>
+          <p:cNvPr id="30" name="橢圓 29">
+            <a:extLst>
+              <a:ext uri="{FF2B5EF4-FFF2-40B4-BE49-F238E27FC236}">
+                <a16:creationId xmlns:a16="http://schemas.microsoft.com/office/drawing/2014/main" id="{AB6CAC17-59AF-4FDC-A733-15F12BEFAB37}"/>
+              </a:ext>
+            </a:extLst>
+          </p:cNvPr>
+          <p:cNvSpPr/>
+          <p:nvPr/>
+        </p:nvSpPr>
+        <p:spPr>
+          <a:xfrm>
+            <a:off x="5940152" y="1417638"/>
+            <a:ext cx="1008112" cy="1008112"/>
+          </a:xfrm>
+          <a:prstGeom prst="ellipse">
+            <a:avLst/>
+          </a:prstGeom>
+        </p:spPr>
+        <p:style>
+          <a:lnRef idx="2">
+            <a:schemeClr val="accent1">
+              <a:shade val="50000"/>
+            </a:schemeClr>
+          </a:lnRef>
+          <a:fillRef idx="1">
+            <a:schemeClr val="accent1"/>
+          </a:fillRef>
+          <a:effectRef idx="0">
+            <a:schemeClr val="accent1"/>
+          </a:effectRef>
+          <a:fontRef idx="minor">
+            <a:schemeClr val="lt1"/>
+          </a:fontRef>
+        </p:style>
+        <p:txBody>
+          <a:bodyPr rtlCol="0" anchor="ctr"/>
+          <a:lstStyle/>
+          <a:p>
+            <a:pPr algn="ctr"/>
+            <a:r>
+              <a:rPr lang="en-US" altLang="zh-TW" sz="1600" dirty="0">
+                <a:latin typeface="Courier New" panose="02070309020205020404" pitchFamily="49" charset="0"/>
+                <a:cs typeface="Courier New" panose="02070309020205020404" pitchFamily="49" charset="0"/>
+              </a:rPr>
+              <a:t>out</a:t>
+            </a:r>
+            <a:br>
+              <a:rPr lang="en-US" altLang="zh-TW" sz="1600" dirty="0">
+                <a:latin typeface="Courier New" panose="02070309020205020404" pitchFamily="49" charset="0"/>
+                <a:cs typeface="Courier New" panose="02070309020205020404" pitchFamily="49" charset="0"/>
+              </a:rPr>
+            </a:br>
+            <a:r>
+              <a:rPr lang="en-US" altLang="zh-TW" sz="1600" dirty="0">
+                <a:latin typeface="Courier New" panose="02070309020205020404" pitchFamily="49" charset="0"/>
+                <a:cs typeface="Courier New" panose="02070309020205020404" pitchFamily="49" charset="0"/>
+              </a:rPr>
+              <a:t>[3]</a:t>
+            </a:r>
+            <a:endParaRPr lang="zh-TW" altLang="en-US" dirty="0">
+              <a:latin typeface="Courier New" panose="02070309020205020404" pitchFamily="49" charset="0"/>
+              <a:cs typeface="Courier New" panose="02070309020205020404" pitchFamily="49" charset="0"/>
+            </a:endParaRPr>
+          </a:p>
+        </p:txBody>
+      </p:sp>
+      <p:cxnSp>
+        <p:nvCxnSpPr>
+          <p:cNvPr id="31" name="直線單箭頭接點 30">
+            <a:extLst>
+              <a:ext uri="{FF2B5EF4-FFF2-40B4-BE49-F238E27FC236}">
+                <a16:creationId xmlns:a16="http://schemas.microsoft.com/office/drawing/2014/main" id="{FE3750AA-8DE4-431A-B0CD-A8D631B89462}"/>
+              </a:ext>
+            </a:extLst>
+          </p:cNvPr>
+          <p:cNvCxnSpPr>
+            <a:cxnSpLocks/>
+            <a:stCxn id="29" idx="6"/>
+            <a:endCxn id="30" idx="2"/>
+          </p:cNvCxnSpPr>
+          <p:nvPr/>
+        </p:nvCxnSpPr>
+        <p:spPr>
+          <a:xfrm>
+            <a:off x="4860032" y="1921694"/>
+            <a:ext cx="1080120" cy="0"/>
+          </a:xfrm>
+          <a:prstGeom prst="straightConnector1">
+            <a:avLst/>
+          </a:prstGeom>
+          <a:ln>
+            <a:tailEnd type="triangle"/>
+          </a:ln>
+        </p:spPr>
+        <p:style>
+          <a:lnRef idx="1">
+            <a:schemeClr val="accent1"/>
+          </a:lnRef>
+          <a:fillRef idx="0">
+            <a:schemeClr val="accent1"/>
+          </a:fillRef>
+          <a:effectRef idx="0">
+            <a:schemeClr val="accent1"/>
+          </a:effectRef>
+          <a:fontRef idx="minor">
+            <a:schemeClr val="tx1"/>
+          </a:fontRef>
+        </p:style>
+      </p:cxnSp>
+      <p:sp>
+        <p:nvSpPr>
+          <p:cNvPr id="32" name="橢圓 31">
+            <a:extLst>
+              <a:ext uri="{FF2B5EF4-FFF2-40B4-BE49-F238E27FC236}">
+                <a16:creationId xmlns:a16="http://schemas.microsoft.com/office/drawing/2014/main" id="{992CA0B3-7D49-45A9-837F-0B00EEF9D8A5}"/>
+              </a:ext>
+            </a:extLst>
+          </p:cNvPr>
+          <p:cNvSpPr/>
+          <p:nvPr/>
+        </p:nvSpPr>
+        <p:spPr>
+          <a:xfrm>
+            <a:off x="1979712" y="2636912"/>
+            <a:ext cx="1008112" cy="1008112"/>
+          </a:xfrm>
+          <a:prstGeom prst="ellipse">
+            <a:avLst/>
+          </a:prstGeom>
+        </p:spPr>
+        <p:style>
+          <a:lnRef idx="2">
+            <a:schemeClr val="accent1">
+              <a:shade val="50000"/>
+            </a:schemeClr>
+          </a:lnRef>
+          <a:fillRef idx="1">
+            <a:schemeClr val="accent1"/>
+          </a:fillRef>
+          <a:effectRef idx="0">
+            <a:schemeClr val="accent1"/>
+          </a:effectRef>
+          <a:fontRef idx="minor">
+            <a:schemeClr val="lt1"/>
+          </a:fontRef>
+        </p:style>
+        <p:txBody>
+          <a:bodyPr rtlCol="0" anchor="ctr"/>
+          <a:lstStyle/>
+          <a:p>
+            <a:pPr algn="ctr"/>
+            <a:r>
+              <a:rPr lang="en-US" altLang="zh-TW" sz="1600" dirty="0">
+                <a:latin typeface="Courier New" panose="02070309020205020404" pitchFamily="49" charset="0"/>
+                <a:cs typeface="Courier New" panose="02070309020205020404" pitchFamily="49" charset="0"/>
+              </a:rPr>
+              <a:t>in[1]</a:t>
+            </a:r>
+            <a:endParaRPr lang="zh-TW" altLang="en-US" dirty="0">
+              <a:latin typeface="Courier New" panose="02070309020205020404" pitchFamily="49" charset="0"/>
+              <a:cs typeface="Courier New" panose="02070309020205020404" pitchFamily="49" charset="0"/>
+            </a:endParaRPr>
+          </a:p>
+        </p:txBody>
+      </p:sp>
+      <p:cxnSp>
+        <p:nvCxnSpPr>
+          <p:cNvPr id="33" name="直線單箭頭接點 32">
+            <a:extLst>
+              <a:ext uri="{FF2B5EF4-FFF2-40B4-BE49-F238E27FC236}">
+                <a16:creationId xmlns:a16="http://schemas.microsoft.com/office/drawing/2014/main" id="{CA21932F-5CA9-4C5E-B853-D38BB20F28DE}"/>
+              </a:ext>
+            </a:extLst>
+          </p:cNvPr>
+          <p:cNvCxnSpPr>
+            <a:cxnSpLocks/>
+            <a:stCxn id="32" idx="6"/>
+            <a:endCxn id="29" idx="2"/>
+          </p:cNvCxnSpPr>
+          <p:nvPr/>
+        </p:nvCxnSpPr>
+        <p:spPr>
+          <a:xfrm flipV="1">
+            <a:off x="2987824" y="1921694"/>
+            <a:ext cx="864096" cy="1219274"/>
+          </a:xfrm>
+          <a:prstGeom prst="straightConnector1">
+            <a:avLst/>
+          </a:prstGeom>
+          <a:ln>
+            <a:tailEnd type="triangle"/>
+          </a:ln>
+        </p:spPr>
+        <p:style>
+          <a:lnRef idx="1">
+            <a:schemeClr val="accent1"/>
+          </a:lnRef>
+          <a:fillRef idx="0">
+            <a:schemeClr val="accent1"/>
+          </a:fillRef>
+          <a:effectRef idx="0">
+            <a:schemeClr val="accent1"/>
+          </a:effectRef>
+          <a:fontRef idx="minor">
+            <a:schemeClr val="tx1"/>
+          </a:fontRef>
+        </p:style>
+      </p:cxnSp>
+      <p:sp>
+        <p:nvSpPr>
+          <p:cNvPr id="34" name="橢圓 33">
+            <a:extLst>
+              <a:ext uri="{FF2B5EF4-FFF2-40B4-BE49-F238E27FC236}">
+                <a16:creationId xmlns:a16="http://schemas.microsoft.com/office/drawing/2014/main" id="{CDFC70CF-390F-4178-82F2-AB8CA3111199}"/>
+              </a:ext>
+            </a:extLst>
+          </p:cNvPr>
+          <p:cNvSpPr/>
+          <p:nvPr/>
+        </p:nvSpPr>
+        <p:spPr>
+          <a:xfrm>
+            <a:off x="1979712" y="3928195"/>
+            <a:ext cx="1008112" cy="1008112"/>
+          </a:xfrm>
+          <a:prstGeom prst="ellipse">
+            <a:avLst/>
+          </a:prstGeom>
+        </p:spPr>
+        <p:style>
+          <a:lnRef idx="2">
+            <a:schemeClr val="accent1">
+              <a:shade val="50000"/>
+            </a:schemeClr>
+          </a:lnRef>
+          <a:fillRef idx="1">
+            <a:schemeClr val="accent1"/>
+          </a:fillRef>
+          <a:effectRef idx="0">
+            <a:schemeClr val="accent1"/>
+          </a:effectRef>
+          <a:fontRef idx="minor">
+            <a:schemeClr val="lt1"/>
+          </a:fontRef>
+        </p:style>
+        <p:txBody>
+          <a:bodyPr rtlCol="0" anchor="ctr"/>
+          <a:lstStyle/>
+          <a:p>
+            <a:pPr algn="ctr"/>
+            <a:r>
+              <a:rPr lang="en-US" altLang="zh-TW" sz="1600" dirty="0">
+                <a:latin typeface="Courier New" panose="02070309020205020404" pitchFamily="49" charset="0"/>
+                <a:cs typeface="Courier New" panose="02070309020205020404" pitchFamily="49" charset="0"/>
+              </a:rPr>
+              <a:t>1’b0</a:t>
+            </a:r>
+            <a:endParaRPr lang="zh-TW" altLang="en-US" dirty="0">
+              <a:latin typeface="Courier New" panose="02070309020205020404" pitchFamily="49" charset="0"/>
+              <a:cs typeface="Courier New" panose="02070309020205020404" pitchFamily="49" charset="0"/>
+            </a:endParaRPr>
+          </a:p>
+        </p:txBody>
+      </p:sp>
+      <p:cxnSp>
+        <p:nvCxnSpPr>
+          <p:cNvPr id="42" name="直線單箭頭接點 41">
+            <a:extLst>
+              <a:ext uri="{FF2B5EF4-FFF2-40B4-BE49-F238E27FC236}">
+                <a16:creationId xmlns:a16="http://schemas.microsoft.com/office/drawing/2014/main" id="{DE2F6437-2896-439F-8537-D64B78DD8246}"/>
+              </a:ext>
+            </a:extLst>
+          </p:cNvPr>
+          <p:cNvCxnSpPr>
+            <a:cxnSpLocks/>
+            <a:stCxn id="34" idx="6"/>
+            <a:endCxn id="43" idx="2"/>
+          </p:cNvCxnSpPr>
+          <p:nvPr/>
+        </p:nvCxnSpPr>
+        <p:spPr>
+          <a:xfrm>
+            <a:off x="2987824" y="4432251"/>
+            <a:ext cx="864096" cy="0"/>
+          </a:xfrm>
+          <a:prstGeom prst="straightConnector1">
+            <a:avLst/>
+          </a:prstGeom>
+          <a:ln>
+            <a:tailEnd type="triangle"/>
+          </a:ln>
+        </p:spPr>
+        <p:style>
+          <a:lnRef idx="1">
+            <a:schemeClr val="accent1"/>
+          </a:lnRef>
+          <a:fillRef idx="0">
+            <a:schemeClr val="accent1"/>
+          </a:fillRef>
+          <a:effectRef idx="0">
+            <a:schemeClr val="accent1"/>
+          </a:effectRef>
+          <a:fontRef idx="minor">
+            <a:schemeClr val="tx1"/>
+          </a:fontRef>
+        </p:style>
+      </p:cxnSp>
+      <p:sp>
+        <p:nvSpPr>
+          <p:cNvPr id="43" name="橢圓 42">
+            <a:extLst>
+              <a:ext uri="{FF2B5EF4-FFF2-40B4-BE49-F238E27FC236}">
+                <a16:creationId xmlns:a16="http://schemas.microsoft.com/office/drawing/2014/main" id="{B212016A-59D5-4FB3-A5AE-E74E5832C5BF}"/>
+              </a:ext>
+            </a:extLst>
+          </p:cNvPr>
+          <p:cNvSpPr/>
+          <p:nvPr/>
+        </p:nvSpPr>
+        <p:spPr>
+          <a:xfrm>
+            <a:off x="3851920" y="3928195"/>
+            <a:ext cx="1008112" cy="1008112"/>
+          </a:xfrm>
+          <a:prstGeom prst="ellipse">
+            <a:avLst/>
+          </a:prstGeom>
+        </p:spPr>
+        <p:style>
+          <a:lnRef idx="2">
+            <a:schemeClr val="accent1">
+              <a:shade val="50000"/>
+            </a:schemeClr>
+          </a:lnRef>
+          <a:fillRef idx="1">
+            <a:schemeClr val="accent1"/>
+          </a:fillRef>
+          <a:effectRef idx="0">
+            <a:schemeClr val="accent1"/>
+          </a:effectRef>
+          <a:fontRef idx="minor">
+            <a:schemeClr val="lt1"/>
+          </a:fontRef>
+        </p:style>
+        <p:txBody>
+          <a:bodyPr rtlCol="0" anchor="ctr"/>
+          <a:lstStyle/>
+          <a:p>
+            <a:pPr algn="ctr"/>
+            <a:r>
+              <a:rPr lang="en-US" altLang="zh-TW" sz="1600" dirty="0">
+                <a:latin typeface="Courier New" panose="02070309020205020404" pitchFamily="49" charset="0"/>
+                <a:cs typeface="Courier New" panose="02070309020205020404" pitchFamily="49" charset="0"/>
+              </a:rPr>
+              <a:t>or</a:t>
+            </a:r>
+            <a:endParaRPr lang="zh-TW" altLang="en-US" dirty="0">
+              <a:latin typeface="Courier New" panose="02070309020205020404" pitchFamily="49" charset="0"/>
+              <a:cs typeface="Courier New" panose="02070309020205020404" pitchFamily="49" charset="0"/>
+            </a:endParaRPr>
+          </a:p>
+        </p:txBody>
+      </p:sp>
+      <p:sp>
+        <p:nvSpPr>
+          <p:cNvPr id="44" name="橢圓 43">
+            <a:extLst>
+              <a:ext uri="{FF2B5EF4-FFF2-40B4-BE49-F238E27FC236}">
+                <a16:creationId xmlns:a16="http://schemas.microsoft.com/office/drawing/2014/main" id="{BF31FAD8-BAA2-4538-8112-DAA90C98C8BD}"/>
+              </a:ext>
+            </a:extLst>
+          </p:cNvPr>
+          <p:cNvSpPr/>
+          <p:nvPr/>
+        </p:nvSpPr>
+        <p:spPr>
+          <a:xfrm>
+            <a:off x="5940152" y="3928195"/>
+            <a:ext cx="1008112" cy="1008112"/>
+          </a:xfrm>
+          <a:prstGeom prst="ellipse">
+            <a:avLst/>
+          </a:prstGeom>
+        </p:spPr>
+        <p:style>
+          <a:lnRef idx="2">
+            <a:schemeClr val="accent1">
+              <a:shade val="50000"/>
+            </a:schemeClr>
+          </a:lnRef>
+          <a:fillRef idx="1">
+            <a:schemeClr val="accent1"/>
+          </a:fillRef>
+          <a:effectRef idx="0">
+            <a:schemeClr val="accent1"/>
+          </a:effectRef>
+          <a:fontRef idx="minor">
+            <a:schemeClr val="lt1"/>
+          </a:fontRef>
+        </p:style>
+        <p:txBody>
+          <a:bodyPr rtlCol="0" anchor="ctr"/>
+          <a:lstStyle/>
+          <a:p>
+            <a:pPr algn="ctr"/>
+            <a:r>
+              <a:rPr lang="en-US" altLang="zh-TW" sz="1600" dirty="0">
+                <a:latin typeface="Courier New" panose="02070309020205020404" pitchFamily="49" charset="0"/>
+                <a:cs typeface="Courier New" panose="02070309020205020404" pitchFamily="49" charset="0"/>
+              </a:rPr>
+              <a:t>out</a:t>
+            </a:r>
+          </a:p>
+          <a:p>
+            <a:pPr algn="ctr"/>
+            <a:r>
+              <a:rPr lang="en-US" altLang="zh-TW" sz="1600" dirty="0">
+                <a:latin typeface="Courier New" panose="02070309020205020404" pitchFamily="49" charset="0"/>
+                <a:cs typeface="Courier New" panose="02070309020205020404" pitchFamily="49" charset="0"/>
+              </a:rPr>
+              <a:t>[4]</a:t>
+            </a:r>
+            <a:endParaRPr lang="zh-TW" altLang="en-US" dirty="0">
+              <a:latin typeface="Courier New" panose="02070309020205020404" pitchFamily="49" charset="0"/>
+              <a:cs typeface="Courier New" panose="02070309020205020404" pitchFamily="49" charset="0"/>
+            </a:endParaRPr>
+          </a:p>
+        </p:txBody>
+      </p:sp>
+      <p:cxnSp>
+        <p:nvCxnSpPr>
+          <p:cNvPr id="45" name="直線單箭頭接點 44">
+            <a:extLst>
+              <a:ext uri="{FF2B5EF4-FFF2-40B4-BE49-F238E27FC236}">
+                <a16:creationId xmlns:a16="http://schemas.microsoft.com/office/drawing/2014/main" id="{D079D785-7CEE-469A-8DDC-AD9D9228120C}"/>
+              </a:ext>
+            </a:extLst>
+          </p:cNvPr>
+          <p:cNvCxnSpPr>
+            <a:cxnSpLocks/>
+            <a:stCxn id="43" idx="6"/>
+            <a:endCxn id="44" idx="2"/>
+          </p:cNvCxnSpPr>
+          <p:nvPr/>
+        </p:nvCxnSpPr>
+        <p:spPr>
+          <a:xfrm>
+            <a:off x="4860032" y="4432251"/>
+            <a:ext cx="1080120" cy="0"/>
+          </a:xfrm>
+          <a:prstGeom prst="straightConnector1">
+            <a:avLst/>
+          </a:prstGeom>
+          <a:ln>
+            <a:tailEnd type="triangle"/>
+          </a:ln>
+        </p:spPr>
+        <p:style>
+          <a:lnRef idx="1">
+            <a:schemeClr val="accent1"/>
+          </a:lnRef>
+          <a:fillRef idx="0">
+            <a:schemeClr val="accent1"/>
+          </a:fillRef>
+          <a:effectRef idx="0">
+            <a:schemeClr val="accent1"/>
+          </a:effectRef>
+          <a:fontRef idx="minor">
+            <a:schemeClr val="tx1"/>
+          </a:fontRef>
+        </p:style>
+      </p:cxnSp>
+      <p:sp>
+        <p:nvSpPr>
+          <p:cNvPr id="46" name="橢圓 45">
+            <a:extLst>
+              <a:ext uri="{FF2B5EF4-FFF2-40B4-BE49-F238E27FC236}">
+                <a16:creationId xmlns:a16="http://schemas.microsoft.com/office/drawing/2014/main" id="{CCFAD8AE-7829-4447-B543-533522C63DDC}"/>
+              </a:ext>
+            </a:extLst>
+          </p:cNvPr>
+          <p:cNvSpPr/>
+          <p:nvPr/>
+        </p:nvSpPr>
+        <p:spPr>
+          <a:xfrm>
+            <a:off x="1979712" y="5147469"/>
+            <a:ext cx="1008112" cy="1008112"/>
+          </a:xfrm>
+          <a:prstGeom prst="ellipse">
+            <a:avLst/>
+          </a:prstGeom>
+        </p:spPr>
+        <p:style>
+          <a:lnRef idx="2">
+            <a:schemeClr val="accent1">
+              <a:shade val="50000"/>
+            </a:schemeClr>
+          </a:lnRef>
+          <a:fillRef idx="1">
+            <a:schemeClr val="accent1"/>
+          </a:fillRef>
+          <a:effectRef idx="0">
+            <a:schemeClr val="accent1"/>
+          </a:effectRef>
+          <a:fontRef idx="minor">
+            <a:schemeClr val="lt1"/>
+          </a:fontRef>
+        </p:style>
+        <p:txBody>
+          <a:bodyPr rtlCol="0" anchor="ctr"/>
+          <a:lstStyle/>
+          <a:p>
+            <a:pPr algn="ctr"/>
+            <a:r>
+              <a:rPr lang="en-US" altLang="zh-TW" sz="1600" dirty="0">
+                <a:latin typeface="Courier New" panose="02070309020205020404" pitchFamily="49" charset="0"/>
+                <a:cs typeface="Courier New" panose="02070309020205020404" pitchFamily="49" charset="0"/>
+              </a:rPr>
+              <a:t>in[2]</a:t>
+            </a:r>
+            <a:endParaRPr lang="zh-TW" altLang="en-US" dirty="0">
+              <a:latin typeface="Courier New" panose="02070309020205020404" pitchFamily="49" charset="0"/>
+              <a:cs typeface="Courier New" panose="02070309020205020404" pitchFamily="49" charset="0"/>
+            </a:endParaRPr>
+          </a:p>
+        </p:txBody>
+      </p:sp>
+      <p:cxnSp>
+        <p:nvCxnSpPr>
+          <p:cNvPr id="47" name="直線單箭頭接點 46">
+            <a:extLst>
+              <a:ext uri="{FF2B5EF4-FFF2-40B4-BE49-F238E27FC236}">
+                <a16:creationId xmlns:a16="http://schemas.microsoft.com/office/drawing/2014/main" id="{5B2244F3-76AC-4AA4-A5F5-51C663C9BC80}"/>
+              </a:ext>
+            </a:extLst>
+          </p:cNvPr>
+          <p:cNvCxnSpPr>
+            <a:cxnSpLocks/>
+            <a:stCxn id="46" idx="6"/>
+            <a:endCxn id="43" idx="2"/>
+          </p:cNvCxnSpPr>
+          <p:nvPr/>
+        </p:nvCxnSpPr>
+        <p:spPr>
+          <a:xfrm flipV="1">
+            <a:off x="2987824" y="4432251"/>
+            <a:ext cx="864096" cy="1219274"/>
+          </a:xfrm>
+          <a:prstGeom prst="straightConnector1">
+            <a:avLst/>
+          </a:prstGeom>
+          <a:ln>
+            <a:tailEnd type="triangle"/>
+          </a:ln>
+        </p:spPr>
+        <p:style>
+          <a:lnRef idx="1">
+            <a:schemeClr val="accent1"/>
+          </a:lnRef>
+          <a:fillRef idx="0">
+            <a:schemeClr val="accent1"/>
+          </a:fillRef>
+          <a:effectRef idx="0">
+            <a:schemeClr val="accent1"/>
+          </a:effectRef>
+          <a:fontRef idx="minor">
+            <a:schemeClr val="tx1"/>
+          </a:fontRef>
+        </p:style>
+      </p:cxnSp>
+    </p:spTree>
+    <p:extLst>
+      <p:ext uri="{BB962C8B-B14F-4D97-AF65-F5344CB8AC3E}">
+        <p14:creationId xmlns:p14="http://schemas.microsoft.com/office/powerpoint/2010/main" val="3939881985"/>
+      </p:ext>
+    </p:extLst>
+  </p:cSld>
+  <p:clrMapOvr>
+    <a:masterClrMapping/>
+  </p:clrMapOvr>
+</p:sld>
+</file>
+
+<file path=ppt/slides/slide15.xml><?xml version="1.0" encoding="utf-8"?>
+<p:sld xmlns:a="http://schemas.openxmlformats.org/drawingml/2006/main" xmlns:r="http://schemas.openxmlformats.org/officeDocument/2006/relationships" xmlns:p="http://schemas.openxmlformats.org/presentationml/2006/main">
+  <p:cSld>
+    <p:spTree>
+      <p:nvGrpSpPr>
+        <p:cNvPr id="1" name=""/>
+        <p:cNvGrpSpPr/>
+        <p:nvPr/>
+      </p:nvGrpSpPr>
+      <p:grpSpPr>
+        <a:xfrm>
+          <a:off x="0" y="0"/>
+          <a:ext cx="0" cy="0"/>
+          <a:chOff x="0" y="0"/>
+          <a:chExt cx="0" cy="0"/>
+        </a:xfrm>
+      </p:grpSpPr>
+      <p:sp>
+        <p:nvSpPr>
+          <p:cNvPr id="2" name="標題 1">
+            <a:extLst>
+              <a:ext uri="{FF2B5EF4-FFF2-40B4-BE49-F238E27FC236}">
+                <a16:creationId xmlns:a16="http://schemas.microsoft.com/office/drawing/2014/main" id="{DAEC1691-2820-4C31-9BF4-4B3DE4AA8C68}"/>
+              </a:ext>
+            </a:extLst>
+          </p:cNvPr>
+          <p:cNvSpPr>
+            <a:spLocks noGrp="1"/>
+          </p:cNvSpPr>
+          <p:nvPr>
+            <p:ph type="title"/>
+          </p:nvPr>
+        </p:nvSpPr>
+        <p:spPr>
+          <a:xfrm>
+            <a:off x="457200" y="274638"/>
+            <a:ext cx="8229600" cy="1143000"/>
+          </a:xfrm>
+        </p:spPr>
+        <p:txBody>
+          <a:bodyPr/>
+          <a:lstStyle/>
+          <a:p>
+            <a:r>
+              <a:rPr lang="en-US" altLang="zh-TW" dirty="0"/>
+              <a:t>Merge</a:t>
+            </a:r>
+            <a:r>
+              <a:rPr lang="zh-TW" altLang="en-US" dirty="0"/>
+              <a:t> </a:t>
+            </a:r>
+            <a:r>
+              <a:rPr lang="en-US" altLang="zh-TW" dirty="0"/>
+              <a:t>Case (2/2)</a:t>
+            </a:r>
+            <a:endParaRPr lang="zh-TW" altLang="en-US" dirty="0"/>
+          </a:p>
+        </p:txBody>
+      </p:sp>
+      <p:sp>
+        <p:nvSpPr>
+          <p:cNvPr id="27" name="橢圓 26">
+            <a:extLst>
+              <a:ext uri="{FF2B5EF4-FFF2-40B4-BE49-F238E27FC236}">
+                <a16:creationId xmlns:a16="http://schemas.microsoft.com/office/drawing/2014/main" id="{74F16BDD-6E1C-4265-97FA-07C064E8A7A8}"/>
+              </a:ext>
+            </a:extLst>
+          </p:cNvPr>
+          <p:cNvSpPr/>
+          <p:nvPr/>
+        </p:nvSpPr>
+        <p:spPr>
+          <a:xfrm>
+            <a:off x="2123728" y="1628800"/>
+            <a:ext cx="1008112" cy="1008112"/>
+          </a:xfrm>
+          <a:prstGeom prst="ellipse">
+            <a:avLst/>
+          </a:prstGeom>
+        </p:spPr>
+        <p:style>
+          <a:lnRef idx="2">
+            <a:schemeClr val="accent1">
+              <a:shade val="50000"/>
+            </a:schemeClr>
+          </a:lnRef>
+          <a:fillRef idx="1">
+            <a:schemeClr val="accent1"/>
+          </a:fillRef>
+          <a:effectRef idx="0">
+            <a:schemeClr val="accent1"/>
+          </a:effectRef>
+          <a:fontRef idx="minor">
+            <a:schemeClr val="lt1"/>
+          </a:fontRef>
+        </p:style>
+        <p:txBody>
+          <a:bodyPr rtlCol="0" anchor="ctr"/>
+          <a:lstStyle/>
+          <a:p>
+            <a:pPr algn="ctr"/>
+            <a:r>
+              <a:rPr lang="en-US" altLang="zh-TW" sz="1600" dirty="0">
+                <a:latin typeface="Courier New" panose="02070309020205020404" pitchFamily="49" charset="0"/>
+                <a:cs typeface="Courier New" panose="02070309020205020404" pitchFamily="49" charset="0"/>
+              </a:rPr>
+              <a:t>2’b0</a:t>
+            </a:r>
+            <a:endParaRPr lang="zh-TW" altLang="en-US" dirty="0">
+              <a:latin typeface="Courier New" panose="02070309020205020404" pitchFamily="49" charset="0"/>
+              <a:cs typeface="Courier New" panose="02070309020205020404" pitchFamily="49" charset="0"/>
+            </a:endParaRPr>
+          </a:p>
+        </p:txBody>
+      </p:sp>
+      <p:cxnSp>
+        <p:nvCxnSpPr>
+          <p:cNvPr id="28" name="直線單箭頭接點 27">
+            <a:extLst>
+              <a:ext uri="{FF2B5EF4-FFF2-40B4-BE49-F238E27FC236}">
+                <a16:creationId xmlns:a16="http://schemas.microsoft.com/office/drawing/2014/main" id="{CD30327D-6A3E-4C83-8472-679F95081862}"/>
+              </a:ext>
+            </a:extLst>
+          </p:cNvPr>
+          <p:cNvCxnSpPr>
+            <a:cxnSpLocks/>
+            <a:stCxn id="27" idx="6"/>
+            <a:endCxn id="29" idx="2"/>
+          </p:cNvCxnSpPr>
+          <p:nvPr/>
+        </p:nvCxnSpPr>
+        <p:spPr>
+          <a:xfrm>
+            <a:off x="3131840" y="2132856"/>
+            <a:ext cx="864096" cy="0"/>
+          </a:xfrm>
+          <a:prstGeom prst="straightConnector1">
+            <a:avLst/>
+          </a:prstGeom>
+          <a:ln>
+            <a:tailEnd type="triangle"/>
+          </a:ln>
+        </p:spPr>
+        <p:style>
+          <a:lnRef idx="1">
+            <a:schemeClr val="accent1"/>
+          </a:lnRef>
+          <a:fillRef idx="0">
+            <a:schemeClr val="accent1"/>
+          </a:fillRef>
+          <a:effectRef idx="0">
+            <a:schemeClr val="accent1"/>
+          </a:effectRef>
+          <a:fontRef idx="minor">
+            <a:schemeClr val="tx1"/>
+          </a:fontRef>
+        </p:style>
+      </p:cxnSp>
+      <p:sp>
+        <p:nvSpPr>
+          <p:cNvPr id="29" name="橢圓 28">
+            <a:extLst>
+              <a:ext uri="{FF2B5EF4-FFF2-40B4-BE49-F238E27FC236}">
+                <a16:creationId xmlns:a16="http://schemas.microsoft.com/office/drawing/2014/main" id="{42736A56-3CFC-46DC-BA18-6FA667DD2F1E}"/>
+              </a:ext>
+            </a:extLst>
+          </p:cNvPr>
+          <p:cNvSpPr/>
+          <p:nvPr/>
+        </p:nvSpPr>
+        <p:spPr>
+          <a:xfrm>
+            <a:off x="3995936" y="1628800"/>
+            <a:ext cx="1008112" cy="1008112"/>
+          </a:xfrm>
+          <a:prstGeom prst="ellipse">
+            <a:avLst/>
+          </a:prstGeom>
+        </p:spPr>
+        <p:style>
+          <a:lnRef idx="2">
+            <a:schemeClr val="accent1">
+              <a:shade val="50000"/>
+            </a:schemeClr>
+          </a:lnRef>
+          <a:fillRef idx="1">
+            <a:schemeClr val="accent1"/>
+          </a:fillRef>
+          <a:effectRef idx="0">
+            <a:schemeClr val="accent1"/>
+          </a:effectRef>
+          <a:fontRef idx="minor">
+            <a:schemeClr val="lt1"/>
+          </a:fontRef>
+        </p:style>
+        <p:txBody>
+          <a:bodyPr rtlCol="0" anchor="ctr"/>
+          <a:lstStyle/>
+          <a:p>
+            <a:pPr algn="ctr"/>
+            <a:r>
+              <a:rPr lang="en-US" altLang="zh-TW" sz="1600" dirty="0">
+                <a:latin typeface="Courier New" panose="02070309020205020404" pitchFamily="49" charset="0"/>
+                <a:cs typeface="Courier New" panose="02070309020205020404" pitchFamily="49" charset="0"/>
+              </a:rPr>
+              <a:t>or</a:t>
+            </a:r>
+            <a:endParaRPr lang="zh-TW" altLang="en-US" dirty="0">
+              <a:latin typeface="Courier New" panose="02070309020205020404" pitchFamily="49" charset="0"/>
+              <a:cs typeface="Courier New" panose="02070309020205020404" pitchFamily="49" charset="0"/>
+            </a:endParaRPr>
+          </a:p>
+        </p:txBody>
+      </p:sp>
+      <p:sp>
+        <p:nvSpPr>
+          <p:cNvPr id="30" name="橢圓 29">
+            <a:extLst>
+              <a:ext uri="{FF2B5EF4-FFF2-40B4-BE49-F238E27FC236}">
+                <a16:creationId xmlns:a16="http://schemas.microsoft.com/office/drawing/2014/main" id="{AB6CAC17-59AF-4FDC-A733-15F12BEFAB37}"/>
+              </a:ext>
+            </a:extLst>
+          </p:cNvPr>
+          <p:cNvSpPr/>
+          <p:nvPr/>
+        </p:nvSpPr>
+        <p:spPr>
+          <a:xfrm>
+            <a:off x="6084168" y="1628800"/>
+            <a:ext cx="1008112" cy="1008112"/>
+          </a:xfrm>
+          <a:prstGeom prst="ellipse">
+            <a:avLst/>
+          </a:prstGeom>
+        </p:spPr>
+        <p:style>
+          <a:lnRef idx="2">
+            <a:schemeClr val="accent1">
+              <a:shade val="50000"/>
+            </a:schemeClr>
+          </a:lnRef>
+          <a:fillRef idx="1">
+            <a:schemeClr val="accent1"/>
+          </a:fillRef>
+          <a:effectRef idx="0">
+            <a:schemeClr val="accent1"/>
+          </a:effectRef>
+          <a:fontRef idx="minor">
+            <a:schemeClr val="lt1"/>
+          </a:fontRef>
+        </p:style>
+        <p:txBody>
+          <a:bodyPr rtlCol="0" anchor="ctr"/>
+          <a:lstStyle/>
+          <a:p>
+            <a:pPr algn="ctr"/>
+            <a:r>
+              <a:rPr lang="en-US" altLang="zh-TW" sz="1600" dirty="0">
+                <a:latin typeface="Courier New" panose="02070309020205020404" pitchFamily="49" charset="0"/>
+                <a:cs typeface="Courier New" panose="02070309020205020404" pitchFamily="49" charset="0"/>
+              </a:rPr>
+              <a:t>out</a:t>
+            </a:r>
+            <a:br>
+              <a:rPr lang="en-US" altLang="zh-TW" sz="1600" dirty="0">
+                <a:latin typeface="Courier New" panose="02070309020205020404" pitchFamily="49" charset="0"/>
+                <a:cs typeface="Courier New" panose="02070309020205020404" pitchFamily="49" charset="0"/>
+              </a:rPr>
+            </a:br>
+            <a:r>
+              <a:rPr lang="en-US" altLang="zh-TW" sz="1600" dirty="0">
+                <a:latin typeface="Courier New" panose="02070309020205020404" pitchFamily="49" charset="0"/>
+                <a:cs typeface="Courier New" panose="02070309020205020404" pitchFamily="49" charset="0"/>
+              </a:rPr>
+              <a:t>[3:4]</a:t>
+            </a:r>
+            <a:endParaRPr lang="zh-TW" altLang="en-US" dirty="0">
+              <a:latin typeface="Courier New" panose="02070309020205020404" pitchFamily="49" charset="0"/>
+              <a:cs typeface="Courier New" panose="02070309020205020404" pitchFamily="49" charset="0"/>
+            </a:endParaRPr>
+          </a:p>
+        </p:txBody>
+      </p:sp>
+      <p:cxnSp>
+        <p:nvCxnSpPr>
+          <p:cNvPr id="31" name="直線單箭頭接點 30">
+            <a:extLst>
+              <a:ext uri="{FF2B5EF4-FFF2-40B4-BE49-F238E27FC236}">
+                <a16:creationId xmlns:a16="http://schemas.microsoft.com/office/drawing/2014/main" id="{FE3750AA-8DE4-431A-B0CD-A8D631B89462}"/>
+              </a:ext>
+            </a:extLst>
+          </p:cNvPr>
+          <p:cNvCxnSpPr>
+            <a:cxnSpLocks/>
+            <a:stCxn id="29" idx="6"/>
+            <a:endCxn id="30" idx="2"/>
+          </p:cNvCxnSpPr>
+          <p:nvPr/>
+        </p:nvCxnSpPr>
+        <p:spPr>
+          <a:xfrm>
+            <a:off x="5004048" y="2132856"/>
+            <a:ext cx="1080120" cy="0"/>
+          </a:xfrm>
+          <a:prstGeom prst="straightConnector1">
+            <a:avLst/>
+          </a:prstGeom>
+          <a:ln>
+            <a:tailEnd type="triangle"/>
+          </a:ln>
+        </p:spPr>
+        <p:style>
+          <a:lnRef idx="1">
+            <a:schemeClr val="accent1"/>
+          </a:lnRef>
+          <a:fillRef idx="0">
+            <a:schemeClr val="accent1"/>
+          </a:fillRef>
+          <a:effectRef idx="0">
+            <a:schemeClr val="accent1"/>
+          </a:effectRef>
+          <a:fontRef idx="minor">
+            <a:schemeClr val="tx1"/>
+          </a:fontRef>
+        </p:style>
+      </p:cxnSp>
+      <p:sp>
+        <p:nvSpPr>
+          <p:cNvPr id="32" name="橢圓 31">
+            <a:extLst>
+              <a:ext uri="{FF2B5EF4-FFF2-40B4-BE49-F238E27FC236}">
+                <a16:creationId xmlns:a16="http://schemas.microsoft.com/office/drawing/2014/main" id="{992CA0B3-7D49-45A9-837F-0B00EEF9D8A5}"/>
+              </a:ext>
+            </a:extLst>
+          </p:cNvPr>
+          <p:cNvSpPr/>
+          <p:nvPr/>
+        </p:nvSpPr>
+        <p:spPr>
+          <a:xfrm>
+            <a:off x="2123728" y="2848074"/>
+            <a:ext cx="1008112" cy="1008112"/>
+          </a:xfrm>
+          <a:prstGeom prst="ellipse">
+            <a:avLst/>
+          </a:prstGeom>
+        </p:spPr>
+        <p:style>
+          <a:lnRef idx="2">
+            <a:schemeClr val="accent1">
+              <a:shade val="50000"/>
+            </a:schemeClr>
+          </a:lnRef>
+          <a:fillRef idx="1">
+            <a:schemeClr val="accent1"/>
+          </a:fillRef>
+          <a:effectRef idx="0">
+            <a:schemeClr val="accent1"/>
+          </a:effectRef>
+          <a:fontRef idx="minor">
+            <a:schemeClr val="lt1"/>
+          </a:fontRef>
+        </p:style>
+        <p:txBody>
+          <a:bodyPr rtlCol="0" anchor="ctr"/>
+          <a:lstStyle/>
+          <a:p>
+            <a:pPr algn="ctr"/>
+            <a:r>
+              <a:rPr lang="en-US" altLang="zh-TW" sz="1600" dirty="0">
+                <a:latin typeface="Courier New" panose="02070309020205020404" pitchFamily="49" charset="0"/>
+                <a:cs typeface="Courier New" panose="02070309020205020404" pitchFamily="49" charset="0"/>
+              </a:rPr>
+              <a:t>in</a:t>
+            </a:r>
+          </a:p>
+          <a:p>
+            <a:pPr algn="ctr"/>
+            <a:r>
+              <a:rPr lang="en-US" altLang="zh-TW" sz="1600" dirty="0">
+                <a:latin typeface="Courier New" panose="02070309020205020404" pitchFamily="49" charset="0"/>
+                <a:cs typeface="Courier New" panose="02070309020205020404" pitchFamily="49" charset="0"/>
+              </a:rPr>
+              <a:t>[1:2]</a:t>
+            </a:r>
+            <a:endParaRPr lang="zh-TW" altLang="en-US" dirty="0">
+              <a:latin typeface="Courier New" panose="02070309020205020404" pitchFamily="49" charset="0"/>
+              <a:cs typeface="Courier New" panose="02070309020205020404" pitchFamily="49" charset="0"/>
+            </a:endParaRPr>
+          </a:p>
+        </p:txBody>
+      </p:sp>
+      <p:cxnSp>
+        <p:nvCxnSpPr>
+          <p:cNvPr id="33" name="直線單箭頭接點 32">
+            <a:extLst>
+              <a:ext uri="{FF2B5EF4-FFF2-40B4-BE49-F238E27FC236}">
+                <a16:creationId xmlns:a16="http://schemas.microsoft.com/office/drawing/2014/main" id="{CA21932F-5CA9-4C5E-B853-D38BB20F28DE}"/>
+              </a:ext>
+            </a:extLst>
+          </p:cNvPr>
+          <p:cNvCxnSpPr>
+            <a:cxnSpLocks/>
+            <a:stCxn id="32" idx="6"/>
+            <a:endCxn id="29" idx="2"/>
+          </p:cNvCxnSpPr>
+          <p:nvPr/>
+        </p:nvCxnSpPr>
+        <p:spPr>
+          <a:xfrm flipV="1">
+            <a:off x="3131840" y="2132856"/>
+            <a:ext cx="864096" cy="1219274"/>
+          </a:xfrm>
+          <a:prstGeom prst="straightConnector1">
+            <a:avLst/>
+          </a:prstGeom>
+          <a:ln>
+            <a:tailEnd type="triangle"/>
+          </a:ln>
+        </p:spPr>
+        <p:style>
+          <a:lnRef idx="1">
+            <a:schemeClr val="accent1"/>
+          </a:lnRef>
+          <a:fillRef idx="0">
+            <a:schemeClr val="accent1"/>
+          </a:fillRef>
+          <a:effectRef idx="0">
+            <a:schemeClr val="accent1"/>
+          </a:effectRef>
+          <a:fontRef idx="minor">
+            <a:schemeClr val="tx1"/>
+          </a:fontRef>
+        </p:style>
+      </p:cxnSp>
+      <p:sp>
+        <p:nvSpPr>
+          <p:cNvPr id="17" name="箭號: 向下 16">
+            <a:extLst>
+              <a:ext uri="{FF2B5EF4-FFF2-40B4-BE49-F238E27FC236}">
+                <a16:creationId xmlns:a16="http://schemas.microsoft.com/office/drawing/2014/main" id="{C5869FE5-ADF2-4042-A078-AEB96F8F04AA}"/>
+              </a:ext>
+            </a:extLst>
+          </p:cNvPr>
+          <p:cNvSpPr/>
+          <p:nvPr/>
+        </p:nvSpPr>
+        <p:spPr>
+          <a:xfrm rot="16200000">
+            <a:off x="1144428" y="4480308"/>
+            <a:ext cx="360040" cy="849712"/>
+          </a:xfrm>
+          <a:prstGeom prst="downArrow">
+            <a:avLst/>
+          </a:prstGeom>
+        </p:spPr>
+        <p:style>
+          <a:lnRef idx="2">
+            <a:schemeClr val="accent1">
+              <a:shade val="50000"/>
+            </a:schemeClr>
+          </a:lnRef>
+          <a:fillRef idx="1">
+            <a:schemeClr val="accent1"/>
+          </a:fillRef>
+          <a:effectRef idx="0">
+            <a:schemeClr val="accent1"/>
+          </a:effectRef>
+          <a:fontRef idx="minor">
+            <a:schemeClr val="lt1"/>
+          </a:fontRef>
+        </p:style>
+        <p:txBody>
+          <a:bodyPr rtlCol="0" anchor="ctr"/>
+          <a:lstStyle/>
+          <a:p>
+            <a:pPr algn="ctr"/>
+            <a:endParaRPr lang="zh-TW" altLang="en-US" dirty="0"/>
+          </a:p>
+        </p:txBody>
+      </p:sp>
+      <p:sp>
+        <p:nvSpPr>
+          <p:cNvPr id="18" name="橢圓 17">
+            <a:extLst>
+              <a:ext uri="{FF2B5EF4-FFF2-40B4-BE49-F238E27FC236}">
+                <a16:creationId xmlns:a16="http://schemas.microsoft.com/office/drawing/2014/main" id="{002DF8A1-48BC-47E9-B930-BADA2CD4C8E7}"/>
+              </a:ext>
+            </a:extLst>
+          </p:cNvPr>
+          <p:cNvSpPr/>
+          <p:nvPr/>
+        </p:nvSpPr>
+        <p:spPr>
+          <a:xfrm>
+            <a:off x="2123728" y="4365104"/>
+            <a:ext cx="1008112" cy="1008112"/>
+          </a:xfrm>
+          <a:prstGeom prst="ellipse">
+            <a:avLst/>
+          </a:prstGeom>
+        </p:spPr>
+        <p:style>
+          <a:lnRef idx="2">
+            <a:schemeClr val="accent1">
+              <a:shade val="50000"/>
+            </a:schemeClr>
+          </a:lnRef>
+          <a:fillRef idx="1">
+            <a:schemeClr val="accent1"/>
+          </a:fillRef>
+          <a:effectRef idx="0">
+            <a:schemeClr val="accent1"/>
+          </a:effectRef>
+          <a:fontRef idx="minor">
+            <a:schemeClr val="lt1"/>
+          </a:fontRef>
+        </p:style>
+        <p:txBody>
+          <a:bodyPr rtlCol="0" anchor="ctr"/>
+          <a:lstStyle/>
+          <a:p>
+            <a:pPr algn="ctr"/>
+            <a:r>
+              <a:rPr lang="en-US" altLang="zh-TW" sz="1600" dirty="0">
+                <a:latin typeface="Courier New" panose="02070309020205020404" pitchFamily="49" charset="0"/>
+                <a:cs typeface="Courier New" panose="02070309020205020404" pitchFamily="49" charset="0"/>
+              </a:rPr>
+              <a:t>in</a:t>
+            </a:r>
+          </a:p>
+          <a:p>
+            <a:pPr algn="ctr"/>
+            <a:r>
+              <a:rPr lang="en-US" altLang="zh-TW" sz="1600" dirty="0">
+                <a:latin typeface="Courier New" panose="02070309020205020404" pitchFamily="49" charset="0"/>
+                <a:cs typeface="Courier New" panose="02070309020205020404" pitchFamily="49" charset="0"/>
+              </a:rPr>
+              <a:t>[1:2]</a:t>
+            </a:r>
+            <a:endParaRPr lang="zh-TW" altLang="en-US" sz="1600" dirty="0">
+              <a:latin typeface="Courier New" panose="02070309020205020404" pitchFamily="49" charset="0"/>
+              <a:cs typeface="Courier New" panose="02070309020205020404" pitchFamily="49" charset="0"/>
+            </a:endParaRPr>
+          </a:p>
+        </p:txBody>
+      </p:sp>
+      <p:cxnSp>
+        <p:nvCxnSpPr>
+          <p:cNvPr id="19" name="直線單箭頭接點 18">
+            <a:extLst>
+              <a:ext uri="{FF2B5EF4-FFF2-40B4-BE49-F238E27FC236}">
+                <a16:creationId xmlns:a16="http://schemas.microsoft.com/office/drawing/2014/main" id="{52713A56-09D5-4E5E-921A-5DDA16701234}"/>
+              </a:ext>
+            </a:extLst>
+          </p:cNvPr>
+          <p:cNvCxnSpPr>
+            <a:cxnSpLocks/>
+            <a:stCxn id="18" idx="6"/>
+            <a:endCxn id="20" idx="2"/>
+          </p:cNvCxnSpPr>
+          <p:nvPr/>
+        </p:nvCxnSpPr>
+        <p:spPr>
+          <a:xfrm>
+            <a:off x="3131840" y="4869160"/>
+            <a:ext cx="864096" cy="0"/>
+          </a:xfrm>
+          <a:prstGeom prst="straightConnector1">
+            <a:avLst/>
+          </a:prstGeom>
+          <a:ln>
+            <a:tailEnd type="triangle"/>
+          </a:ln>
+        </p:spPr>
+        <p:style>
+          <a:lnRef idx="1">
+            <a:schemeClr val="accent1"/>
+          </a:lnRef>
+          <a:fillRef idx="0">
+            <a:schemeClr val="accent1"/>
+          </a:fillRef>
+          <a:effectRef idx="0">
+            <a:schemeClr val="accent1"/>
+          </a:effectRef>
+          <a:fontRef idx="minor">
+            <a:schemeClr val="tx1"/>
+          </a:fontRef>
+        </p:style>
+      </p:cxnSp>
+      <p:sp>
+        <p:nvSpPr>
+          <p:cNvPr id="20" name="橢圓 19">
+            <a:extLst>
+              <a:ext uri="{FF2B5EF4-FFF2-40B4-BE49-F238E27FC236}">
+                <a16:creationId xmlns:a16="http://schemas.microsoft.com/office/drawing/2014/main" id="{2506CF10-00E2-4DD4-A0C7-89EB63856783}"/>
+              </a:ext>
+            </a:extLst>
+          </p:cNvPr>
+          <p:cNvSpPr/>
+          <p:nvPr/>
+        </p:nvSpPr>
+        <p:spPr>
+          <a:xfrm>
+            <a:off x="3995936" y="4365104"/>
+            <a:ext cx="1008112" cy="1008112"/>
+          </a:xfrm>
+          <a:prstGeom prst="ellipse">
+            <a:avLst/>
+          </a:prstGeom>
+        </p:spPr>
+        <p:style>
+          <a:lnRef idx="2">
+            <a:schemeClr val="accent1">
+              <a:shade val="50000"/>
+            </a:schemeClr>
+          </a:lnRef>
+          <a:fillRef idx="1">
+            <a:schemeClr val="accent1"/>
+          </a:fillRef>
+          <a:effectRef idx="0">
+            <a:schemeClr val="accent1"/>
+          </a:effectRef>
+          <a:fontRef idx="minor">
+            <a:schemeClr val="lt1"/>
+          </a:fontRef>
+        </p:style>
+        <p:txBody>
+          <a:bodyPr rtlCol="0" anchor="ctr"/>
+          <a:lstStyle/>
+          <a:p>
+            <a:pPr algn="ctr"/>
+            <a:r>
+              <a:rPr lang="en-US" altLang="zh-TW" sz="1600" dirty="0">
+                <a:latin typeface="Courier New" panose="02070309020205020404" pitchFamily="49" charset="0"/>
+                <a:cs typeface="Courier New" panose="02070309020205020404" pitchFamily="49" charset="0"/>
+              </a:rPr>
+              <a:t>or</a:t>
+            </a:r>
+            <a:endParaRPr lang="zh-TW" altLang="en-US" dirty="0">
+              <a:latin typeface="Courier New" panose="02070309020205020404" pitchFamily="49" charset="0"/>
+              <a:cs typeface="Courier New" panose="02070309020205020404" pitchFamily="49" charset="0"/>
+            </a:endParaRPr>
+          </a:p>
+        </p:txBody>
+      </p:sp>
+      <p:sp>
+        <p:nvSpPr>
+          <p:cNvPr id="21" name="橢圓 20">
+            <a:extLst>
+              <a:ext uri="{FF2B5EF4-FFF2-40B4-BE49-F238E27FC236}">
+                <a16:creationId xmlns:a16="http://schemas.microsoft.com/office/drawing/2014/main" id="{7175FE29-93B3-40CD-8FF1-D4BBEBC1F857}"/>
+              </a:ext>
+            </a:extLst>
+          </p:cNvPr>
+          <p:cNvSpPr/>
+          <p:nvPr/>
+        </p:nvSpPr>
+        <p:spPr>
+          <a:xfrm>
+            <a:off x="6084168" y="4365104"/>
+            <a:ext cx="1008112" cy="1008112"/>
+          </a:xfrm>
+          <a:prstGeom prst="ellipse">
+            <a:avLst/>
+          </a:prstGeom>
+        </p:spPr>
+        <p:style>
+          <a:lnRef idx="2">
+            <a:schemeClr val="accent1">
+              <a:shade val="50000"/>
+            </a:schemeClr>
+          </a:lnRef>
+          <a:fillRef idx="1">
+            <a:schemeClr val="accent1"/>
+          </a:fillRef>
+          <a:effectRef idx="0">
+            <a:schemeClr val="accent1"/>
+          </a:effectRef>
+          <a:fontRef idx="minor">
+            <a:schemeClr val="lt1"/>
+          </a:fontRef>
+        </p:style>
+        <p:txBody>
+          <a:bodyPr rtlCol="0" anchor="ctr"/>
+          <a:lstStyle/>
+          <a:p>
+            <a:pPr algn="ctr"/>
+            <a:r>
+              <a:rPr lang="en-US" altLang="zh-TW" sz="1600" dirty="0">
+                <a:latin typeface="Courier New" panose="02070309020205020404" pitchFamily="49" charset="0"/>
+                <a:cs typeface="Courier New" panose="02070309020205020404" pitchFamily="49" charset="0"/>
+              </a:rPr>
+              <a:t>out</a:t>
+            </a:r>
+            <a:br>
+              <a:rPr lang="en-US" altLang="zh-TW" sz="1600" dirty="0">
+                <a:latin typeface="Courier New" panose="02070309020205020404" pitchFamily="49" charset="0"/>
+                <a:cs typeface="Courier New" panose="02070309020205020404" pitchFamily="49" charset="0"/>
+              </a:rPr>
+            </a:br>
+            <a:r>
+              <a:rPr lang="en-US" altLang="zh-TW" sz="1600" dirty="0">
+                <a:latin typeface="Courier New" panose="02070309020205020404" pitchFamily="49" charset="0"/>
+                <a:cs typeface="Courier New" panose="02070309020205020404" pitchFamily="49" charset="0"/>
+              </a:rPr>
+              <a:t>[3:4]</a:t>
+            </a:r>
+            <a:endParaRPr lang="zh-TW" altLang="en-US" dirty="0">
+              <a:latin typeface="Courier New" panose="02070309020205020404" pitchFamily="49" charset="0"/>
+              <a:cs typeface="Courier New" panose="02070309020205020404" pitchFamily="49" charset="0"/>
+            </a:endParaRPr>
+          </a:p>
+        </p:txBody>
+      </p:sp>
+      <p:cxnSp>
+        <p:nvCxnSpPr>
+          <p:cNvPr id="22" name="直線單箭頭接點 21">
+            <a:extLst>
+              <a:ext uri="{FF2B5EF4-FFF2-40B4-BE49-F238E27FC236}">
+                <a16:creationId xmlns:a16="http://schemas.microsoft.com/office/drawing/2014/main" id="{088901D5-F63D-4DFB-AB6F-313A278A0D83}"/>
+              </a:ext>
+            </a:extLst>
+          </p:cNvPr>
+          <p:cNvCxnSpPr>
+            <a:cxnSpLocks/>
+            <a:stCxn id="20" idx="6"/>
+            <a:endCxn id="21" idx="2"/>
+          </p:cNvCxnSpPr>
+          <p:nvPr/>
+        </p:nvCxnSpPr>
+        <p:spPr>
+          <a:xfrm>
+            <a:off x="5004048" y="4869160"/>
+            <a:ext cx="1080120" cy="0"/>
+          </a:xfrm>
+          <a:prstGeom prst="straightConnector1">
+            <a:avLst/>
+          </a:prstGeom>
+          <a:ln>
+            <a:tailEnd type="triangle"/>
+          </a:ln>
+        </p:spPr>
+        <p:style>
+          <a:lnRef idx="1">
+            <a:schemeClr val="accent1"/>
+          </a:lnRef>
+          <a:fillRef idx="0">
+            <a:schemeClr val="accent1"/>
+          </a:fillRef>
+          <a:effectRef idx="0">
+            <a:schemeClr val="accent1"/>
+          </a:effectRef>
+          <a:fontRef idx="minor">
+            <a:schemeClr val="tx1"/>
+          </a:fontRef>
+        </p:style>
+      </p:cxnSp>
+      <p:sp>
+        <p:nvSpPr>
+          <p:cNvPr id="3" name="文字方塊 2">
+            <a:extLst>
+              <a:ext uri="{FF2B5EF4-FFF2-40B4-BE49-F238E27FC236}">
+                <a16:creationId xmlns:a16="http://schemas.microsoft.com/office/drawing/2014/main" id="{9C61D1CD-2C3C-4BF6-ADB6-AE004E9F6902}"/>
+              </a:ext>
+            </a:extLst>
+          </p:cNvPr>
+          <p:cNvSpPr txBox="1"/>
+          <p:nvPr/>
+        </p:nvSpPr>
+        <p:spPr>
+          <a:xfrm>
+            <a:off x="201426" y="5188550"/>
+            <a:ext cx="1735090" cy="369332"/>
+          </a:xfrm>
+          <a:prstGeom prst="rect">
+            <a:avLst/>
+          </a:prstGeom>
+          <a:noFill/>
+        </p:spPr>
+        <p:txBody>
+          <a:bodyPr wrap="none" rtlCol="0">
+            <a:spAutoFit/>
+          </a:bodyPr>
+          <a:lstStyle/>
+          <a:p>
+            <a:r>
+              <a:rPr lang="en-US" altLang="zh-TW" dirty="0"/>
+              <a:t>by constant case</a:t>
+            </a:r>
+            <a:endParaRPr lang="zh-TW" altLang="en-US" dirty="0"/>
+          </a:p>
+        </p:txBody>
+      </p:sp>
+    </p:spTree>
+    <p:extLst>
+      <p:ext uri="{BB962C8B-B14F-4D97-AF65-F5344CB8AC3E}">
+        <p14:creationId xmlns:p14="http://schemas.microsoft.com/office/powerpoint/2010/main" val="2373173616"/>
+      </p:ext>
+    </p:extLst>
+  </p:cSld>
+  <p:clrMapOvr>
+    <a:masterClrMapping/>
+  </p:clrMapOvr>
+</p:sld>
+</file>
+
+<file path=ppt/slides/slide16.xml><?xml version="1.0" encoding="utf-8"?>
+<p:sld xmlns:a="http://schemas.openxmlformats.org/drawingml/2006/main" xmlns:r="http://schemas.openxmlformats.org/officeDocument/2006/relationships" xmlns:p="http://schemas.openxmlformats.org/presentationml/2006/main">
+  <p:cSld>
+    <p:spTree>
+      <p:nvGrpSpPr>
+        <p:cNvPr id="1" name=""/>
+        <p:cNvGrpSpPr/>
+        <p:nvPr/>
+      </p:nvGrpSpPr>
+      <p:grpSpPr>
+        <a:xfrm>
+          <a:off x="0" y="0"/>
+          <a:ext cx="0" cy="0"/>
+          <a:chOff x="0" y="0"/>
+          <a:chExt cx="0" cy="0"/>
+        </a:xfrm>
+      </p:grpSpPr>
+      <p:sp>
+        <p:nvSpPr>
+          <p:cNvPr id="2" name="標題 1">
+            <a:extLst>
+              <a:ext uri="{FF2B5EF4-FFF2-40B4-BE49-F238E27FC236}">
+                <a16:creationId xmlns:a16="http://schemas.microsoft.com/office/drawing/2014/main" id="{03407ED8-8E77-49CF-AB04-F8708E778DD0}"/>
+              </a:ext>
+            </a:extLst>
+          </p:cNvPr>
+          <p:cNvSpPr>
+            <a:spLocks noGrp="1"/>
+          </p:cNvSpPr>
+          <p:nvPr>
+            <p:ph type="title"/>
+          </p:nvPr>
+        </p:nvSpPr>
+        <p:spPr/>
+        <p:txBody>
+          <a:bodyPr/>
+          <a:lstStyle/>
+          <a:p>
+            <a:r>
+              <a:rPr lang="en-US" altLang="zh-TW" dirty="0"/>
+              <a:t>Outline</a:t>
+            </a:r>
+            <a:endParaRPr lang="zh-TW" altLang="en-US" dirty="0"/>
+          </a:p>
+        </p:txBody>
+      </p:sp>
+      <p:sp>
+        <p:nvSpPr>
+          <p:cNvPr id="3" name="內容版面配置區 2">
+            <a:extLst>
+              <a:ext uri="{FF2B5EF4-FFF2-40B4-BE49-F238E27FC236}">
+                <a16:creationId xmlns:a16="http://schemas.microsoft.com/office/drawing/2014/main" id="{DA6D5611-D3FE-4E92-ABA7-F9AAB1E53AFC}"/>
+              </a:ext>
+            </a:extLst>
+          </p:cNvPr>
+          <p:cNvSpPr>
+            <a:spLocks noGrp="1"/>
+          </p:cNvSpPr>
+          <p:nvPr>
+            <p:ph idx="1"/>
+          </p:nvPr>
+        </p:nvSpPr>
+        <p:spPr/>
+        <p:txBody>
+          <a:bodyPr/>
+          <a:lstStyle/>
+          <a:p>
+            <a:r>
+              <a:rPr lang="en-US" altLang="zh-TW" dirty="0"/>
+              <a:t>Problem Description</a:t>
+            </a:r>
+          </a:p>
+          <a:p>
+            <a:r>
+              <a:rPr lang="en-US" altLang="zh-TW" dirty="0"/>
+              <a:t>Algorithm to Solve the Problem</a:t>
+            </a:r>
+          </a:p>
+          <a:p>
+            <a:r>
+              <a:rPr lang="en-US" altLang="zh-TW" b="1" dirty="0">
+                <a:effectLst>
+                  <a:outerShdw blurRad="38100" dist="38100" dir="2700000" algn="tl">
+                    <a:srgbClr val="000000">
+                      <a:alpha val="43137"/>
+                    </a:srgbClr>
+                  </a:outerShdw>
+                </a:effectLst>
+              </a:rPr>
+              <a:t>Data Structures</a:t>
+            </a:r>
+          </a:p>
+          <a:p>
+            <a:r>
+              <a:rPr lang="en-US" altLang="zh-TW" dirty="0"/>
+              <a:t>Experimental Results</a:t>
+            </a:r>
+          </a:p>
+          <a:p>
+            <a:r>
+              <a:rPr lang="en-US" altLang="zh-TW" dirty="0"/>
+              <a:t>Difficulties</a:t>
+            </a:r>
+            <a:endParaRPr lang="zh-TW" altLang="en-US" dirty="0"/>
+          </a:p>
+        </p:txBody>
+      </p:sp>
+    </p:spTree>
+    <p:extLst>
+      <p:ext uri="{BB962C8B-B14F-4D97-AF65-F5344CB8AC3E}">
+        <p14:creationId xmlns:p14="http://schemas.microsoft.com/office/powerpoint/2010/main" val="4169561257"/>
+      </p:ext>
+    </p:extLst>
+  </p:cSld>
+  <p:clrMapOvr>
+    <a:masterClrMapping/>
+  </p:clrMapOvr>
+</p:sld>
+</file>
+
+<file path=ppt/slides/slide17.xml><?xml version="1.0" encoding="utf-8"?>
+<p:sld xmlns:a="http://schemas.openxmlformats.org/drawingml/2006/main" xmlns:r="http://schemas.openxmlformats.org/officeDocument/2006/relationships" xmlns:p="http://schemas.openxmlformats.org/presentationml/2006/main">
+  <p:cSld>
+    <p:spTree>
+      <p:nvGrpSpPr>
+        <p:cNvPr id="1" name=""/>
+        <p:cNvGrpSpPr/>
+        <p:nvPr/>
+      </p:nvGrpSpPr>
+      <p:grpSpPr>
+        <a:xfrm>
+          <a:off x="0" y="0"/>
+          <a:ext cx="0" cy="0"/>
+          <a:chOff x="0" y="0"/>
+          <a:chExt cx="0" cy="0"/>
+        </a:xfrm>
+      </p:grpSpPr>
+      <p:sp>
+        <p:nvSpPr>
+          <p:cNvPr id="2" name="標題 1"/>
+          <p:cNvSpPr>
+            <a:spLocks noGrp="1"/>
+          </p:cNvSpPr>
+          <p:nvPr>
+            <p:ph type="title"/>
+          </p:nvPr>
+        </p:nvSpPr>
+        <p:spPr/>
+        <p:txBody>
+          <a:bodyPr/>
+          <a:lstStyle/>
+          <a:p>
+            <a:r>
+              <a:rPr lang="en-US" altLang="zh-TW" dirty="0"/>
+              <a:t>Data Structures</a:t>
+            </a:r>
+            <a:endParaRPr lang="zh-TW" altLang="en-US" dirty="0"/>
+          </a:p>
+        </p:txBody>
+      </p:sp>
+      <p:sp>
+        <p:nvSpPr>
+          <p:cNvPr id="3" name="內容版面配置區 2"/>
+          <p:cNvSpPr>
+            <a:spLocks noGrp="1"/>
+          </p:cNvSpPr>
+          <p:nvPr>
+            <p:ph idx="1"/>
+          </p:nvPr>
+        </p:nvSpPr>
+        <p:spPr>
+          <a:xfrm>
+            <a:off x="457200" y="1450430"/>
+            <a:ext cx="8229600" cy="4525963"/>
+          </a:xfrm>
+        </p:spPr>
+        <p:txBody>
+          <a:bodyPr/>
+          <a:lstStyle/>
+          <a:p>
+            <a:r>
+              <a:rPr lang="en-US" altLang="zh-TW" dirty="0"/>
+              <a:t>State</a:t>
+            </a:r>
+          </a:p>
+          <a:p>
+            <a:pPr lvl="1"/>
+            <a:r>
+              <a:rPr lang="en-US" altLang="zh-TW" dirty="0"/>
+              <a:t>std::vector&lt;State&gt; *edge </a:t>
+            </a:r>
+          </a:p>
+          <a:p>
+            <a:pPr lvl="1"/>
+            <a:r>
+              <a:rPr lang="en-US" altLang="zh-TW" dirty="0"/>
+              <a:t>int type (start, end, bit, wire, …)</a:t>
+            </a:r>
+          </a:p>
+          <a:p>
+            <a:pPr lvl="1"/>
+            <a:r>
+              <a:rPr lang="en-US" altLang="zh-TW" dirty="0"/>
+              <a:t>int MSB</a:t>
+            </a:r>
+          </a:p>
+          <a:p>
+            <a:pPr lvl="1"/>
+            <a:r>
+              <a:rPr lang="en-US" altLang="zh-TW" dirty="0"/>
+              <a:t>int LSB</a:t>
+            </a:r>
+          </a:p>
+          <a:p>
+            <a:pPr lvl="1"/>
+            <a:r>
+              <a:rPr lang="en-US" altLang="zh-TW" dirty="0"/>
+              <a:t>int value</a:t>
+            </a:r>
+          </a:p>
+          <a:p>
+            <a:pPr lvl="1"/>
+            <a:endParaRPr lang="zh-TW" altLang="en-US" dirty="0"/>
+          </a:p>
+        </p:txBody>
+      </p:sp>
+    </p:spTree>
+    <p:extLst>
+      <p:ext uri="{BB962C8B-B14F-4D97-AF65-F5344CB8AC3E}">
+        <p14:creationId xmlns:p14="http://schemas.microsoft.com/office/powerpoint/2010/main" val="798812379"/>
+      </p:ext>
+    </p:extLst>
+  </p:cSld>
+  <p:clrMapOvr>
+    <a:masterClrMapping/>
+  </p:clrMapOvr>
+</p:sld>
+</file>
+
+<file path=ppt/slides/slide18.xml><?xml version="1.0" encoding="utf-8"?>
+<p:sld xmlns:a="http://schemas.openxmlformats.org/drawingml/2006/main" xmlns:r="http://schemas.openxmlformats.org/officeDocument/2006/relationships" xmlns:p="http://schemas.openxmlformats.org/presentationml/2006/main" show="0">
+  <p:cSld>
+    <p:spTree>
+      <p:nvGrpSpPr>
+        <p:cNvPr id="1" name=""/>
+        <p:cNvGrpSpPr/>
+        <p:nvPr/>
+      </p:nvGrpSpPr>
+      <p:grpSpPr>
+        <a:xfrm>
+          <a:off x="0" y="0"/>
+          <a:ext cx="0" cy="0"/>
+          <a:chOff x="0" y="0"/>
+          <a:chExt cx="0" cy="0"/>
+        </a:xfrm>
+      </p:grpSpPr>
+      <p:sp>
+        <p:nvSpPr>
           <p:cNvPr id="2" name="標題 1"/>
           <p:cNvSpPr>
             <a:spLocks noGrp="1"/>
@@ -3786,8 +8000,8 @@
 </p:sld>
 </file>
 
-<file path=ppt/slides/slide12.xml><?xml version="1.0" encoding="utf-8"?>
-<p:sld xmlns:a="http://schemas.openxmlformats.org/drawingml/2006/main" xmlns:r="http://schemas.openxmlformats.org/officeDocument/2006/relationships" xmlns:p="http://schemas.openxmlformats.org/presentationml/2006/main">
+<file path=ppt/slides/slide19.xml><?xml version="1.0" encoding="utf-8"?>
+<p:sld xmlns:a="http://schemas.openxmlformats.org/drawingml/2006/main" xmlns:r="http://schemas.openxmlformats.org/officeDocument/2006/relationships" xmlns:p="http://schemas.openxmlformats.org/presentationml/2006/main" show="0">
   <p:cSld>
     <p:spTree>
       <p:nvGrpSpPr>
@@ -4160,6 +8374,36 @@
           <a:bodyPr/>
           <a:lstStyle/>
           <a:p>
+            <a:r>
+              <a:rPr lang="en-US" altLang="zh-TW" dirty="0"/>
+              <a:t>Hardware simulation with CPU is basically a compiler topic.</a:t>
+            </a:r>
+          </a:p>
+          <a:p>
+            <a:r>
+              <a:rPr lang="en-US" altLang="zh-TW" dirty="0"/>
+              <a:t>Intermediate Representations (IR)</a:t>
+            </a:r>
+          </a:p>
+          <a:p>
+            <a:r>
+              <a:rPr lang="en-US" altLang="zh-TW" dirty="0">
+                <a:solidFill>
+                  <a:srgbClr val="FF0000"/>
+                </a:solidFill>
+              </a:rPr>
+              <a:t>Minimizing instructions </a:t>
+            </a:r>
+            <a:r>
+              <a:rPr lang="en-US" altLang="zh-TW" dirty="0"/>
+              <a:t>is beneficial to reduce runtime due to less code being executed and data locality</a:t>
+            </a:r>
+          </a:p>
+          <a:p>
+            <a:r>
+              <a:rPr lang="en-US" altLang="zh-TW" dirty="0"/>
+              <a:t>Verilog Simulation Optimization via Instruction Reduction</a:t>
+            </a:r>
             <a:endParaRPr lang="zh-TW" altLang="en-US" dirty="0"/>
           </a:p>
         </p:txBody>
@@ -4244,10 +8488,83 @@
           <a:bodyPr/>
           <a:lstStyle/>
           <a:p>
-            <a:endParaRPr lang="zh-TW" altLang="en-US"/>
-          </a:p>
-        </p:txBody>
-      </p:sp>
+            <a:r>
+              <a:rPr lang="en-US" altLang="zh-TW" dirty="0"/>
+              <a:t>Convert a given Verilog design into an optimized Verilog design </a:t>
+            </a:r>
+            <a:br>
+              <a:rPr lang="en-US" altLang="zh-TW" dirty="0"/>
+            </a:br>
+            <a:r>
+              <a:rPr lang="en-US" altLang="zh-TW" dirty="0"/>
+              <a:t>(</a:t>
+            </a:r>
+            <a:r>
+              <a:rPr lang="en-US" altLang="zh-TW" dirty="0">
+                <a:solidFill>
+                  <a:srgbClr val="FF0000"/>
+                </a:solidFill>
+              </a:rPr>
+              <a:t>source-to-source, .v-to-.v</a:t>
+            </a:r>
+            <a:r>
+              <a:rPr lang="en-US" altLang="zh-TW" dirty="0"/>
+              <a:t>)</a:t>
+            </a:r>
+          </a:p>
+          <a:p>
+            <a:r>
+              <a:rPr lang="en-US" altLang="zh-TW" dirty="0"/>
+              <a:t>The objective is to </a:t>
+            </a:r>
+            <a:r>
+              <a:rPr lang="en-US" altLang="zh-TW" dirty="0">
+                <a:solidFill>
+                  <a:srgbClr val="FF0000"/>
+                </a:solidFill>
+              </a:rPr>
+              <a:t>minimize the total number of continuous assignments and vector bit/part-selects</a:t>
+            </a:r>
+            <a:r>
+              <a:rPr lang="en-US" altLang="zh-TW" dirty="0"/>
+              <a:t> in the Verilog design</a:t>
+            </a:r>
+          </a:p>
+          <a:p>
+            <a:endParaRPr lang="zh-TW" altLang="en-US" dirty="0"/>
+          </a:p>
+        </p:txBody>
+      </p:sp>
+      <p:pic>
+        <p:nvPicPr>
+          <p:cNvPr id="4" name="圖片 3">
+            <a:extLst>
+              <a:ext uri="{FF2B5EF4-FFF2-40B4-BE49-F238E27FC236}">
+                <a16:creationId xmlns:a16="http://schemas.microsoft.com/office/drawing/2014/main" id="{594F9EFD-6A30-47F6-881F-C08CBE79AF65}"/>
+              </a:ext>
+            </a:extLst>
+          </p:cNvPr>
+          <p:cNvPicPr>
+            <a:picLocks noChangeAspect="1"/>
+          </p:cNvPicPr>
+          <p:nvPr/>
+        </p:nvPicPr>
+        <p:blipFill>
+          <a:blip r:embed="rId2"/>
+          <a:stretch>
+            <a:fillRect/>
+          </a:stretch>
+        </p:blipFill>
+        <p:spPr>
+          <a:xfrm>
+            <a:off x="1256837" y="5257800"/>
+            <a:ext cx="6630325" cy="523948"/>
+          </a:xfrm>
+          <a:prstGeom prst="rect">
+            <a:avLst/>
+          </a:prstGeom>
+        </p:spPr>
+      </p:pic>
     </p:spTree>
     <p:extLst>
       <p:ext uri="{BB962C8B-B14F-4D97-AF65-F5344CB8AC3E}">
@@ -4307,31 +8624,248 @@
           </a:p>
         </p:txBody>
       </p:sp>
-      <p:sp>
-        <p:nvSpPr>
-          <p:cNvPr id="3" name="內容版面配置區 2">
+      <p:pic>
+        <p:nvPicPr>
+          <p:cNvPr id="4" name="內容版面配置區 3">
             <a:extLst>
               <a:ext uri="{FF2B5EF4-FFF2-40B4-BE49-F238E27FC236}">
-                <a16:creationId xmlns:a16="http://schemas.microsoft.com/office/drawing/2014/main" id="{B890EAA8-79D0-4B8C-9F53-F3421C5C5757}"/>
+                <a16:creationId xmlns:a16="http://schemas.microsoft.com/office/drawing/2014/main" id="{C2DF6613-43A8-4BD0-9A1C-047D35CFFBFB}"/>
               </a:ext>
             </a:extLst>
           </p:cNvPr>
-          <p:cNvSpPr>
-            <a:spLocks noGrp="1"/>
-          </p:cNvSpPr>
+          <p:cNvPicPr>
+            <a:picLocks noGrp="1" noChangeAspect="1"/>
+          </p:cNvPicPr>
           <p:nvPr>
             <p:ph idx="1"/>
           </p:nvPr>
-        </p:nvSpPr>
-        <p:spPr/>
-        <p:txBody>
-          <a:bodyPr/>
-          <a:lstStyle/>
-          <a:p>
-            <a:endParaRPr lang="zh-TW" altLang="en-US"/>
-          </a:p>
-        </p:txBody>
-      </p:sp>
+        </p:nvPicPr>
+        <p:blipFill>
+          <a:blip r:embed="rId2"/>
+          <a:stretch>
+            <a:fillRect/>
+          </a:stretch>
+        </p:blipFill>
+        <p:spPr>
+          <a:xfrm>
+            <a:off x="31564" y="1417638"/>
+            <a:ext cx="5344271" cy="1971950"/>
+          </a:xfrm>
+          <a:prstGeom prst="rect">
+            <a:avLst/>
+          </a:prstGeom>
+        </p:spPr>
+      </p:pic>
+      <p:pic>
+        <p:nvPicPr>
+          <p:cNvPr id="5" name="圖片 4">
+            <a:extLst>
+              <a:ext uri="{FF2B5EF4-FFF2-40B4-BE49-F238E27FC236}">
+                <a16:creationId xmlns:a16="http://schemas.microsoft.com/office/drawing/2014/main" id="{99D4F3C8-4FA3-4328-8165-4160FFDC7727}"/>
+              </a:ext>
+            </a:extLst>
+          </p:cNvPr>
+          <p:cNvPicPr>
+            <a:picLocks noChangeAspect="1"/>
+          </p:cNvPicPr>
+          <p:nvPr/>
+        </p:nvPicPr>
+        <p:blipFill>
+          <a:blip r:embed="rId3"/>
+          <a:stretch>
+            <a:fillRect/>
+          </a:stretch>
+        </p:blipFill>
+        <p:spPr>
+          <a:xfrm>
+            <a:off x="33537" y="3470632"/>
+            <a:ext cx="5372850" cy="2229161"/>
+          </a:xfrm>
+          <a:prstGeom prst="rect">
+            <a:avLst/>
+          </a:prstGeom>
+        </p:spPr>
+      </p:pic>
+      <p:pic>
+        <p:nvPicPr>
+          <p:cNvPr id="6" name="圖片 5">
+            <a:extLst>
+              <a:ext uri="{FF2B5EF4-FFF2-40B4-BE49-F238E27FC236}">
+                <a16:creationId xmlns:a16="http://schemas.microsoft.com/office/drawing/2014/main" id="{CF28229C-934C-4B03-8474-C10E5D5DAC22}"/>
+              </a:ext>
+            </a:extLst>
+          </p:cNvPr>
+          <p:cNvPicPr>
+            <a:picLocks noChangeAspect="1"/>
+          </p:cNvPicPr>
+          <p:nvPr/>
+        </p:nvPicPr>
+        <p:blipFill>
+          <a:blip r:embed="rId4"/>
+          <a:stretch>
+            <a:fillRect/>
+          </a:stretch>
+        </p:blipFill>
+        <p:spPr>
+          <a:xfrm>
+            <a:off x="5406387" y="1417638"/>
+            <a:ext cx="2076740" cy="228632"/>
+          </a:xfrm>
+          <a:prstGeom prst="rect">
+            <a:avLst/>
+          </a:prstGeom>
+        </p:spPr>
+      </p:pic>
+      <p:pic>
+        <p:nvPicPr>
+          <p:cNvPr id="7" name="圖片 6">
+            <a:extLst>
+              <a:ext uri="{FF2B5EF4-FFF2-40B4-BE49-F238E27FC236}">
+                <a16:creationId xmlns:a16="http://schemas.microsoft.com/office/drawing/2014/main" id="{4B3F335E-2312-4F48-A158-136E94E89D91}"/>
+              </a:ext>
+            </a:extLst>
+          </p:cNvPr>
+          <p:cNvPicPr>
+            <a:picLocks noChangeAspect="1"/>
+          </p:cNvPicPr>
+          <p:nvPr/>
+        </p:nvPicPr>
+        <p:blipFill>
+          <a:blip r:embed="rId5"/>
+          <a:stretch>
+            <a:fillRect/>
+          </a:stretch>
+        </p:blipFill>
+        <p:spPr>
+          <a:xfrm>
+            <a:off x="5375835" y="1727314"/>
+            <a:ext cx="1895740" cy="752580"/>
+          </a:xfrm>
+          <a:prstGeom prst="rect">
+            <a:avLst/>
+          </a:prstGeom>
+        </p:spPr>
+      </p:pic>
+      <p:pic>
+        <p:nvPicPr>
+          <p:cNvPr id="9" name="圖片 8">
+            <a:extLst>
+              <a:ext uri="{FF2B5EF4-FFF2-40B4-BE49-F238E27FC236}">
+                <a16:creationId xmlns:a16="http://schemas.microsoft.com/office/drawing/2014/main" id="{71F7EB7E-5E6D-4965-9974-0287B004066E}"/>
+              </a:ext>
+            </a:extLst>
+          </p:cNvPr>
+          <p:cNvPicPr>
+            <a:picLocks noChangeAspect="1"/>
+          </p:cNvPicPr>
+          <p:nvPr/>
+        </p:nvPicPr>
+        <p:blipFill>
+          <a:blip r:embed="rId6"/>
+          <a:stretch>
+            <a:fillRect/>
+          </a:stretch>
+        </p:blipFill>
+        <p:spPr>
+          <a:xfrm>
+            <a:off x="5406387" y="2560638"/>
+            <a:ext cx="3448531" cy="962159"/>
+          </a:xfrm>
+          <a:prstGeom prst="rect">
+            <a:avLst/>
+          </a:prstGeom>
+        </p:spPr>
+      </p:pic>
+      <p:pic>
+        <p:nvPicPr>
+          <p:cNvPr id="10" name="圖片 9">
+            <a:extLst>
+              <a:ext uri="{FF2B5EF4-FFF2-40B4-BE49-F238E27FC236}">
+                <a16:creationId xmlns:a16="http://schemas.microsoft.com/office/drawing/2014/main" id="{EC522C67-8A0D-48CC-9EA9-7EEA6B659EDD}"/>
+              </a:ext>
+            </a:extLst>
+          </p:cNvPr>
+          <p:cNvPicPr>
+            <a:picLocks noChangeAspect="1"/>
+          </p:cNvPicPr>
+          <p:nvPr/>
+        </p:nvPicPr>
+        <p:blipFill>
+          <a:blip r:embed="rId7"/>
+          <a:stretch>
+            <a:fillRect/>
+          </a:stretch>
+        </p:blipFill>
+        <p:spPr>
+          <a:xfrm>
+            <a:off x="5406387" y="3603541"/>
+            <a:ext cx="3296110" cy="1247949"/>
+          </a:xfrm>
+          <a:prstGeom prst="rect">
+            <a:avLst/>
+          </a:prstGeom>
+        </p:spPr>
+      </p:pic>
+      <p:pic>
+        <p:nvPicPr>
+          <p:cNvPr id="11" name="圖片 10">
+            <a:extLst>
+              <a:ext uri="{FF2B5EF4-FFF2-40B4-BE49-F238E27FC236}">
+                <a16:creationId xmlns:a16="http://schemas.microsoft.com/office/drawing/2014/main" id="{9DE491CD-F1B9-40B4-B7D5-7DD49A7251B8}"/>
+              </a:ext>
+            </a:extLst>
+          </p:cNvPr>
+          <p:cNvPicPr>
+            <a:picLocks noChangeAspect="1"/>
+          </p:cNvPicPr>
+          <p:nvPr/>
+        </p:nvPicPr>
+        <p:blipFill>
+          <a:blip r:embed="rId8"/>
+          <a:stretch>
+            <a:fillRect/>
+          </a:stretch>
+        </p:blipFill>
+        <p:spPr>
+          <a:xfrm>
+            <a:off x="5410055" y="4932234"/>
+            <a:ext cx="3258005" cy="571580"/>
+          </a:xfrm>
+          <a:prstGeom prst="rect">
+            <a:avLst/>
+          </a:prstGeom>
+        </p:spPr>
+      </p:pic>
+      <p:pic>
+        <p:nvPicPr>
+          <p:cNvPr id="12" name="圖片 11">
+            <a:extLst>
+              <a:ext uri="{FF2B5EF4-FFF2-40B4-BE49-F238E27FC236}">
+                <a16:creationId xmlns:a16="http://schemas.microsoft.com/office/drawing/2014/main" id="{86E0D2D6-9714-479A-B95E-5BE984DBE211}"/>
+              </a:ext>
+            </a:extLst>
+          </p:cNvPr>
+          <p:cNvPicPr>
+            <a:picLocks noChangeAspect="1"/>
+          </p:cNvPicPr>
+          <p:nvPr/>
+        </p:nvPicPr>
+        <p:blipFill>
+          <a:blip r:embed="rId9"/>
+          <a:stretch>
+            <a:fillRect/>
+          </a:stretch>
+        </p:blipFill>
+        <p:spPr>
+          <a:xfrm>
+            <a:off x="5409374" y="5584558"/>
+            <a:ext cx="2886478" cy="952633"/>
+          </a:xfrm>
+          <a:prstGeom prst="rect">
+            <a:avLst/>
+          </a:prstGeom>
+        </p:spPr>
+      </p:pic>
     </p:spTree>
     <p:extLst>
       <p:ext uri="{BB962C8B-B14F-4D97-AF65-F5344CB8AC3E}">
@@ -4391,31 +8925,238 @@
           </a:p>
         </p:txBody>
       </p:sp>
-      <p:sp>
-        <p:nvSpPr>
-          <p:cNvPr id="3" name="內容版面配置區 2">
+      <p:pic>
+        <p:nvPicPr>
+          <p:cNvPr id="4" name="內容版面配置區 3">
             <a:extLst>
               <a:ext uri="{FF2B5EF4-FFF2-40B4-BE49-F238E27FC236}">
-                <a16:creationId xmlns:a16="http://schemas.microsoft.com/office/drawing/2014/main" id="{2DE76320-B9DC-45D5-BF6C-7313B53CD370}"/>
+                <a16:creationId xmlns:a16="http://schemas.microsoft.com/office/drawing/2014/main" id="{E55DD923-CC90-4929-B658-53BB6B035C5F}"/>
               </a:ext>
             </a:extLst>
           </p:cNvPr>
-          <p:cNvSpPr>
-            <a:spLocks noGrp="1"/>
-          </p:cNvSpPr>
+          <p:cNvPicPr>
+            <a:picLocks noGrp="1" noChangeAspect="1"/>
+          </p:cNvPicPr>
           <p:nvPr>
             <p:ph idx="1"/>
           </p:nvPr>
-        </p:nvSpPr>
-        <p:spPr/>
-        <p:txBody>
-          <a:bodyPr/>
-          <a:lstStyle/>
-          <a:p>
-            <a:endParaRPr lang="zh-TW" altLang="en-US"/>
-          </a:p>
-        </p:txBody>
-      </p:sp>
+        </p:nvPicPr>
+        <p:blipFill>
+          <a:blip r:embed="rId2"/>
+          <a:stretch>
+            <a:fillRect/>
+          </a:stretch>
+        </p:blipFill>
+        <p:spPr>
+          <a:xfrm>
+            <a:off x="107504" y="1417638"/>
+            <a:ext cx="5287113" cy="2553056"/>
+          </a:xfrm>
+          <a:prstGeom prst="rect">
+            <a:avLst/>
+          </a:prstGeom>
+        </p:spPr>
+      </p:pic>
+      <p:grpSp>
+        <p:nvGrpSpPr>
+          <p:cNvPr id="7" name="群組 6">
+            <a:extLst>
+              <a:ext uri="{FF2B5EF4-FFF2-40B4-BE49-F238E27FC236}">
+                <a16:creationId xmlns:a16="http://schemas.microsoft.com/office/drawing/2014/main" id="{35EE554A-A9BB-43D7-BC6B-68121198C5AB}"/>
+              </a:ext>
+            </a:extLst>
+          </p:cNvPr>
+          <p:cNvGrpSpPr/>
+          <p:nvPr/>
+        </p:nvGrpSpPr>
+        <p:grpSpPr>
+          <a:xfrm>
+            <a:off x="5394617" y="1417638"/>
+            <a:ext cx="2371509" cy="1121542"/>
+            <a:chOff x="5394617" y="1417638"/>
+            <a:chExt cx="2371509" cy="1121542"/>
+          </a:xfrm>
+        </p:grpSpPr>
+        <p:pic>
+          <p:nvPicPr>
+            <p:cNvPr id="5" name="圖片 4">
+              <a:extLst>
+                <a:ext uri="{FF2B5EF4-FFF2-40B4-BE49-F238E27FC236}">
+                  <a16:creationId xmlns:a16="http://schemas.microsoft.com/office/drawing/2014/main" id="{0008E69A-382A-4D1E-B9FD-1359599762C9}"/>
+                </a:ext>
+              </a:extLst>
+            </p:cNvPr>
+            <p:cNvPicPr>
+              <a:picLocks noChangeAspect="1"/>
+            </p:cNvPicPr>
+            <p:nvPr/>
+          </p:nvPicPr>
+          <p:blipFill>
+            <a:blip r:embed="rId3"/>
+            <a:stretch>
+              <a:fillRect/>
+            </a:stretch>
+          </p:blipFill>
+          <p:spPr>
+            <a:xfrm>
+              <a:off x="5394617" y="1417638"/>
+              <a:ext cx="1981477" cy="733527"/>
+            </a:xfrm>
+            <a:prstGeom prst="rect">
+              <a:avLst/>
+            </a:prstGeom>
+          </p:spPr>
+        </p:pic>
+        <p:pic>
+          <p:nvPicPr>
+            <p:cNvPr id="6" name="圖片 5">
+              <a:extLst>
+                <a:ext uri="{FF2B5EF4-FFF2-40B4-BE49-F238E27FC236}">
+                  <a16:creationId xmlns:a16="http://schemas.microsoft.com/office/drawing/2014/main" id="{32CD8DC4-1C7A-4F71-8865-49AC9E2CDED8}"/>
+                </a:ext>
+              </a:extLst>
+            </p:cNvPr>
+            <p:cNvPicPr>
+              <a:picLocks noChangeAspect="1"/>
+            </p:cNvPicPr>
+            <p:nvPr/>
+          </p:nvPicPr>
+          <p:blipFill rotWithShape="1">
+            <a:blip r:embed="rId4"/>
+            <a:srcRect t="19111" b="16100"/>
+            <a:stretch/>
+          </p:blipFill>
+          <p:spPr>
+            <a:xfrm>
+              <a:off x="6156176" y="2107132"/>
+              <a:ext cx="1609950" cy="432048"/>
+            </a:xfrm>
+            <a:prstGeom prst="rect">
+              <a:avLst/>
+            </a:prstGeom>
+          </p:spPr>
+        </p:pic>
+      </p:grpSp>
+      <p:pic>
+        <p:nvPicPr>
+          <p:cNvPr id="8" name="圖片 7">
+            <a:extLst>
+              <a:ext uri="{FF2B5EF4-FFF2-40B4-BE49-F238E27FC236}">
+                <a16:creationId xmlns:a16="http://schemas.microsoft.com/office/drawing/2014/main" id="{CC790273-AFD9-40AD-A862-06DB29543047}"/>
+              </a:ext>
+            </a:extLst>
+          </p:cNvPr>
+          <p:cNvPicPr>
+            <a:picLocks noChangeAspect="1"/>
+          </p:cNvPicPr>
+          <p:nvPr/>
+        </p:nvPicPr>
+        <p:blipFill>
+          <a:blip r:embed="rId5"/>
+          <a:stretch>
+            <a:fillRect/>
+          </a:stretch>
+        </p:blipFill>
+        <p:spPr>
+          <a:xfrm>
+            <a:off x="5008253" y="4468414"/>
+            <a:ext cx="3905795" cy="1819529"/>
+          </a:xfrm>
+          <a:prstGeom prst="rect">
+            <a:avLst/>
+          </a:prstGeom>
+        </p:spPr>
+      </p:pic>
+      <p:pic>
+        <p:nvPicPr>
+          <p:cNvPr id="9" name="圖片 8">
+            <a:extLst>
+              <a:ext uri="{FF2B5EF4-FFF2-40B4-BE49-F238E27FC236}">
+                <a16:creationId xmlns:a16="http://schemas.microsoft.com/office/drawing/2014/main" id="{7639B3B6-C635-4DBB-BF70-232BCCC8FDED}"/>
+              </a:ext>
+            </a:extLst>
+          </p:cNvPr>
+          <p:cNvPicPr>
+            <a:picLocks noChangeAspect="1"/>
+          </p:cNvPicPr>
+          <p:nvPr/>
+        </p:nvPicPr>
+        <p:blipFill>
+          <a:blip r:embed="rId6"/>
+          <a:stretch>
+            <a:fillRect/>
+          </a:stretch>
+        </p:blipFill>
+        <p:spPr>
+          <a:xfrm>
+            <a:off x="5394619" y="2825123"/>
+            <a:ext cx="2686425" cy="314369"/>
+          </a:xfrm>
+          <a:prstGeom prst="rect">
+            <a:avLst/>
+          </a:prstGeom>
+        </p:spPr>
+      </p:pic>
+      <p:pic>
+        <p:nvPicPr>
+          <p:cNvPr id="10" name="圖片 9">
+            <a:extLst>
+              <a:ext uri="{FF2B5EF4-FFF2-40B4-BE49-F238E27FC236}">
+                <a16:creationId xmlns:a16="http://schemas.microsoft.com/office/drawing/2014/main" id="{8FD26154-90A7-4A31-B9E1-8D6D1A44767C}"/>
+              </a:ext>
+            </a:extLst>
+          </p:cNvPr>
+          <p:cNvPicPr>
+            <a:picLocks noChangeAspect="1"/>
+          </p:cNvPicPr>
+          <p:nvPr/>
+        </p:nvPicPr>
+        <p:blipFill>
+          <a:blip r:embed="rId7"/>
+          <a:stretch>
+            <a:fillRect/>
+          </a:stretch>
+        </p:blipFill>
+        <p:spPr>
+          <a:xfrm>
+            <a:off x="5398833" y="3301439"/>
+            <a:ext cx="3124636" cy="257211"/>
+          </a:xfrm>
+          <a:prstGeom prst="rect">
+            <a:avLst/>
+          </a:prstGeom>
+        </p:spPr>
+      </p:pic>
+      <p:pic>
+        <p:nvPicPr>
+          <p:cNvPr id="11" name="圖片 10">
+            <a:extLst>
+              <a:ext uri="{FF2B5EF4-FFF2-40B4-BE49-F238E27FC236}">
+                <a16:creationId xmlns:a16="http://schemas.microsoft.com/office/drawing/2014/main" id="{841AFBD6-3EAD-4B88-961C-0B1C990BA3C5}"/>
+              </a:ext>
+            </a:extLst>
+          </p:cNvPr>
+          <p:cNvPicPr>
+            <a:picLocks noChangeAspect="1"/>
+          </p:cNvPicPr>
+          <p:nvPr/>
+        </p:nvPicPr>
+        <p:blipFill>
+          <a:blip r:embed="rId8"/>
+          <a:stretch>
+            <a:fillRect/>
+          </a:stretch>
+        </p:blipFill>
+        <p:spPr>
+          <a:xfrm>
+            <a:off x="5394617" y="3718509"/>
+            <a:ext cx="3210373" cy="257211"/>
+          </a:xfrm>
+          <a:prstGeom prst="rect">
+            <a:avLst/>
+          </a:prstGeom>
+        </p:spPr>
+      </p:pic>
     </p:spTree>
     <p:extLst>
       <p:ext uri="{BB962C8B-B14F-4D97-AF65-F5344CB8AC3E}">
@@ -4475,31 +9216,163 @@
           </a:p>
         </p:txBody>
       </p:sp>
-      <p:sp>
-        <p:nvSpPr>
-          <p:cNvPr id="3" name="內容版面配置區 2">
+      <p:pic>
+        <p:nvPicPr>
+          <p:cNvPr id="5" name="內容版面配置區 4">
             <a:extLst>
               <a:ext uri="{FF2B5EF4-FFF2-40B4-BE49-F238E27FC236}">
-                <a16:creationId xmlns:a16="http://schemas.microsoft.com/office/drawing/2014/main" id="{BC2F5C01-080F-497D-AA74-875DE83EA16C}"/>
+                <a16:creationId xmlns:a16="http://schemas.microsoft.com/office/drawing/2014/main" id="{D42AE313-C9BD-4000-8B2C-C627320E7D11}"/>
               </a:ext>
             </a:extLst>
           </p:cNvPr>
-          <p:cNvSpPr>
-            <a:spLocks noGrp="1"/>
-          </p:cNvSpPr>
+          <p:cNvPicPr>
+            <a:picLocks noGrp="1" noChangeAspect="1"/>
+          </p:cNvPicPr>
           <p:nvPr>
             <p:ph idx="1"/>
           </p:nvPr>
-        </p:nvSpPr>
-        <p:spPr/>
-        <p:txBody>
-          <a:bodyPr/>
-          <a:lstStyle/>
-          <a:p>
-            <a:endParaRPr lang="zh-TW" altLang="en-US"/>
-          </a:p>
-        </p:txBody>
-      </p:sp>
+        </p:nvPicPr>
+        <p:blipFill>
+          <a:blip r:embed="rId2"/>
+          <a:stretch>
+            <a:fillRect/>
+          </a:stretch>
+        </p:blipFill>
+        <p:spPr>
+          <a:xfrm>
+            <a:off x="756705" y="1417638"/>
+            <a:ext cx="7630590" cy="1371791"/>
+          </a:xfrm>
+          <a:prstGeom prst="rect">
+            <a:avLst/>
+          </a:prstGeom>
+        </p:spPr>
+      </p:pic>
+      <p:pic>
+        <p:nvPicPr>
+          <p:cNvPr id="6" name="圖片 5">
+            <a:extLst>
+              <a:ext uri="{FF2B5EF4-FFF2-40B4-BE49-F238E27FC236}">
+                <a16:creationId xmlns:a16="http://schemas.microsoft.com/office/drawing/2014/main" id="{57918A77-6F97-4A78-B7C2-A1BD5849949E}"/>
+              </a:ext>
+            </a:extLst>
+          </p:cNvPr>
+          <p:cNvPicPr>
+            <a:picLocks noChangeAspect="1"/>
+          </p:cNvPicPr>
+          <p:nvPr/>
+        </p:nvPicPr>
+        <p:blipFill>
+          <a:blip r:embed="rId3"/>
+          <a:stretch>
+            <a:fillRect/>
+          </a:stretch>
+        </p:blipFill>
+        <p:spPr>
+          <a:xfrm>
+            <a:off x="251520" y="3547834"/>
+            <a:ext cx="6277851" cy="2943636"/>
+          </a:xfrm>
+          <a:prstGeom prst="rect">
+            <a:avLst/>
+          </a:prstGeom>
+        </p:spPr>
+      </p:pic>
+      <p:pic>
+        <p:nvPicPr>
+          <p:cNvPr id="7" name="圖片 6">
+            <a:extLst>
+              <a:ext uri="{FF2B5EF4-FFF2-40B4-BE49-F238E27FC236}">
+                <a16:creationId xmlns:a16="http://schemas.microsoft.com/office/drawing/2014/main" id="{EFAC0DC6-4C52-4162-B151-5FE9633C5BA0}"/>
+              </a:ext>
+            </a:extLst>
+          </p:cNvPr>
+          <p:cNvPicPr>
+            <a:picLocks noChangeAspect="1"/>
+          </p:cNvPicPr>
+          <p:nvPr/>
+        </p:nvPicPr>
+        <p:blipFill>
+          <a:blip r:embed="rId4"/>
+          <a:stretch>
+            <a:fillRect/>
+          </a:stretch>
+        </p:blipFill>
+        <p:spPr>
+          <a:xfrm>
+            <a:off x="683568" y="2789429"/>
+            <a:ext cx="7611537" cy="523948"/>
+          </a:xfrm>
+          <a:prstGeom prst="rect">
+            <a:avLst/>
+          </a:prstGeom>
+        </p:spPr>
+      </p:pic>
+      <p:pic>
+        <p:nvPicPr>
+          <p:cNvPr id="9" name="圖片 8">
+            <a:extLst>
+              <a:ext uri="{FF2B5EF4-FFF2-40B4-BE49-F238E27FC236}">
+                <a16:creationId xmlns:a16="http://schemas.microsoft.com/office/drawing/2014/main" id="{92815104-B746-4BFB-B168-3C16DC5F8DC6}"/>
+              </a:ext>
+            </a:extLst>
+          </p:cNvPr>
+          <p:cNvPicPr>
+            <a:picLocks noChangeAspect="1"/>
+          </p:cNvPicPr>
+          <p:nvPr/>
+        </p:nvPicPr>
+        <p:blipFill>
+          <a:blip r:embed="rId5"/>
+          <a:stretch>
+            <a:fillRect/>
+          </a:stretch>
+        </p:blipFill>
+        <p:spPr>
+          <a:xfrm>
+            <a:off x="4572000" y="6145151"/>
+            <a:ext cx="4001058" cy="438211"/>
+          </a:xfrm>
+          <a:prstGeom prst="rect">
+            <a:avLst/>
+          </a:prstGeom>
+        </p:spPr>
+      </p:pic>
+      <p:pic>
+        <p:nvPicPr>
+          <p:cNvPr id="10" name="圖片 9">
+            <a:extLst>
+              <a:ext uri="{FF2B5EF4-FFF2-40B4-BE49-F238E27FC236}">
+                <a16:creationId xmlns:a16="http://schemas.microsoft.com/office/drawing/2014/main" id="{16910801-92DC-4840-90FE-8C306D4A5F3D}"/>
+              </a:ext>
+            </a:extLst>
+          </p:cNvPr>
+          <p:cNvPicPr>
+            <a:picLocks noChangeAspect="1"/>
+          </p:cNvPicPr>
+          <p:nvPr/>
+        </p:nvPicPr>
+        <p:blipFill>
+          <a:blip r:embed="rId6"/>
+          <a:stretch>
+            <a:fillRect/>
+          </a:stretch>
+        </p:blipFill>
+        <p:spPr>
+          <a:xfrm>
+            <a:off x="6664816" y="5357706"/>
+            <a:ext cx="1648055" cy="390580"/>
+          </a:xfrm>
+          <a:prstGeom prst="rect">
+            <a:avLst/>
+          </a:prstGeom>
+          <a:ln>
+            <a:solidFill>
+              <a:schemeClr val="tx1"/>
+            </a:solidFill>
+          </a:ln>
+        </p:spPr>
+      </p:pic>
     </p:spTree>
     <p:extLst>
       <p:ext uri="{BB962C8B-B14F-4D97-AF65-F5344CB8AC3E}">
@@ -4532,7 +9405,13 @@
       </p:grpSpPr>
       <p:sp>
         <p:nvSpPr>
-          <p:cNvPr id="2" name="標題 1"/>
+          <p:cNvPr id="2" name="標題 1">
+            <a:extLst>
+              <a:ext uri="{FF2B5EF4-FFF2-40B4-BE49-F238E27FC236}">
+                <a16:creationId xmlns:a16="http://schemas.microsoft.com/office/drawing/2014/main" id="{03407ED8-8E77-49CF-AB04-F8708E778DD0}"/>
+              </a:ext>
+            </a:extLst>
+          </p:cNvPr>
           <p:cNvSpPr>
             <a:spLocks noGrp="1"/>
           </p:cNvSpPr>
@@ -4547,7 +9426,7 @@
           <a:p>
             <a:r>
               <a:rPr lang="en-US" altLang="zh-TW" dirty="0"/>
-              <a:t>Algorithm to Solve the Problem</a:t>
+              <a:t>Outline</a:t>
             </a:r>
             <a:endParaRPr lang="zh-TW" altLang="en-US" dirty="0"/>
           </a:p>
@@ -4555,7 +9434,13 @@
       </p:sp>
       <p:sp>
         <p:nvSpPr>
-          <p:cNvPr id="3" name="內容版面配置區 2"/>
+          <p:cNvPr id="3" name="內容版面配置區 2">
+            <a:extLst>
+              <a:ext uri="{FF2B5EF4-FFF2-40B4-BE49-F238E27FC236}">
+                <a16:creationId xmlns:a16="http://schemas.microsoft.com/office/drawing/2014/main" id="{DA6D5611-D3FE-4E92-ABA7-F9AAB1E53AFC}"/>
+              </a:ext>
+            </a:extLst>
+          </p:cNvPr>
           <p:cNvSpPr>
             <a:spLocks noGrp="1"/>
           </p:cNvSpPr>
@@ -4570,7 +9455,39 @@
           <a:p>
             <a:r>
               <a:rPr lang="en-US" altLang="zh-TW" dirty="0"/>
-              <a:t>This can have as many pages as you wish. You should do your best on getting an algorithm or at least some ideas for solving the problem.</a:t>
+              <a:t>Problem Description</a:t>
+            </a:r>
+          </a:p>
+          <a:p>
+            <a:r>
+              <a:rPr lang="en-US" altLang="zh-TW" b="1" dirty="0">
+                <a:effectLst>
+                  <a:outerShdw blurRad="38100" dist="38100" dir="2700000" algn="tl">
+                    <a:srgbClr val="000000">
+                      <a:alpha val="43137"/>
+                    </a:srgbClr>
+                  </a:outerShdw>
+                </a:effectLst>
+              </a:rPr>
+              <a:t>Algorithm to Solve the Problem</a:t>
+            </a:r>
+          </a:p>
+          <a:p>
+            <a:r>
+              <a:rPr lang="en-US" altLang="zh-TW" dirty="0"/>
+              <a:t>Data Structures</a:t>
+            </a:r>
+          </a:p>
+          <a:p>
+            <a:r>
+              <a:rPr lang="en-US" altLang="zh-TW" dirty="0"/>
+              <a:t>Experimental Results</a:t>
+            </a:r>
+          </a:p>
+          <a:p>
+            <a:r>
+              <a:rPr lang="en-US" altLang="zh-TW" dirty="0"/>
+              <a:t>Difficulties</a:t>
             </a:r>
             <a:endParaRPr lang="zh-TW" altLang="en-US" dirty="0"/>
           </a:p>
@@ -4579,7 +9496,7 @@
     </p:spTree>
     <p:extLst>
       <p:ext uri="{BB962C8B-B14F-4D97-AF65-F5344CB8AC3E}">
-        <p14:creationId xmlns:p14="http://schemas.microsoft.com/office/powerpoint/2010/main" val="1627705656"/>
+        <p14:creationId xmlns:p14="http://schemas.microsoft.com/office/powerpoint/2010/main" val="2154513808"/>
       </p:ext>
     </p:extLst>
   </p:cSld>
